--- a/psets/pset-final/08-1 HashingFinal.pptx
+++ b/psets/pset-final/08-1 HashingFinal.pptx
@@ -219,7 +219,7 @@
           <a:p>
             <a:fld id="{648057B7-EFC7-4AC6-B479-CDD44EB7D654}" type="datetimeFigureOut">
               <a:rPr lang="ko-KR" altLang="en-US" smtClean="0"/>
-              <a:t>2021-12-05</a:t>
+              <a:t>2022-01-09</a:t>
             </a:fld>
             <a:endParaRPr lang="ko-KR" altLang="en-US"/>
           </a:p>
@@ -549,10 +549,6 @@
               <a:rPr lang="ko-KR" altLang="en-US" dirty="0"/>
               <a:t>마스터 제목 </a:t>
             </a:r>
-            <a:r>
-              <a:rPr lang="en-US" altLang="ko-KR" dirty="0"/>
-              <a:t/>
-            </a:r>
             <a:br>
               <a:rPr lang="en-US" altLang="ko-KR" dirty="0"/>
             </a:br>
@@ -766,10 +762,6 @@
             <a:r>
               <a:rPr lang="ko-KR" altLang="en-US" dirty="0"/>
               <a:t>마스터 제목 </a:t>
-            </a:r>
-            <a:r>
-              <a:rPr lang="en-US" altLang="ko-KR" dirty="0"/>
-              <a:t/>
             </a:r>
             <a:br>
               <a:rPr lang="en-US" altLang="ko-KR" dirty="0"/>
@@ -2614,6 +2606,133 @@
           </a:p>
         </p:txBody>
       </p:sp>
+      <p:sp>
+        <p:nvSpPr>
+          <p:cNvPr id="5" name="TextBox 4">
+            <a:extLst>
+              <a:ext uri="{FF2B5EF4-FFF2-40B4-BE49-F238E27FC236}">
+                <a16:creationId xmlns:a16="http://schemas.microsoft.com/office/drawing/2014/main" id="{0060CD42-B8C6-4EA3-B8EE-591281984A79}"/>
+              </a:ext>
+            </a:extLst>
+          </p:cNvPr>
+          <p:cNvSpPr txBox="1"/>
+          <p:nvPr/>
+        </p:nvSpPr>
+        <p:spPr>
+          <a:xfrm>
+            <a:off x="839416" y="404664"/>
+            <a:ext cx="6096000" cy="1200329"/>
+          </a:xfrm>
+          <a:prstGeom prst="rect">
+            <a:avLst/>
+          </a:prstGeom>
+          <a:noFill/>
+        </p:spPr>
+        <p:txBody>
+          <a:bodyPr wrap="square">
+            <a:spAutoFit/>
+          </a:bodyPr>
+          <a:lstStyle/>
+          <a:p>
+            <a:r>
+              <a:rPr lang="en-US" altLang="ko-KR" b="0" dirty="0">
+                <a:solidFill>
+                  <a:srgbClr val="6A9955"/>
+                </a:solidFill>
+                <a:effectLst/>
+                <a:latin typeface="Consolas" panose="020B0609020204030204" pitchFamily="49" charset="0"/>
+              </a:rPr>
+              <a:t>// On my honor, I pledge that I have neither received nor provided improper assistance in the completion of this assignment.</a:t>
+            </a:r>
+            <a:endParaRPr lang="en-US" altLang="ko-KR" b="0" dirty="0">
+              <a:solidFill>
+                <a:srgbClr val="D4D4D4"/>
+              </a:solidFill>
+              <a:effectLst/>
+              <a:latin typeface="Consolas" panose="020B0609020204030204" pitchFamily="49" charset="0"/>
+            </a:endParaRPr>
+          </a:p>
+          <a:p>
+            <a:r>
+              <a:rPr lang="en-US" altLang="ko-KR" b="0" dirty="0">
+                <a:solidFill>
+                  <a:srgbClr val="6A9955"/>
+                </a:solidFill>
+                <a:effectLst/>
+                <a:latin typeface="Consolas" panose="020B0609020204030204" pitchFamily="49" charset="0"/>
+              </a:rPr>
+              <a:t>// </a:t>
+            </a:r>
+            <a:r>
+              <a:rPr lang="ko-KR" altLang="en-US" b="0" dirty="0">
+                <a:solidFill>
+                  <a:srgbClr val="6A9955"/>
+                </a:solidFill>
+                <a:effectLst/>
+                <a:latin typeface="Consolas" panose="020B0609020204030204" pitchFamily="49" charset="0"/>
+              </a:rPr>
+              <a:t>서명</a:t>
+            </a:r>
+            <a:r>
+              <a:rPr lang="en-US" altLang="ko-KR" b="0" dirty="0">
+                <a:solidFill>
+                  <a:srgbClr val="6A9955"/>
+                </a:solidFill>
+                <a:effectLst/>
+                <a:latin typeface="Consolas" panose="020B0609020204030204" pitchFamily="49" charset="0"/>
+              </a:rPr>
+              <a:t>: ___</a:t>
+            </a:r>
+            <a:r>
+              <a:rPr lang="ko-KR" altLang="en-US" b="0" dirty="0">
+                <a:solidFill>
+                  <a:srgbClr val="6A9955"/>
+                </a:solidFill>
+                <a:effectLst/>
+                <a:latin typeface="Consolas" panose="020B0609020204030204" pitchFamily="49" charset="0"/>
+              </a:rPr>
+              <a:t>강동인</a:t>
+            </a:r>
+            <a:r>
+              <a:rPr lang="en-US" altLang="ko-KR" b="0" dirty="0">
+                <a:solidFill>
+                  <a:srgbClr val="6A9955"/>
+                </a:solidFill>
+                <a:effectLst/>
+                <a:latin typeface="Consolas" panose="020B0609020204030204" pitchFamily="49" charset="0"/>
+              </a:rPr>
+              <a:t>_______ </a:t>
+            </a:r>
+            <a:r>
+              <a:rPr lang="ko-KR" altLang="en-US" b="0" dirty="0">
+                <a:solidFill>
+                  <a:srgbClr val="6A9955"/>
+                </a:solidFill>
+                <a:effectLst/>
+                <a:latin typeface="Consolas" panose="020B0609020204030204" pitchFamily="49" charset="0"/>
+              </a:rPr>
+              <a:t>학번</a:t>
+            </a:r>
+            <a:r>
+              <a:rPr lang="en-US" altLang="ko-KR" b="0" dirty="0">
+                <a:solidFill>
+                  <a:srgbClr val="6A9955"/>
+                </a:solidFill>
+                <a:effectLst/>
+                <a:latin typeface="Consolas" panose="020B0609020204030204" pitchFamily="49" charset="0"/>
+              </a:rPr>
+              <a:t>: ____21500002___</a:t>
+            </a:r>
+            <a:endParaRPr lang="ko-KR" altLang="en-US" b="0" dirty="0">
+              <a:solidFill>
+                <a:srgbClr val="D4D4D4"/>
+              </a:solidFill>
+              <a:effectLst/>
+              <a:latin typeface="Consolas" panose="020B0609020204030204" pitchFamily="49" charset="0"/>
+            </a:endParaRPr>
+          </a:p>
+        </p:txBody>
+      </p:sp>
     </p:spTree>
     <p:extLst>
       <p:ext uri="{BB962C8B-B14F-4D97-AF65-F5344CB8AC3E}">
@@ -2934,12 +3053,8 @@
           <a:lstStyle/>
           <a:p>
             <a:r>
-              <a:rPr lang="en-US" altLang="ko-KR" spc="-5" dirty="0" smtClean="0"/>
-              <a:t>Q1. </a:t>
-            </a:r>
-            <a:r>
               <a:rPr lang="en-US" altLang="ko-KR" spc="-5" dirty="0"/>
-              <a:t>Linear Probing</a:t>
+              <a:t>Q1. Linear Probing</a:t>
             </a:r>
             <a:endParaRPr lang="ko-KR" altLang="en-US" dirty="0"/>
           </a:p>
@@ -3191,7 +3306,13 @@
           <p:cNvGraphicFramePr>
             <a:graphicFrameLocks noGrp="1"/>
           </p:cNvGraphicFramePr>
-          <p:nvPr/>
+          <p:nvPr>
+            <p:extLst>
+              <p:ext uri="{D42A27DB-BD31-4B8C-83A1-F6EECF244321}">
+                <p14:modId xmlns:p14="http://schemas.microsoft.com/office/powerpoint/2010/main" val="4120824209"/>
+              </p:ext>
+            </p:extLst>
+          </p:nvPr>
         </p:nvGraphicFramePr>
         <p:xfrm>
           <a:off x="983432" y="3430497"/>
@@ -3374,6 +3495,14 @@
                     <a:lstStyle/>
                     <a:p>
                       <a:pPr algn="ctr" latinLnBrk="0"/>
+                      <a:r>
+                        <a:rPr lang="en-US" altLang="ko-KR" sz="1050" dirty="0">
+                          <a:solidFill>
+                            <a:srgbClr val="C00000"/>
+                          </a:solidFill>
+                        </a:rPr>
+                        <a:t>6</a:t>
+                      </a:r>
                       <a:endParaRPr lang="ko-KR" altLang="en-US" sz="1050" dirty="0">
                         <a:solidFill>
                           <a:srgbClr val="C00000"/>
@@ -3389,7 +3518,7 @@
                     <a:lstStyle/>
                     <a:p>
                       <a:pPr algn="ctr" latinLnBrk="0"/>
-                      <a:endParaRPr lang="ko-KR" altLang="en-US" sz="1050"/>
+                      <a:endParaRPr lang="ko-KR" altLang="en-US" sz="1050" dirty="0"/>
                     </a:p>
                   </a:txBody>
                   <a:tcPr/>
@@ -3422,6 +3551,14 @@
                     <a:lstStyle/>
                     <a:p>
                       <a:pPr algn="ctr" latinLnBrk="0"/>
+                      <a:r>
+                        <a:rPr lang="en-US" altLang="ko-KR" sz="1050" dirty="0">
+                          <a:solidFill>
+                            <a:srgbClr val="C00000"/>
+                          </a:solidFill>
+                        </a:rPr>
+                        <a:t>3</a:t>
+                      </a:r>
                       <a:endParaRPr lang="ko-KR" altLang="en-US" sz="1050" dirty="0">
                         <a:solidFill>
                           <a:srgbClr val="C00000"/>
@@ -3470,6 +3607,14 @@
                     <a:lstStyle/>
                     <a:p>
                       <a:pPr algn="ctr" latinLnBrk="0"/>
+                      <a:r>
+                        <a:rPr lang="en-US" altLang="ko-KR" sz="1050" dirty="0">
+                          <a:solidFill>
+                            <a:srgbClr val="C00000"/>
+                          </a:solidFill>
+                        </a:rPr>
+                        <a:t>1</a:t>
+                      </a:r>
                       <a:endParaRPr lang="ko-KR" altLang="en-US" sz="1050" dirty="0">
                         <a:solidFill>
                           <a:srgbClr val="C00000"/>
@@ -3485,7 +3630,7 @@
                     <a:lstStyle/>
                     <a:p>
                       <a:pPr algn="ctr" latinLnBrk="0"/>
-                      <a:endParaRPr lang="ko-KR" altLang="en-US" sz="1050"/>
+                      <a:endParaRPr lang="ko-KR" altLang="en-US" sz="1050" dirty="0"/>
                     </a:p>
                   </a:txBody>
                   <a:tcPr/>
@@ -3518,6 +3663,14 @@
                     <a:lstStyle/>
                     <a:p>
                       <a:pPr algn="ctr" latinLnBrk="0"/>
+                      <a:r>
+                        <a:rPr lang="en-US" altLang="ko-KR" sz="1050" dirty="0">
+                          <a:solidFill>
+                            <a:srgbClr val="C00000"/>
+                          </a:solidFill>
+                        </a:rPr>
+                        <a:t>7</a:t>
+                      </a:r>
                       <a:endParaRPr lang="ko-KR" altLang="en-US" sz="1050" dirty="0">
                         <a:solidFill>
                           <a:srgbClr val="C00000"/>
@@ -3533,7 +3686,7 @@
                     <a:lstStyle/>
                     <a:p>
                       <a:pPr algn="ctr" latinLnBrk="0"/>
-                      <a:endParaRPr lang="ko-KR" altLang="en-US" sz="1050"/>
+                      <a:endParaRPr lang="ko-KR" altLang="en-US" sz="1050" dirty="0"/>
                     </a:p>
                   </a:txBody>
                   <a:tcPr/>
@@ -3566,6 +3719,14 @@
                     <a:lstStyle/>
                     <a:p>
                       <a:pPr algn="ctr" latinLnBrk="0"/>
+                      <a:r>
+                        <a:rPr lang="en-US" altLang="ko-KR" sz="1050" dirty="0">
+                          <a:solidFill>
+                            <a:srgbClr val="C00000"/>
+                          </a:solidFill>
+                        </a:rPr>
+                        <a:t>2</a:t>
+                      </a:r>
                       <a:endParaRPr lang="ko-KR" altLang="en-US" sz="1050" dirty="0">
                         <a:solidFill>
                           <a:srgbClr val="C00000"/>
@@ -3581,7 +3742,7 @@
                     <a:lstStyle/>
                     <a:p>
                       <a:pPr algn="ctr" latinLnBrk="0"/>
-                      <a:endParaRPr lang="ko-KR" altLang="en-US" sz="1050"/>
+                      <a:endParaRPr lang="ko-KR" altLang="en-US" sz="1050" dirty="0"/>
                     </a:p>
                   </a:txBody>
                   <a:tcPr/>
@@ -3614,6 +3775,14 @@
                     <a:lstStyle/>
                     <a:p>
                       <a:pPr algn="ctr" latinLnBrk="0"/>
+                      <a:r>
+                        <a:rPr lang="en-US" altLang="ko-KR" sz="1050" dirty="0">
+                          <a:solidFill>
+                            <a:srgbClr val="C00000"/>
+                          </a:solidFill>
+                        </a:rPr>
+                        <a:t>9</a:t>
+                      </a:r>
                       <a:endParaRPr lang="ko-KR" altLang="en-US" sz="1050" dirty="0">
                         <a:solidFill>
                           <a:srgbClr val="C00000"/>
@@ -3662,6 +3831,14 @@
                     <a:lstStyle/>
                     <a:p>
                       <a:pPr algn="ctr" latinLnBrk="0"/>
+                      <a:r>
+                        <a:rPr lang="en-US" altLang="ko-KR" sz="1050" dirty="0">
+                          <a:solidFill>
+                            <a:srgbClr val="C00000"/>
+                          </a:solidFill>
+                        </a:rPr>
+                        <a:t>5</a:t>
+                      </a:r>
                       <a:endParaRPr lang="ko-KR" altLang="en-US" sz="1050" dirty="0">
                         <a:solidFill>
                           <a:srgbClr val="C00000"/>
@@ -3710,6 +3887,14 @@
                     <a:lstStyle/>
                     <a:p>
                       <a:pPr algn="ctr" latinLnBrk="0"/>
+                      <a:r>
+                        <a:rPr lang="en-US" altLang="ko-KR" sz="1050" dirty="0">
+                          <a:solidFill>
+                            <a:srgbClr val="C00000"/>
+                          </a:solidFill>
+                        </a:rPr>
+                        <a:t>5</a:t>
+                      </a:r>
                       <a:endParaRPr lang="ko-KR" altLang="en-US" sz="1050" dirty="0">
                         <a:solidFill>
                           <a:srgbClr val="C00000"/>
@@ -3725,6 +3910,10 @@
                     <a:lstStyle/>
                     <a:p>
                       <a:pPr algn="ctr" latinLnBrk="0"/>
+                      <a:r>
+                        <a:rPr lang="en-US" altLang="ko-KR" sz="1050" dirty="0"/>
+                        <a:t>5, 6, 7, 8</a:t>
+                      </a:r>
                       <a:endParaRPr lang="ko-KR" altLang="en-US" sz="1050" dirty="0"/>
                     </a:p>
                   </a:txBody>
@@ -3758,6 +3947,14 @@
                     <a:lstStyle/>
                     <a:p>
                       <a:pPr algn="ctr" latinLnBrk="0"/>
+                      <a:r>
+                        <a:rPr lang="en-US" altLang="ko-KR" sz="1050" dirty="0">
+                          <a:solidFill>
+                            <a:srgbClr val="C00000"/>
+                          </a:solidFill>
+                        </a:rPr>
+                        <a:t>7</a:t>
+                      </a:r>
                       <a:endParaRPr lang="ko-KR" altLang="en-US" sz="1050" dirty="0">
                         <a:solidFill>
                           <a:srgbClr val="C00000"/>
@@ -3773,6 +3970,10 @@
                     <a:lstStyle/>
                     <a:p>
                       <a:pPr algn="ctr" latinLnBrk="0"/>
+                      <a:r>
+                        <a:rPr lang="en-US" altLang="ko-KR" sz="1050" dirty="0"/>
+                        <a:t>7, 8, 9, 10</a:t>
+                      </a:r>
                       <a:endParaRPr lang="ko-KR" altLang="en-US" sz="1050" dirty="0"/>
                     </a:p>
                   </a:txBody>
@@ -3794,7 +3995,13 @@
           <p:cNvGraphicFramePr>
             <a:graphicFrameLocks noGrp="1"/>
           </p:cNvGraphicFramePr>
-          <p:nvPr/>
+          <p:nvPr>
+            <p:extLst>
+              <p:ext uri="{D42A27DB-BD31-4B8C-83A1-F6EECF244321}">
+                <p14:modId xmlns:p14="http://schemas.microsoft.com/office/powerpoint/2010/main" val="3061043716"/>
+              </p:ext>
+            </p:extLst>
+          </p:nvPr>
         </p:nvGraphicFramePr>
         <p:xfrm>
           <a:off x="4151786" y="3496826"/>
@@ -4144,6 +4351,75 @@
                     <a:lstStyle/>
                     <a:p>
                       <a:pPr algn="ctr" latinLnBrk="1"/>
+                      <a:r>
+                        <a:rPr kumimoji="0" lang="en-US" altLang="ko-KR" sz="1400" kern="1200" dirty="0">
+                          <a:solidFill>
+                            <a:srgbClr val="C00000"/>
+                          </a:solidFill>
+                          <a:latin typeface="+mn-lt"/>
+                          <a:ea typeface="+mn-ea"/>
+                          <a:cs typeface="+mn-cs"/>
+                        </a:rPr>
+                        <a:t>0</a:t>
+                      </a:r>
+                      <a:endParaRPr kumimoji="0" lang="ko-KR" altLang="en-US" sz="1400" kern="1200" dirty="0">
+                        <a:solidFill>
+                          <a:srgbClr val="C00000"/>
+                        </a:solidFill>
+                        <a:latin typeface="+mn-lt"/>
+                        <a:ea typeface="+mn-ea"/>
+                        <a:cs typeface="+mn-cs"/>
+                      </a:endParaRPr>
+                    </a:p>
+                  </a:txBody>
+                  <a:tcPr anchor="ctr"/>
+                </a:tc>
+                <a:tc>
+                  <a:txBody>
+                    <a:bodyPr/>
+                    <a:lstStyle/>
+                    <a:p>
+                      <a:pPr algn="ctr" latinLnBrk="1"/>
+                      <a:r>
+                        <a:rPr kumimoji="0" lang="en-US" altLang="ko-KR" sz="1400" kern="1200" dirty="0">
+                          <a:solidFill>
+                            <a:srgbClr val="C00000"/>
+                          </a:solidFill>
+                          <a:latin typeface="+mn-lt"/>
+                          <a:ea typeface="+mn-ea"/>
+                          <a:cs typeface="+mn-cs"/>
+                        </a:rPr>
+                        <a:t>31</a:t>
+                      </a:r>
+                      <a:endParaRPr kumimoji="0" lang="ko-KR" altLang="en-US" sz="1400" kern="1200" dirty="0">
+                        <a:solidFill>
+                          <a:srgbClr val="C00000"/>
+                        </a:solidFill>
+                        <a:latin typeface="+mn-lt"/>
+                        <a:ea typeface="+mn-ea"/>
+                        <a:cs typeface="+mn-cs"/>
+                      </a:endParaRPr>
+                    </a:p>
+                  </a:txBody>
+                  <a:tcPr anchor="ctr"/>
+                </a:tc>
+                <a:tc>
+                  <a:txBody>
+                    <a:bodyPr/>
+                    <a:lstStyle/>
+                    <a:p>
+                      <a:pPr algn="ctr" latinLnBrk="1"/>
+                      <a:r>
+                        <a:rPr kumimoji="0" lang="en-US" altLang="ko-KR" sz="1400" kern="1200" dirty="0">
+                          <a:solidFill>
+                            <a:srgbClr val="C00000"/>
+                          </a:solidFill>
+                          <a:latin typeface="+mn-lt"/>
+                          <a:ea typeface="+mn-ea"/>
+                          <a:cs typeface="+mn-cs"/>
+                        </a:rPr>
+                        <a:t>1</a:t>
+                      </a:r>
                       <a:endParaRPr kumimoji="0" lang="ko-KR" altLang="en-US" sz="1400" kern="1200" dirty="0">
                         <a:solidFill>
                           <a:srgbClr val="C00000"/>
@@ -4180,6 +4456,17 @@
                     <a:lstStyle/>
                     <a:p>
                       <a:pPr algn="ctr" latinLnBrk="1"/>
+                      <a:r>
+                        <a:rPr kumimoji="0" lang="en-US" altLang="ko-KR" sz="1400" kern="1200" dirty="0">
+                          <a:solidFill>
+                            <a:srgbClr val="C00000"/>
+                          </a:solidFill>
+                          <a:latin typeface="+mn-lt"/>
+                          <a:ea typeface="+mn-ea"/>
+                          <a:cs typeface="+mn-cs"/>
+                        </a:rPr>
+                        <a:t>7</a:t>
+                      </a:r>
                       <a:endParaRPr kumimoji="0" lang="ko-KR" altLang="en-US" sz="1400" kern="1200" dirty="0">
                         <a:solidFill>
                           <a:srgbClr val="C00000"/>
@@ -4198,6 +4485,17 @@
                     <a:lstStyle/>
                     <a:p>
                       <a:pPr algn="ctr" latinLnBrk="1"/>
+                      <a:r>
+                        <a:rPr kumimoji="0" lang="en-US" altLang="ko-KR" sz="1400" kern="1200" dirty="0">
+                          <a:solidFill>
+                            <a:srgbClr val="C00000"/>
+                          </a:solidFill>
+                          <a:latin typeface="+mn-lt"/>
+                          <a:ea typeface="+mn-ea"/>
+                          <a:cs typeface="+mn-cs"/>
+                        </a:rPr>
+                        <a:t>23</a:t>
+                      </a:r>
                       <a:endParaRPr kumimoji="0" lang="ko-KR" altLang="en-US" sz="1400" kern="1200" dirty="0">
                         <a:solidFill>
                           <a:srgbClr val="C00000"/>
@@ -4216,6 +4514,17 @@
                     <a:lstStyle/>
                     <a:p>
                       <a:pPr algn="ctr" latinLnBrk="1"/>
+                      <a:r>
+                        <a:rPr kumimoji="0" lang="en-US" altLang="ko-KR" sz="1400" kern="1200" dirty="0">
+                          <a:solidFill>
+                            <a:srgbClr val="C00000"/>
+                          </a:solidFill>
+                          <a:latin typeface="+mn-lt"/>
+                          <a:ea typeface="+mn-ea"/>
+                          <a:cs typeface="+mn-cs"/>
+                        </a:rPr>
+                        <a:t>15</a:t>
+                      </a:r>
                       <a:endParaRPr kumimoji="0" lang="ko-KR" altLang="en-US" sz="1400" kern="1200" dirty="0">
                         <a:solidFill>
                           <a:srgbClr val="C00000"/>
@@ -4234,6 +4543,17 @@
                     <a:lstStyle/>
                     <a:p>
                       <a:pPr algn="ctr" latinLnBrk="1"/>
+                      <a:r>
+                        <a:rPr kumimoji="0" lang="en-US" altLang="ko-KR" sz="1400" kern="1200" dirty="0">
+                          <a:solidFill>
+                            <a:srgbClr val="C00000"/>
+                          </a:solidFill>
+                          <a:latin typeface="+mn-lt"/>
+                          <a:ea typeface="+mn-ea"/>
+                          <a:cs typeface="+mn-cs"/>
+                        </a:rPr>
+                        <a:t>11</a:t>
+                      </a:r>
                       <a:endParaRPr kumimoji="0" lang="ko-KR" altLang="en-US" sz="1400" kern="1200" dirty="0">
                         <a:solidFill>
                           <a:srgbClr val="C00000"/>
@@ -4252,6 +4572,17 @@
                     <a:lstStyle/>
                     <a:p>
                       <a:pPr algn="ctr" latinLnBrk="1"/>
+                      <a:r>
+                        <a:rPr kumimoji="0" lang="en-US" altLang="ko-KR" sz="1400" kern="1200" dirty="0">
+                          <a:solidFill>
+                            <a:srgbClr val="C00000"/>
+                          </a:solidFill>
+                          <a:latin typeface="+mn-lt"/>
+                          <a:ea typeface="+mn-ea"/>
+                          <a:cs typeface="+mn-cs"/>
+                        </a:rPr>
+                        <a:t>4</a:t>
+                      </a:r>
                       <a:endParaRPr kumimoji="0" lang="ko-KR" altLang="en-US" sz="1400" kern="1200" dirty="0">
                         <a:solidFill>
                           <a:srgbClr val="C00000"/>
@@ -4270,42 +4601,17 @@
                     <a:lstStyle/>
                     <a:p>
                       <a:pPr algn="ctr" latinLnBrk="1"/>
-                      <a:endParaRPr kumimoji="0" lang="ko-KR" altLang="en-US" sz="1400" kern="1200" dirty="0">
-                        <a:solidFill>
-                          <a:srgbClr val="C00000"/>
-                        </a:solidFill>
-                        <a:latin typeface="+mn-lt"/>
-                        <a:ea typeface="+mn-ea"/>
-                        <a:cs typeface="+mn-cs"/>
-                      </a:endParaRPr>
-                    </a:p>
-                  </a:txBody>
-                  <a:tcPr anchor="ctr"/>
-                </a:tc>
-                <a:tc>
-                  <a:txBody>
-                    <a:bodyPr/>
-                    <a:lstStyle/>
-                    <a:p>
-                      <a:pPr algn="ctr" latinLnBrk="1"/>
-                      <a:endParaRPr kumimoji="0" lang="ko-KR" altLang="en-US" sz="1400" kern="1200" dirty="0">
-                        <a:solidFill>
-                          <a:srgbClr val="C00000"/>
-                        </a:solidFill>
-                        <a:latin typeface="+mn-lt"/>
-                        <a:ea typeface="+mn-ea"/>
-                        <a:cs typeface="+mn-cs"/>
-                      </a:endParaRPr>
-                    </a:p>
-                  </a:txBody>
-                  <a:tcPr anchor="ctr"/>
-                </a:tc>
-                <a:tc>
-                  <a:txBody>
-                    <a:bodyPr/>
-                    <a:lstStyle/>
-                    <a:p>
-                      <a:pPr algn="ctr" latinLnBrk="1"/>
+                      <a:r>
+                        <a:rPr kumimoji="0" lang="en-US" altLang="ko-KR" sz="1400" kern="1200" dirty="0">
+                          <a:solidFill>
+                            <a:srgbClr val="C00000"/>
+                          </a:solidFill>
+                          <a:latin typeface="+mn-lt"/>
+                          <a:ea typeface="+mn-ea"/>
+                          <a:cs typeface="+mn-cs"/>
+                        </a:rPr>
+                        <a:t>3</a:t>
+                      </a:r>
                       <a:endParaRPr kumimoji="0" lang="ko-KR" altLang="en-US" sz="1400" kern="1200" dirty="0">
                         <a:solidFill>
                           <a:srgbClr val="C00000"/>
@@ -4381,6 +4687,34 @@
               <a:rPr lang="en-US" altLang="ko-KR" dirty="0"/>
               <a:t>:</a:t>
             </a:r>
+          </a:p>
+          <a:p>
+            <a:endParaRPr lang="en-US" altLang="ko-KR" dirty="0"/>
+          </a:p>
+          <a:p>
+            <a:r>
+              <a:rPr lang="pt-BR" altLang="ko-KR" dirty="0"/>
+              <a:t>h0 (3) = (h(3) + 0) % 11 = 7 (collision) </a:t>
+            </a:r>
+          </a:p>
+          <a:p>
+            <a:r>
+              <a:rPr lang="pt-BR" altLang="ko-KR" dirty="0"/>
+              <a:t>h1 (3) = (h(3) + 1) % 11 = 8 (collision) </a:t>
+            </a:r>
+          </a:p>
+          <a:p>
+            <a:r>
+              <a:rPr lang="pt-BR" altLang="ko-KR" dirty="0"/>
+              <a:t>h2 (3) = (h(3) + 2) % 11 = 9 (collision) </a:t>
+            </a:r>
+          </a:p>
+          <a:p>
+            <a:r>
+              <a:rPr lang="pt-BR" altLang="ko-KR" dirty="0"/>
+              <a:t>h3 (3) = (h(3) + 3) % 11 = 10</a:t>
+            </a:r>
+            <a:endParaRPr lang="en-US" altLang="ko-KR" dirty="0"/>
           </a:p>
         </p:txBody>
       </p:sp>
@@ -4430,12 +4764,8 @@
           <a:lstStyle/>
           <a:p>
             <a:r>
-              <a:rPr lang="en-US" altLang="ko-KR" spc="-5" dirty="0" smtClean="0"/>
-              <a:t>Q2. </a:t>
-            </a:r>
-            <a:r>
               <a:rPr lang="en-US" altLang="ko-KR" spc="-5" dirty="0"/>
-              <a:t>Quadratic Probing</a:t>
+              <a:t>Q2. Quadratic Probing</a:t>
             </a:r>
             <a:endParaRPr lang="ko-KR" altLang="en-US" dirty="0"/>
           </a:p>
@@ -8814,16 +9144,6 @@
               </a:rPr>
               <a:t> </a:t>
             </a:r>
-            <a:r>
-              <a:rPr lang="en-US" altLang="ko-KR" sz="1600" spc="-5" dirty="0">
-                <a:solidFill>
-                  <a:srgbClr val="FF0000"/>
-                </a:solidFill>
-                <a:latin typeface="Tahoma"/>
-                <a:cs typeface="Tahoma"/>
-              </a:rPr>
-              <a:t/>
-            </a:r>
             <a:br>
               <a:rPr lang="en-US" altLang="ko-KR" sz="1600" spc="-5" dirty="0">
                 <a:solidFill>
@@ -9088,8 +9408,23 @@
                 <a:latin typeface="Tahoma"/>
                 <a:cs typeface="Tahoma"/>
               </a:rPr>
-              <a:t>= </a:t>
-            </a:r>
+              <a:t>= (h(69)+f(0)) % 10</a:t>
+            </a:r>
+          </a:p>
+          <a:p>
+            <a:pPr marL="72000" lvl="1">
+              <a:spcBef>
+                <a:spcPts val="580"/>
+              </a:spcBef>
+              <a:buClr>
+                <a:srgbClr val="FF0000"/>
+              </a:buClr>
+              <a:buSzPct val="54166"/>
+              <a:tabLst>
+                <a:tab pos="793115" algn="l"/>
+                <a:tab pos="793750" algn="l"/>
+              </a:tabLst>
+            </a:pPr>
             <a:r>
               <a:rPr lang="en-US" altLang="ko-KR" sz="1600" spc="-5" dirty="0">
                 <a:solidFill>
@@ -9098,8 +9433,130 @@
                 <a:latin typeface="Tahoma"/>
                 <a:cs typeface="Tahoma"/>
               </a:rPr>
-              <a:t/>
-            </a:r>
+              <a:t>          = (     9 + 0) % 10 = 9 (collision)</a:t>
+            </a:r>
+            <a:r>
+              <a:rPr lang="en-US" altLang="ko-KR" sz="1600" spc="-5" dirty="0">
+                <a:latin typeface="Tahoma"/>
+                <a:cs typeface="Tahoma"/>
+              </a:rPr>
+              <a:t> h</a:t>
+            </a:r>
+            <a:r>
+              <a:rPr lang="en-US" altLang="ko-KR" sz="1600" spc="-7" baseline="-20833" dirty="0">
+                <a:latin typeface="Tahoma"/>
+                <a:cs typeface="Tahoma"/>
+              </a:rPr>
+              <a:t>1</a:t>
+            </a:r>
+            <a:r>
+              <a:rPr lang="en-US" altLang="ko-KR" sz="1600" spc="-5" dirty="0">
+                <a:latin typeface="Tahoma"/>
+                <a:cs typeface="Tahoma"/>
+              </a:rPr>
+              <a:t>(69) </a:t>
+            </a:r>
+            <a:r>
+              <a:rPr lang="en-US" altLang="ko-KR" sz="1600" dirty="0">
+                <a:latin typeface="Tahoma"/>
+                <a:cs typeface="Tahoma"/>
+              </a:rPr>
+              <a:t>= (h(69)+1) % 10  </a:t>
+            </a:r>
+            <a:r>
+              <a:rPr lang="en-US" altLang="ko-KR" sz="1600" spc="-5" dirty="0">
+                <a:solidFill>
+                  <a:srgbClr val="FF0000"/>
+                </a:solidFill>
+                <a:latin typeface="Tahoma"/>
+                <a:cs typeface="Tahoma"/>
+              </a:rPr>
+              <a:t>= 0 (collision)</a:t>
+            </a:r>
+            <a:r>
+              <a:rPr lang="en-US" altLang="ko-KR" sz="1600" spc="-5" dirty="0">
+                <a:latin typeface="Tahoma"/>
+                <a:cs typeface="Tahoma"/>
+              </a:rPr>
+              <a:t> h</a:t>
+            </a:r>
+            <a:r>
+              <a:rPr lang="en-US" altLang="ko-KR" sz="1600" spc="-7" baseline="-20833" dirty="0">
+                <a:latin typeface="Tahoma"/>
+                <a:cs typeface="Tahoma"/>
+              </a:rPr>
+              <a:t>1</a:t>
+            </a:r>
+            <a:r>
+              <a:rPr lang="en-US" altLang="ko-KR" sz="1600" spc="-5" dirty="0">
+                <a:latin typeface="Tahoma"/>
+                <a:cs typeface="Tahoma"/>
+              </a:rPr>
+              <a:t>(69) </a:t>
+            </a:r>
+            <a:r>
+              <a:rPr lang="en-US" altLang="ko-KR" sz="1600" dirty="0">
+                <a:latin typeface="Tahoma"/>
+                <a:cs typeface="Tahoma"/>
+              </a:rPr>
+              <a:t>= (h(69)+4) % 10  </a:t>
+            </a:r>
+            <a:r>
+              <a:rPr lang="en-US" altLang="ko-KR" sz="1600" spc="-5" dirty="0">
+                <a:solidFill>
+                  <a:srgbClr val="FF0000"/>
+                </a:solidFill>
+                <a:latin typeface="Tahoma"/>
+                <a:cs typeface="Tahoma"/>
+              </a:rPr>
+              <a:t>= 3</a:t>
+            </a:r>
+          </a:p>
+          <a:p>
+            <a:pPr marL="72000" lvl="1">
+              <a:spcBef>
+                <a:spcPts val="580"/>
+              </a:spcBef>
+              <a:buClr>
+                <a:srgbClr val="FF0000"/>
+              </a:buClr>
+              <a:buSzPct val="54166"/>
+              <a:tabLst>
+                <a:tab pos="793115" algn="l"/>
+                <a:tab pos="793750" algn="l"/>
+              </a:tabLst>
+            </a:pPr>
+            <a:br>
+              <a:rPr lang="en-US" altLang="ko-KR" sz="1600" spc="-5" dirty="0">
+                <a:solidFill>
+                  <a:srgbClr val="FF0000"/>
+                </a:solidFill>
+                <a:latin typeface="Tahoma"/>
+                <a:cs typeface="Tahoma"/>
+              </a:rPr>
+            </a:br>
+            <a:endParaRPr lang="en-US" altLang="ko-KR" sz="1600" spc="-5" dirty="0">
+              <a:solidFill>
+                <a:srgbClr val="FF0000"/>
+              </a:solidFill>
+              <a:latin typeface="Tahoma"/>
+              <a:cs typeface="Tahoma"/>
+            </a:endParaRPr>
+          </a:p>
+          <a:p>
+            <a:pPr marL="72000" lvl="1">
+              <a:spcBef>
+                <a:spcPts val="580"/>
+              </a:spcBef>
+              <a:buClr>
+                <a:srgbClr val="FF0000"/>
+              </a:buClr>
+              <a:buSzPct val="54166"/>
+              <a:tabLst>
+                <a:tab pos="793115" algn="l"/>
+                <a:tab pos="793750" algn="l"/>
+              </a:tabLst>
+            </a:pPr>
             <a:br>
               <a:rPr lang="en-US" altLang="ko-KR" sz="1600" spc="-5" dirty="0">
                 <a:solidFill>
@@ -9699,12 +10156,8 @@
           <a:lstStyle/>
           <a:p>
             <a:r>
-              <a:rPr lang="en-US" altLang="ko-KR" spc="-5" dirty="0" smtClean="0"/>
-              <a:t>Q3. </a:t>
-            </a:r>
-            <a:r>
               <a:rPr lang="en-US" altLang="ko-KR" spc="-5" dirty="0"/>
-              <a:t>Quadratic Probing</a:t>
+              <a:t>Q3. Quadratic Probing</a:t>
             </a:r>
             <a:endParaRPr lang="ko-KR" altLang="en-US" dirty="0"/>
           </a:p>
@@ -9956,7 +10409,13 @@
           <p:cNvGraphicFramePr>
             <a:graphicFrameLocks noGrp="1"/>
           </p:cNvGraphicFramePr>
-          <p:nvPr/>
+          <p:nvPr>
+            <p:extLst>
+              <p:ext uri="{D42A27DB-BD31-4B8C-83A1-F6EECF244321}">
+                <p14:modId xmlns:p14="http://schemas.microsoft.com/office/powerpoint/2010/main" val="1985233477"/>
+              </p:ext>
+            </p:extLst>
+          </p:nvPr>
         </p:nvGraphicFramePr>
         <p:xfrm>
           <a:off x="983432" y="3430497"/>
@@ -10105,12 +10564,8 @@
                     <a:bodyPr/>
                     <a:lstStyle/>
                     <a:p>
-                      <a:pPr algn="l" latinLnBrk="0"/>
-                      <a:endParaRPr lang="ko-KR" altLang="en-US" sz="1050" dirty="0">
-                        <a:solidFill>
-                          <a:srgbClr val="C00000"/>
-                        </a:solidFill>
-                      </a:endParaRPr>
+                      <a:pPr algn="ctr" latinLnBrk="0"/>
+                      <a:endParaRPr lang="ko-KR" altLang="en-US" sz="1050" dirty="0"/>
                     </a:p>
                   </a:txBody>
                   <a:tcPr/>
@@ -10143,6 +10598,14 @@
                     <a:lstStyle/>
                     <a:p>
                       <a:pPr algn="ctr" latinLnBrk="0"/>
+                      <a:r>
+                        <a:rPr lang="en-US" altLang="ko-KR" sz="1050" dirty="0">
+                          <a:solidFill>
+                            <a:srgbClr val="C00000"/>
+                          </a:solidFill>
+                        </a:rPr>
+                        <a:t>6</a:t>
+                      </a:r>
                       <a:endParaRPr lang="ko-KR" altLang="en-US" sz="1050" dirty="0">
                         <a:solidFill>
                           <a:srgbClr val="C00000"/>
@@ -10157,12 +10620,8 @@
                     <a:bodyPr/>
                     <a:lstStyle/>
                     <a:p>
-                      <a:pPr algn="l" latinLnBrk="0"/>
-                      <a:endParaRPr lang="ko-KR" altLang="en-US" sz="1050" dirty="0">
-                        <a:solidFill>
-                          <a:srgbClr val="C00000"/>
-                        </a:solidFill>
-                      </a:endParaRPr>
+                      <a:pPr algn="ctr" latinLnBrk="0"/>
+                      <a:endParaRPr lang="ko-KR" altLang="en-US" sz="1050" dirty="0"/>
                     </a:p>
                   </a:txBody>
                   <a:tcPr/>
@@ -10195,6 +10654,14 @@
                     <a:lstStyle/>
                     <a:p>
                       <a:pPr algn="ctr" latinLnBrk="0"/>
+                      <a:r>
+                        <a:rPr lang="en-US" altLang="ko-KR" sz="1050" dirty="0">
+                          <a:solidFill>
+                            <a:srgbClr val="C00000"/>
+                          </a:solidFill>
+                        </a:rPr>
+                        <a:t>3</a:t>
+                      </a:r>
                       <a:endParaRPr lang="ko-KR" altLang="en-US" sz="1050" dirty="0">
                         <a:solidFill>
                           <a:srgbClr val="C00000"/>
@@ -10209,12 +10676,8 @@
                     <a:bodyPr/>
                     <a:lstStyle/>
                     <a:p>
-                      <a:pPr algn="l" latinLnBrk="0"/>
-                      <a:endParaRPr lang="ko-KR" altLang="en-US" sz="1050" dirty="0">
-                        <a:solidFill>
-                          <a:srgbClr val="C00000"/>
-                        </a:solidFill>
-                      </a:endParaRPr>
+                      <a:pPr algn="ctr" latinLnBrk="0"/>
+                      <a:endParaRPr lang="ko-KR" altLang="en-US" sz="1050" dirty="0"/>
                     </a:p>
                   </a:txBody>
                   <a:tcPr/>
@@ -10247,6 +10710,14 @@
                     <a:lstStyle/>
                     <a:p>
                       <a:pPr algn="ctr" latinLnBrk="0"/>
+                      <a:r>
+                        <a:rPr lang="en-US" altLang="ko-KR" sz="1050" dirty="0">
+                          <a:solidFill>
+                            <a:srgbClr val="C00000"/>
+                          </a:solidFill>
+                        </a:rPr>
+                        <a:t>1</a:t>
+                      </a:r>
                       <a:endParaRPr lang="ko-KR" altLang="en-US" sz="1050" dirty="0">
                         <a:solidFill>
                           <a:srgbClr val="C00000"/>
@@ -10261,12 +10732,8 @@
                     <a:bodyPr/>
                     <a:lstStyle/>
                     <a:p>
-                      <a:pPr algn="l" latinLnBrk="0"/>
-                      <a:endParaRPr lang="ko-KR" altLang="en-US" sz="1050" dirty="0">
-                        <a:solidFill>
-                          <a:srgbClr val="C00000"/>
-                        </a:solidFill>
-                      </a:endParaRPr>
+                      <a:pPr algn="ctr" latinLnBrk="0"/>
+                      <a:endParaRPr lang="ko-KR" altLang="en-US" sz="1050" dirty="0"/>
                     </a:p>
                   </a:txBody>
                   <a:tcPr/>
@@ -10299,6 +10766,14 @@
                     <a:lstStyle/>
                     <a:p>
                       <a:pPr algn="ctr" latinLnBrk="0"/>
+                      <a:r>
+                        <a:rPr lang="en-US" altLang="ko-KR" sz="1050" dirty="0">
+                          <a:solidFill>
+                            <a:srgbClr val="C00000"/>
+                          </a:solidFill>
+                        </a:rPr>
+                        <a:t>7</a:t>
+                      </a:r>
                       <a:endParaRPr lang="ko-KR" altLang="en-US" sz="1050" dirty="0">
                         <a:solidFill>
                           <a:srgbClr val="C00000"/>
@@ -10313,12 +10788,8 @@
                     <a:bodyPr/>
                     <a:lstStyle/>
                     <a:p>
-                      <a:pPr algn="l" latinLnBrk="0"/>
-                      <a:endParaRPr lang="ko-KR" altLang="en-US" sz="1050" dirty="0">
-                        <a:solidFill>
-                          <a:srgbClr val="C00000"/>
-                        </a:solidFill>
-                      </a:endParaRPr>
+                      <a:pPr algn="ctr" latinLnBrk="0"/>
+                      <a:endParaRPr lang="ko-KR" altLang="en-US" sz="1050" dirty="0"/>
                     </a:p>
                   </a:txBody>
                   <a:tcPr/>
@@ -10351,6 +10822,14 @@
                     <a:lstStyle/>
                     <a:p>
                       <a:pPr algn="ctr" latinLnBrk="0"/>
+                      <a:r>
+                        <a:rPr lang="en-US" altLang="ko-KR" sz="1050" dirty="0">
+                          <a:solidFill>
+                            <a:srgbClr val="C00000"/>
+                          </a:solidFill>
+                        </a:rPr>
+                        <a:t>2</a:t>
+                      </a:r>
                       <a:endParaRPr lang="ko-KR" altLang="en-US" sz="1050" dirty="0">
                         <a:solidFill>
                           <a:srgbClr val="C00000"/>
@@ -10365,12 +10844,8 @@
                     <a:bodyPr/>
                     <a:lstStyle/>
                     <a:p>
-                      <a:pPr algn="l" latinLnBrk="0"/>
-                      <a:endParaRPr lang="ko-KR" altLang="en-US" sz="1050" dirty="0">
-                        <a:solidFill>
-                          <a:srgbClr val="C00000"/>
-                        </a:solidFill>
-                      </a:endParaRPr>
+                      <a:pPr algn="ctr" latinLnBrk="0"/>
+                      <a:endParaRPr lang="ko-KR" altLang="en-US" sz="1050" dirty="0"/>
                     </a:p>
                   </a:txBody>
                   <a:tcPr/>
@@ -10403,6 +10878,14 @@
                     <a:lstStyle/>
                     <a:p>
                       <a:pPr algn="ctr" latinLnBrk="0"/>
+                      <a:r>
+                        <a:rPr lang="en-US" altLang="ko-KR" sz="1050" dirty="0">
+                          <a:solidFill>
+                            <a:srgbClr val="C00000"/>
+                          </a:solidFill>
+                        </a:rPr>
+                        <a:t>9</a:t>
+                      </a:r>
                       <a:endParaRPr lang="ko-KR" altLang="en-US" sz="1050" dirty="0">
                         <a:solidFill>
                           <a:srgbClr val="C00000"/>
@@ -10417,12 +10900,8 @@
                     <a:bodyPr/>
                     <a:lstStyle/>
                     <a:p>
-                      <a:pPr algn="l" latinLnBrk="0"/>
-                      <a:endParaRPr lang="ko-KR" altLang="en-US" sz="1050" dirty="0">
-                        <a:solidFill>
-                          <a:srgbClr val="C00000"/>
-                        </a:solidFill>
-                      </a:endParaRPr>
+                      <a:pPr algn="ctr" latinLnBrk="0"/>
+                      <a:endParaRPr lang="ko-KR" altLang="en-US" sz="1050" dirty="0"/>
                     </a:p>
                   </a:txBody>
                   <a:tcPr/>
@@ -10455,6 +10934,14 @@
                     <a:lstStyle/>
                     <a:p>
                       <a:pPr algn="ctr" latinLnBrk="0"/>
+                      <a:r>
+                        <a:rPr lang="en-US" altLang="ko-KR" sz="1050" dirty="0">
+                          <a:solidFill>
+                            <a:srgbClr val="C00000"/>
+                          </a:solidFill>
+                        </a:rPr>
+                        <a:t>5</a:t>
+                      </a:r>
                       <a:endParaRPr lang="ko-KR" altLang="en-US" sz="1050" dirty="0">
                         <a:solidFill>
                           <a:srgbClr val="C00000"/>
@@ -10469,12 +10956,8 @@
                     <a:bodyPr/>
                     <a:lstStyle/>
                     <a:p>
-                      <a:pPr algn="l" latinLnBrk="0"/>
-                      <a:endParaRPr lang="ko-KR" altLang="en-US" sz="1050" dirty="0">
-                        <a:solidFill>
-                          <a:srgbClr val="C00000"/>
-                        </a:solidFill>
-                      </a:endParaRPr>
+                      <a:pPr algn="ctr" latinLnBrk="0"/>
+                      <a:endParaRPr lang="ko-KR" altLang="en-US" sz="1050" dirty="0"/>
                     </a:p>
                   </a:txBody>
                   <a:tcPr/>
@@ -10507,6 +10990,14 @@
                     <a:lstStyle/>
                     <a:p>
                       <a:pPr algn="ctr" latinLnBrk="0"/>
+                      <a:r>
+                        <a:rPr lang="en-US" altLang="ko-KR" sz="1050" dirty="0">
+                          <a:solidFill>
+                            <a:srgbClr val="C00000"/>
+                          </a:solidFill>
+                        </a:rPr>
+                        <a:t>5</a:t>
+                      </a:r>
                       <a:endParaRPr lang="ko-KR" altLang="en-US" sz="1050" dirty="0">
                         <a:solidFill>
                           <a:srgbClr val="C00000"/>
@@ -10521,12 +11012,12 @@
                     <a:bodyPr/>
                     <a:lstStyle/>
                     <a:p>
-                      <a:pPr algn="l" latinLnBrk="0"/>
-                      <a:endParaRPr lang="ko-KR" altLang="en-US" sz="1050" dirty="0">
-                        <a:solidFill>
-                          <a:srgbClr val="C00000"/>
-                        </a:solidFill>
-                      </a:endParaRPr>
+                      <a:pPr algn="ctr" latinLnBrk="0"/>
+                      <a:r>
+                        <a:rPr lang="en-US" altLang="ko-KR" sz="1050" dirty="0"/>
+                        <a:t>5, 6, 10 </a:t>
+                      </a:r>
+                      <a:endParaRPr lang="ko-KR" altLang="en-US" sz="1050" dirty="0"/>
                     </a:p>
                   </a:txBody>
                   <a:tcPr/>
@@ -10559,6 +11050,14 @@
                     <a:lstStyle/>
                     <a:p>
                       <a:pPr algn="ctr" latinLnBrk="0"/>
+                      <a:r>
+                        <a:rPr lang="en-US" altLang="ko-KR" sz="1050" dirty="0">
+                          <a:solidFill>
+                            <a:srgbClr val="C00000"/>
+                          </a:solidFill>
+                        </a:rPr>
+                        <a:t>7</a:t>
+                      </a:r>
                       <a:endParaRPr lang="ko-KR" altLang="en-US" sz="1050" dirty="0">
                         <a:solidFill>
                           <a:srgbClr val="C00000"/>
@@ -10573,12 +11072,12 @@
                     <a:bodyPr/>
                     <a:lstStyle/>
                     <a:p>
-                      <a:pPr algn="l" latinLnBrk="0"/>
-                      <a:endParaRPr lang="ko-KR" altLang="en-US" sz="1050" dirty="0">
-                        <a:solidFill>
-                          <a:srgbClr val="C00000"/>
-                        </a:solidFill>
-                      </a:endParaRPr>
+                      <a:pPr algn="ctr" latinLnBrk="0"/>
+                      <a:r>
+                        <a:rPr lang="en-US" altLang="ko-KR" sz="1050" dirty="0"/>
+                        <a:t>7, 8</a:t>
+                      </a:r>
+                      <a:endParaRPr lang="ko-KR" altLang="en-US" sz="1050" dirty="0"/>
                     </a:p>
                   </a:txBody>
                   <a:tcPr/>
@@ -10599,7 +11098,13 @@
           <p:cNvGraphicFramePr>
             <a:graphicFrameLocks noGrp="1"/>
           </p:cNvGraphicFramePr>
-          <p:nvPr/>
+          <p:nvPr>
+            <p:extLst>
+              <p:ext uri="{D42A27DB-BD31-4B8C-83A1-F6EECF244321}">
+                <p14:modId xmlns:p14="http://schemas.microsoft.com/office/powerpoint/2010/main" val="2730603267"/>
+              </p:ext>
+            </p:extLst>
+          </p:nvPr>
         </p:nvGraphicFramePr>
         <p:xfrm>
           <a:off x="4151789" y="3496826"/>
@@ -10949,6 +11454,75 @@
                     <a:lstStyle/>
                     <a:p>
                       <a:pPr algn="ctr" latinLnBrk="1"/>
+                      <a:r>
+                        <a:rPr kumimoji="0" lang="en-US" altLang="ko-KR" sz="1400" kern="1200" dirty="0">
+                          <a:solidFill>
+                            <a:srgbClr val="C00000"/>
+                          </a:solidFill>
+                          <a:latin typeface="+mn-lt"/>
+                          <a:ea typeface="+mn-ea"/>
+                          <a:cs typeface="+mn-cs"/>
+                        </a:rPr>
+                        <a:t>0</a:t>
+                      </a:r>
+                      <a:endParaRPr kumimoji="0" lang="ko-KR" altLang="en-US" sz="1400" kern="1200" dirty="0">
+                        <a:solidFill>
+                          <a:srgbClr val="C00000"/>
+                        </a:solidFill>
+                        <a:latin typeface="+mn-lt"/>
+                        <a:ea typeface="+mn-ea"/>
+                        <a:cs typeface="+mn-cs"/>
+                      </a:endParaRPr>
+                    </a:p>
+                  </a:txBody>
+                  <a:tcPr anchor="ctr"/>
+                </a:tc>
+                <a:tc>
+                  <a:txBody>
+                    <a:bodyPr/>
+                    <a:lstStyle/>
+                    <a:p>
+                      <a:pPr algn="ctr" latinLnBrk="1"/>
+                      <a:r>
+                        <a:rPr kumimoji="0" lang="en-US" altLang="ko-KR" sz="1400" kern="1200" dirty="0">
+                          <a:solidFill>
+                            <a:srgbClr val="C00000"/>
+                          </a:solidFill>
+                          <a:latin typeface="+mn-lt"/>
+                          <a:ea typeface="+mn-ea"/>
+                          <a:cs typeface="+mn-cs"/>
+                        </a:rPr>
+                        <a:t>31</a:t>
+                      </a:r>
+                      <a:endParaRPr kumimoji="0" lang="ko-KR" altLang="en-US" sz="1400" kern="1200" dirty="0">
+                        <a:solidFill>
+                          <a:srgbClr val="C00000"/>
+                        </a:solidFill>
+                        <a:latin typeface="+mn-lt"/>
+                        <a:ea typeface="+mn-ea"/>
+                        <a:cs typeface="+mn-cs"/>
+                      </a:endParaRPr>
+                    </a:p>
+                  </a:txBody>
+                  <a:tcPr anchor="ctr"/>
+                </a:tc>
+                <a:tc>
+                  <a:txBody>
+                    <a:bodyPr/>
+                    <a:lstStyle/>
+                    <a:p>
+                      <a:pPr algn="ctr" latinLnBrk="1"/>
+                      <a:r>
+                        <a:rPr kumimoji="0" lang="en-US" altLang="ko-KR" sz="1400" kern="1200" dirty="0">
+                          <a:solidFill>
+                            <a:srgbClr val="C00000"/>
+                          </a:solidFill>
+                          <a:latin typeface="+mn-lt"/>
+                          <a:ea typeface="+mn-ea"/>
+                          <a:cs typeface="+mn-cs"/>
+                        </a:rPr>
+                        <a:t>1</a:t>
+                      </a:r>
                       <a:endParaRPr kumimoji="0" lang="ko-KR" altLang="en-US" sz="1400" kern="1200" dirty="0">
                         <a:solidFill>
                           <a:srgbClr val="C00000"/>
@@ -10985,6 +11559,17 @@
                     <a:lstStyle/>
                     <a:p>
                       <a:pPr algn="ctr" latinLnBrk="1"/>
+                      <a:r>
+                        <a:rPr kumimoji="0" lang="en-US" altLang="ko-KR" sz="1400" kern="1200" dirty="0">
+                          <a:solidFill>
+                            <a:srgbClr val="C00000"/>
+                          </a:solidFill>
+                          <a:latin typeface="+mn-lt"/>
+                          <a:ea typeface="+mn-ea"/>
+                          <a:cs typeface="+mn-cs"/>
+                        </a:rPr>
+                        <a:t>7</a:t>
+                      </a:r>
                       <a:endParaRPr kumimoji="0" lang="ko-KR" altLang="en-US" sz="1400" kern="1200" dirty="0">
                         <a:solidFill>
                           <a:srgbClr val="C00000"/>
@@ -11003,6 +11588,17 @@
                     <a:lstStyle/>
                     <a:p>
                       <a:pPr algn="ctr" latinLnBrk="1"/>
+                      <a:r>
+                        <a:rPr kumimoji="0" lang="en-US" altLang="ko-KR" sz="1400" kern="1200" dirty="0">
+                          <a:solidFill>
+                            <a:srgbClr val="C00000"/>
+                          </a:solidFill>
+                          <a:latin typeface="+mn-lt"/>
+                          <a:ea typeface="+mn-ea"/>
+                          <a:cs typeface="+mn-cs"/>
+                        </a:rPr>
+                        <a:t>23</a:t>
+                      </a:r>
                       <a:endParaRPr kumimoji="0" lang="ko-KR" altLang="en-US" sz="1400" kern="1200" dirty="0">
                         <a:solidFill>
                           <a:srgbClr val="C00000"/>
@@ -11021,6 +11617,17 @@
                     <a:lstStyle/>
                     <a:p>
                       <a:pPr algn="ctr" latinLnBrk="1"/>
+                      <a:r>
+                        <a:rPr kumimoji="0" lang="en-US" altLang="ko-KR" sz="1400" kern="1200" dirty="0">
+                          <a:solidFill>
+                            <a:srgbClr val="C00000"/>
+                          </a:solidFill>
+                          <a:latin typeface="+mn-lt"/>
+                          <a:ea typeface="+mn-ea"/>
+                          <a:cs typeface="+mn-cs"/>
+                        </a:rPr>
+                        <a:t>15</a:t>
+                      </a:r>
                       <a:endParaRPr kumimoji="0" lang="ko-KR" altLang="en-US" sz="1400" kern="1200" dirty="0">
                         <a:solidFill>
                           <a:srgbClr val="C00000"/>
@@ -11039,6 +11646,17 @@
                     <a:lstStyle/>
                     <a:p>
                       <a:pPr algn="ctr" latinLnBrk="1"/>
+                      <a:r>
+                        <a:rPr kumimoji="0" lang="en-US" altLang="ko-KR" sz="1400" kern="1200" dirty="0">
+                          <a:solidFill>
+                            <a:srgbClr val="C00000"/>
+                          </a:solidFill>
+                          <a:latin typeface="+mn-lt"/>
+                          <a:ea typeface="+mn-ea"/>
+                          <a:cs typeface="+mn-cs"/>
+                        </a:rPr>
+                        <a:t>3</a:t>
+                      </a:r>
                       <a:endParaRPr kumimoji="0" lang="ko-KR" altLang="en-US" sz="1400" kern="1200" dirty="0">
                         <a:solidFill>
                           <a:srgbClr val="C00000"/>
@@ -11057,6 +11675,17 @@
                     <a:lstStyle/>
                     <a:p>
                       <a:pPr algn="ctr" latinLnBrk="1"/>
+                      <a:r>
+                        <a:rPr kumimoji="0" lang="en-US" altLang="ko-KR" sz="1400" kern="1200" dirty="0">
+                          <a:solidFill>
+                            <a:srgbClr val="C00000"/>
+                          </a:solidFill>
+                          <a:latin typeface="+mn-lt"/>
+                          <a:ea typeface="+mn-ea"/>
+                          <a:cs typeface="+mn-cs"/>
+                        </a:rPr>
+                        <a:t>4</a:t>
+                      </a:r>
                       <a:endParaRPr kumimoji="0" lang="ko-KR" altLang="en-US" sz="1400" kern="1200" dirty="0">
                         <a:solidFill>
                           <a:srgbClr val="C00000"/>
@@ -11075,42 +11704,17 @@
                     <a:lstStyle/>
                     <a:p>
                       <a:pPr algn="ctr" latinLnBrk="1"/>
-                      <a:endParaRPr kumimoji="0" lang="ko-KR" altLang="en-US" sz="1400" kern="1200" dirty="0">
-                        <a:solidFill>
-                          <a:srgbClr val="C00000"/>
-                        </a:solidFill>
-                        <a:latin typeface="+mn-lt"/>
-                        <a:ea typeface="+mn-ea"/>
-                        <a:cs typeface="+mn-cs"/>
-                      </a:endParaRPr>
-                    </a:p>
-                  </a:txBody>
-                  <a:tcPr anchor="ctr"/>
-                </a:tc>
-                <a:tc>
-                  <a:txBody>
-                    <a:bodyPr/>
-                    <a:lstStyle/>
-                    <a:p>
-                      <a:pPr algn="ctr" latinLnBrk="1"/>
-                      <a:endParaRPr kumimoji="0" lang="ko-KR" altLang="en-US" sz="1400" kern="1200" dirty="0">
-                        <a:solidFill>
-                          <a:srgbClr val="C00000"/>
-                        </a:solidFill>
-                        <a:latin typeface="+mn-lt"/>
-                        <a:ea typeface="+mn-ea"/>
-                        <a:cs typeface="+mn-cs"/>
-                      </a:endParaRPr>
-                    </a:p>
-                  </a:txBody>
-                  <a:tcPr anchor="ctr"/>
-                </a:tc>
-                <a:tc>
-                  <a:txBody>
-                    <a:bodyPr/>
-                    <a:lstStyle/>
-                    <a:p>
-                      <a:pPr algn="ctr" latinLnBrk="1"/>
+                      <a:r>
+                        <a:rPr kumimoji="0" lang="en-US" altLang="ko-KR" sz="1400" kern="1200" dirty="0">
+                          <a:solidFill>
+                            <a:srgbClr val="C00000"/>
+                          </a:solidFill>
+                          <a:latin typeface="+mn-lt"/>
+                          <a:ea typeface="+mn-ea"/>
+                          <a:cs typeface="+mn-cs"/>
+                        </a:rPr>
+                        <a:t>11</a:t>
+                      </a:r>
                       <a:endParaRPr kumimoji="0" lang="ko-KR" altLang="en-US" sz="1400" kern="1200" dirty="0">
                         <a:solidFill>
                           <a:srgbClr val="C00000"/>
@@ -11174,6 +11778,25 @@
               <a:rPr lang="en-US" altLang="ko-KR" dirty="0"/>
               <a:t>how you get the probe sequence for the last key 3.:</a:t>
             </a:r>
+          </a:p>
+          <a:p>
+            <a:endParaRPr lang="en-US" altLang="ko-KR" dirty="0"/>
+          </a:p>
+          <a:p>
+            <a:r>
+              <a:rPr lang="pt-BR" altLang="ko-KR" dirty="0"/>
+              <a:t>h0 (3) = (h(3) + 0) % 11 = 7 (collision) </a:t>
+            </a:r>
+          </a:p>
+          <a:p>
+            <a:r>
+              <a:rPr lang="pt-BR" altLang="ko-KR" dirty="0"/>
+              <a:t>h1 (3) = (h(3) + 1) % 11 = 8</a:t>
+            </a:r>
+            <a:endParaRPr lang="en-US" altLang="ko-KR" dirty="0"/>
+          </a:p>
+          <a:p>
+            <a:endParaRPr lang="en-US" altLang="ko-KR" dirty="0"/>
           </a:p>
         </p:txBody>
       </p:sp>
@@ -11223,12 +11846,8 @@
           <a:lstStyle/>
           <a:p>
             <a:r>
-              <a:rPr lang="en-US" altLang="ko-KR" spc="-5" dirty="0" smtClean="0"/>
-              <a:t>Q4. </a:t>
-            </a:r>
-            <a:r>
               <a:rPr lang="en-US" altLang="ko-KR" spc="-5" dirty="0"/>
-              <a:t>Double Hashing</a:t>
+              <a:t>Q4. Double Hashing</a:t>
             </a:r>
             <a:endParaRPr lang="ko-KR" altLang="en-US" dirty="0"/>
           </a:p>
@@ -13067,7 +13686,13 @@
           <p:cNvGraphicFramePr>
             <a:graphicFrameLocks noGrp="1"/>
           </p:cNvGraphicFramePr>
-          <p:nvPr/>
+          <p:nvPr>
+            <p:extLst>
+              <p:ext uri="{D42A27DB-BD31-4B8C-83A1-F6EECF244321}">
+                <p14:modId xmlns:p14="http://schemas.microsoft.com/office/powerpoint/2010/main" val="1584034468"/>
+              </p:ext>
+            </p:extLst>
+          </p:nvPr>
         </p:nvGraphicFramePr>
         <p:xfrm>
           <a:off x="6258266" y="2102123"/>
@@ -13139,6 +13764,10 @@
                     <a:lstStyle/>
                     <a:p>
                       <a:pPr algn="ctr"/>
+                      <a:r>
+                        <a:rPr lang="en-US" altLang="ko-KR" dirty="0"/>
+                        <a:t>8</a:t>
+                      </a:r>
                       <a:endParaRPr lang="ko-KR" altLang="en-US" dirty="0"/>
                     </a:p>
                   </a:txBody>
@@ -13199,6 +13828,10 @@
                         <a:tabLst/>
                         <a:defRPr/>
                       </a:pPr>
+                      <a:r>
+                        <a:rPr lang="en-US" altLang="ko-KR" dirty="0"/>
+                        <a:t>9</a:t>
+                      </a:r>
                       <a:endParaRPr lang="ko-KR" altLang="en-US" dirty="0"/>
                     </a:p>
                   </a:txBody>
@@ -13243,6 +13876,10 @@
                     <a:lstStyle/>
                     <a:p>
                       <a:pPr algn="ctr"/>
+                      <a:r>
+                        <a:rPr lang="en-US" altLang="ko-KR" dirty="0"/>
+                        <a:t>13</a:t>
+                      </a:r>
                       <a:endParaRPr lang="ko-KR" altLang="en-US" dirty="0"/>
                     </a:p>
                   </a:txBody>
@@ -13330,6 +13967,10 @@
                     <a:lstStyle/>
                     <a:p>
                       <a:pPr algn="ctr"/>
+                      <a:r>
+                        <a:rPr lang="en-US" altLang="ko-KR" dirty="0"/>
+                        <a:t>1</a:t>
+                      </a:r>
                       <a:endParaRPr lang="ko-KR" altLang="en-US" dirty="0"/>
                     </a:p>
                   </a:txBody>
@@ -13373,6 +14014,10 @@
                     <a:lstStyle/>
                     <a:p>
                       <a:pPr algn="ctr"/>
+                      <a:r>
+                        <a:rPr lang="en-US" altLang="ko-KR" dirty="0"/>
+                        <a:t>6</a:t>
+                      </a:r>
                       <a:endParaRPr lang="ko-KR" altLang="en-US" dirty="0"/>
                     </a:p>
                   </a:txBody>
@@ -14290,24 +14935,163 @@
                 <a:spcPct val="0"/>
               </a:spcBef>
             </a:pPr>
+            <a:endParaRPr lang="en-US" altLang="ko-KR" dirty="0">
+              <a:latin typeface="+mn-ea"/>
+            </a:endParaRPr>
+          </a:p>
+          <a:p>
+            <a:pPr fontAlgn="base">
+              <a:spcBef>
+                <a:spcPct val="0"/>
+              </a:spcBef>
+            </a:pPr>
             <a:r>
               <a:rPr lang="en-US" altLang="ko-KR" dirty="0">
+                <a:solidFill>
+                  <a:srgbClr val="FF0000"/>
+                </a:solidFill>
                 <a:latin typeface="+mn-ea"/>
               </a:rPr>
               <a:t>h</a:t>
             </a:r>
             <a:r>
               <a:rPr lang="en-US" altLang="ko-KR" baseline="-25000" dirty="0">
+                <a:solidFill>
+                  <a:srgbClr val="FF0000"/>
+                </a:solidFill>
                 <a:latin typeface="+mn-ea"/>
               </a:rPr>
               <a:t>0</a:t>
             </a:r>
             <a:r>
               <a:rPr lang="en-US" altLang="ko-KR" dirty="0">
+                <a:solidFill>
+                  <a:srgbClr val="FF0000"/>
+                </a:solidFill>
                 <a:latin typeface="+mn-ea"/>
               </a:rPr>
-              <a:t>(13) =</a:t>
-            </a:r>
+              <a:t>(13) = 13 % 7 = 6</a:t>
+            </a:r>
+          </a:p>
+          <a:p>
+            <a:pPr fontAlgn="base">
+              <a:spcBef>
+                <a:spcPct val="0"/>
+              </a:spcBef>
+            </a:pPr>
+            <a:r>
+              <a:rPr lang="en-US" altLang="ko-KR" dirty="0">
+                <a:solidFill>
+                  <a:srgbClr val="FF0000"/>
+                </a:solidFill>
+                <a:latin typeface="+mn-ea"/>
+              </a:rPr>
+              <a:t>h</a:t>
+            </a:r>
+            <a:r>
+              <a:rPr lang="en-US" altLang="ko-KR" baseline="-25000" dirty="0">
+                <a:solidFill>
+                  <a:srgbClr val="FF0000"/>
+                </a:solidFill>
+                <a:latin typeface="+mn-ea"/>
+              </a:rPr>
+              <a:t>1</a:t>
+            </a:r>
+            <a:r>
+              <a:rPr lang="en-US" altLang="ko-KR" dirty="0">
+                <a:solidFill>
+                  <a:srgbClr val="FF0000"/>
+                </a:solidFill>
+                <a:latin typeface="+mn-ea"/>
+              </a:rPr>
+              <a:t>(13) = (h(13) + h’(13)) % 7 </a:t>
+            </a:r>
+          </a:p>
+          <a:p>
+            <a:pPr fontAlgn="base">
+              <a:spcBef>
+                <a:spcPct val="0"/>
+              </a:spcBef>
+            </a:pPr>
+            <a:r>
+              <a:rPr lang="en-US" altLang="ko-KR" dirty="0">
+                <a:solidFill>
+                  <a:srgbClr val="FF0000"/>
+                </a:solidFill>
+                <a:latin typeface="+mn-ea"/>
+              </a:rPr>
+              <a:t>        = (6 + 5 – (13 % 5)) % 7 = 1</a:t>
+            </a:r>
+          </a:p>
+          <a:p>
+            <a:pPr fontAlgn="base">
+              <a:spcBef>
+                <a:spcPct val="0"/>
+              </a:spcBef>
+            </a:pPr>
+            <a:r>
+              <a:rPr lang="en-US" altLang="ko-KR" dirty="0">
+                <a:solidFill>
+                  <a:srgbClr val="FF0000"/>
+                </a:solidFill>
+                <a:latin typeface="+mn-ea"/>
+              </a:rPr>
+              <a:t>h</a:t>
+            </a:r>
+            <a:r>
+              <a:rPr lang="en-US" altLang="ko-KR" baseline="-25000" dirty="0">
+                <a:solidFill>
+                  <a:srgbClr val="FF0000"/>
+                </a:solidFill>
+                <a:latin typeface="+mn-ea"/>
+              </a:rPr>
+              <a:t>2</a:t>
+            </a:r>
+            <a:r>
+              <a:rPr lang="en-US" altLang="ko-KR" dirty="0">
+                <a:solidFill>
+                  <a:srgbClr val="FF0000"/>
+                </a:solidFill>
+                <a:latin typeface="+mn-ea"/>
+              </a:rPr>
+              <a:t>(13) = (h(13) + 2*h’(13)) % 7 </a:t>
+            </a:r>
+          </a:p>
+          <a:p>
+            <a:pPr fontAlgn="base">
+              <a:spcBef>
+                <a:spcPct val="0"/>
+              </a:spcBef>
+            </a:pPr>
+            <a:r>
+              <a:rPr lang="en-US" altLang="ko-KR" dirty="0">
+                <a:solidFill>
+                  <a:srgbClr val="FF0000"/>
+                </a:solidFill>
+                <a:latin typeface="+mn-ea"/>
+              </a:rPr>
+              <a:t>        = (6 + 2*(5 – (13 % 5))) % 7 = 3</a:t>
+            </a:r>
+          </a:p>
+          <a:p>
+            <a:pPr fontAlgn="base">
+              <a:spcBef>
+                <a:spcPct val="0"/>
+              </a:spcBef>
+            </a:pPr>
+            <a:endParaRPr lang="en-US" altLang="ko-KR" dirty="0">
+              <a:solidFill>
+                <a:srgbClr val="FF0000"/>
+              </a:solidFill>
+              <a:latin typeface="+mn-ea"/>
+            </a:endParaRPr>
+          </a:p>
+          <a:p>
+            <a:pPr fontAlgn="base">
+              <a:spcBef>
+                <a:spcPct val="0"/>
+              </a:spcBef>
+            </a:pPr>
             <a:endParaRPr lang="ko-KR" altLang="en-US" dirty="0">
               <a:latin typeface="+mn-ea"/>
             </a:endParaRPr>
@@ -14459,15 +15243,7 @@
           <a:p>
             <a:r>
               <a:rPr lang="en-US" altLang="ko-KR" dirty="0"/>
-              <a:t>Then</a:t>
-            </a:r>
-            <a:r>
-              <a:rPr lang="en-US" altLang="ko-KR"/>
-              <a:t>, its </a:t>
-            </a:r>
-            <a:r>
-              <a:rPr lang="en-US" altLang="ko-KR" dirty="0"/>
-              <a:t>sequence is </a:t>
+              <a:t>Then, its sequence is </a:t>
             </a:r>
             <a:r>
               <a:rPr lang="en-US" altLang="ko-KR" dirty="0">
@@ -14475,7 +15251,7 @@
                   <a:srgbClr val="C00000"/>
                 </a:solidFill>
               </a:rPr>
-              <a:t>___________________ .</a:t>
+              <a:t>________1, 3___________ .</a:t>
             </a:r>
             <a:endParaRPr lang="ko-KR" altLang="en-US" dirty="0">
               <a:solidFill>
@@ -14737,40 +15513,28 @@
               </a:tabLst>
             </a:pPr>
             <a:r>
-              <a:rPr lang="en-US" altLang="ko-KR" sz="1800" b="1" spc="-5" dirty="0" smtClean="0">
-                <a:cs typeface="Tahoma"/>
-              </a:rPr>
-              <a:t>h</a:t>
-            </a:r>
-            <a:r>
-              <a:rPr lang="en-US" altLang="ko-KR" sz="1800" b="1" spc="-7" baseline="-20833" dirty="0" smtClean="0">
-                <a:cs typeface="Tahoma"/>
-              </a:rPr>
-              <a:t>0</a:t>
-            </a:r>
-            <a:r>
-              <a:rPr lang="en-US" altLang="ko-KR" sz="1800" b="1" spc="-5" dirty="0" smtClean="0">
-                <a:cs typeface="Tahoma"/>
-              </a:rPr>
-              <a:t>(43</a:t>
-            </a:r>
-            <a:r>
               <a:rPr lang="en-US" altLang="ko-KR" sz="1800" b="1" spc="-5" dirty="0">
                 <a:cs typeface="Tahoma"/>
               </a:rPr>
-              <a:t>) </a:t>
+              <a:t>h</a:t>
+            </a:r>
+            <a:r>
+              <a:rPr lang="en-US" altLang="ko-KR" sz="1800" b="1" spc="-7" baseline="-20833" dirty="0">
+                <a:cs typeface="Tahoma"/>
+              </a:rPr>
+              <a:t>0</a:t>
+            </a:r>
+            <a:r>
+              <a:rPr lang="en-US" altLang="ko-KR" sz="1800" b="1" spc="-5" dirty="0">
+                <a:cs typeface="Tahoma"/>
+              </a:rPr>
+              <a:t>(43) </a:t>
             </a:r>
             <a:r>
               <a:rPr lang="en-US" altLang="ko-KR" sz="1800" b="1" dirty="0">
                 <a:cs typeface="Tahoma"/>
               </a:rPr>
-              <a:t>= h(43) = 43 % 13 = 4  (collision</a:t>
-            </a:r>
-            <a:r>
-              <a:rPr lang="en-US" altLang="ko-KR" sz="1800" b="1" dirty="0" smtClean="0">
-                <a:cs typeface="Tahoma"/>
-              </a:rPr>
-              <a:t>)</a:t>
+              <a:t>= h(43) = 43 % 13 = 4  (collision)</a:t>
             </a:r>
           </a:p>
           <a:p>
@@ -14788,7 +15552,66 @@
                 <a:tab pos="793750" algn="l"/>
               </a:tabLst>
             </a:pPr>
-            <a:endParaRPr lang="en-US" altLang="ko-KR" sz="1800" spc="-5" dirty="0" smtClean="0">
+            <a:r>
+              <a:rPr lang="en-US" altLang="ko-KR" sz="1800" b="1" spc="-5" dirty="0">
+                <a:cs typeface="Tahoma"/>
+              </a:rPr>
+              <a:t>h</a:t>
+            </a:r>
+            <a:r>
+              <a:rPr lang="en-US" altLang="ko-KR" sz="1800" b="1" spc="-7" baseline="-20833" dirty="0">
+                <a:cs typeface="Tahoma"/>
+              </a:rPr>
+              <a:t>1</a:t>
+            </a:r>
+            <a:r>
+              <a:rPr lang="en-US" altLang="ko-KR" sz="1800" b="1" spc="-5" dirty="0">
+                <a:cs typeface="Tahoma"/>
+              </a:rPr>
+              <a:t>(43) </a:t>
+            </a:r>
+            <a:r>
+              <a:rPr lang="en-US" altLang="ko-KR" sz="1800" b="1" dirty="0">
+                <a:cs typeface="Tahoma"/>
+              </a:rPr>
+              <a:t>= (h(43) – h</a:t>
+            </a:r>
+            <a:r>
+              <a:rPr lang="en-US" altLang="ko-KR" sz="1800" b="1" dirty="0">
+                <a:latin typeface="+mn-lt"/>
+              </a:rPr>
+              <a:t>’(43)) % 13</a:t>
+            </a:r>
+            <a:r>
+              <a:rPr lang="en-US" altLang="ko-KR" sz="1800" b="1" dirty="0">
+                <a:latin typeface="+mn-lt"/>
+                <a:cs typeface="Tahoma"/>
+              </a:rPr>
+              <a:t>  </a:t>
+            </a:r>
+            <a:r>
+              <a:rPr lang="en-US" altLang="ko-KR" sz="1800" b="1" dirty="0">
+                <a:cs typeface="Tahoma"/>
+              </a:rPr>
+              <a:t>= (4  + 7 – (43 % 7)) % 13 = 10  </a:t>
+            </a:r>
+          </a:p>
+          <a:p>
+            <a:pPr marL="508000" lvl="1" indent="0">
+              <a:spcBef>
+                <a:spcPts val="580"/>
+              </a:spcBef>
+              <a:buClr>
+                <a:srgbClr val="FF0000"/>
+              </a:buClr>
+              <a:buSzPct val="54166"/>
+              <a:buNone/>
+              <a:tabLst>
+                <a:tab pos="793115" algn="l"/>
+                <a:tab pos="793750" algn="l"/>
+              </a:tabLst>
+            </a:pPr>
+            <a:endParaRPr lang="en-US" altLang="ko-KR" sz="1800" b="1" dirty="0">
               <a:cs typeface="Tahoma"/>
             </a:endParaRPr>
           </a:p>
@@ -14826,9 +15649,30 @@
                 <a:tab pos="793750" algn="l"/>
               </a:tabLst>
             </a:pPr>
-            <a:endParaRPr lang="en-US" altLang="ko-KR" sz="1800" b="1" spc="-5" dirty="0" smtClean="0">
-              <a:cs typeface="Tahoma"/>
-            </a:endParaRPr>
+            <a:r>
+              <a:rPr lang="en-US" altLang="ko-KR" sz="1800" b="1" spc="-5" dirty="0">
+                <a:cs typeface="Tahoma"/>
+              </a:rPr>
+              <a:t>h</a:t>
+            </a:r>
+            <a:r>
+              <a:rPr lang="en-US" altLang="ko-KR" sz="1800" b="1" spc="-7" baseline="-20833" dirty="0">
+                <a:cs typeface="Tahoma"/>
+              </a:rPr>
+              <a:t>0</a:t>
+            </a:r>
+            <a:r>
+              <a:rPr lang="en-US" altLang="ko-KR" sz="1800" b="1" spc="-5" dirty="0">
+                <a:cs typeface="Tahoma"/>
+              </a:rPr>
+              <a:t>(25) </a:t>
+            </a:r>
+            <a:r>
+              <a:rPr lang="en-US" altLang="ko-KR" sz="1800" b="1" dirty="0">
+                <a:cs typeface="Tahoma"/>
+              </a:rPr>
+              <a:t>= h(25) = 25 % 13 = 12 (collision)</a:t>
+            </a:r>
           </a:p>
           <a:p>
             <a:pPr marL="508000" lvl="1" indent="0">
@@ -14845,9 +15689,49 @@
                 <a:tab pos="793750" algn="l"/>
               </a:tabLst>
             </a:pPr>
-            <a:endParaRPr lang="en-US" altLang="ko-KR" sz="1800" b="1" spc="-5" dirty="0">
-              <a:cs typeface="Tahoma"/>
-            </a:endParaRPr>
+            <a:r>
+              <a:rPr lang="en-US" altLang="ko-KR" sz="1800" b="1" spc="-5" dirty="0">
+                <a:cs typeface="Tahoma"/>
+              </a:rPr>
+              <a:t>h</a:t>
+            </a:r>
+            <a:r>
+              <a:rPr lang="en-US" altLang="ko-KR" sz="1800" b="1" spc="-7" baseline="-20833" dirty="0">
+                <a:cs typeface="Tahoma"/>
+              </a:rPr>
+              <a:t>1</a:t>
+            </a:r>
+            <a:r>
+              <a:rPr lang="en-US" altLang="ko-KR" sz="1800" b="1" spc="-5" dirty="0">
+                <a:cs typeface="Tahoma"/>
+              </a:rPr>
+              <a:t>(25) </a:t>
+            </a:r>
+            <a:r>
+              <a:rPr lang="en-US" altLang="ko-KR" sz="1800" b="1" dirty="0">
+                <a:cs typeface="Tahoma"/>
+              </a:rPr>
+              <a:t>= (h(25) – h</a:t>
+            </a:r>
+            <a:r>
+              <a:rPr lang="en-US" altLang="ko-KR" sz="1800" b="1" dirty="0">
+                <a:latin typeface="+mn-lt"/>
+              </a:rPr>
+              <a:t>’(25)) % 13</a:t>
+            </a:r>
+            <a:r>
+              <a:rPr lang="en-US" altLang="ko-KR" sz="1800" b="1" dirty="0">
+                <a:latin typeface="+mn-lt"/>
+                <a:cs typeface="Tahoma"/>
+              </a:rPr>
+              <a:t>  </a:t>
+            </a:r>
+            <a:r>
+              <a:rPr lang="en-US" altLang="ko-KR" sz="1800" b="1" dirty="0">
+                <a:cs typeface="Tahoma"/>
+              </a:rPr>
+              <a:t>= (12  + 7 – (25 % 7)) % 13 = 2  (collision)</a:t>
+            </a:r>
           </a:p>
           <a:p>
             <a:pPr marL="508000" lvl="1" indent="0">
@@ -14874,7 +15758,7 @@
               <a:rPr lang="en-US" altLang="ko-KR" sz="1800" b="1" spc="-7" baseline="-20833" dirty="0">
                 <a:cs typeface="Tahoma"/>
               </a:rPr>
-              <a:t>0</a:t>
+              <a:t>2</a:t>
             </a:r>
             <a:r>
               <a:rPr lang="en-US" altLang="ko-KR" sz="1800" b="1" spc="-5" dirty="0">
@@ -14886,8 +15770,105 @@
               <a:rPr lang="en-US" altLang="ko-KR" sz="1800" b="1" dirty="0">
                 <a:cs typeface="Tahoma"/>
               </a:rPr>
-              <a:t>= h(25) = 25 % 13 = 12 (collision)</a:t>
-            </a:r>
+              <a:t>= (h(25) – 2*h</a:t>
+            </a:r>
+            <a:r>
+              <a:rPr lang="en-US" altLang="ko-KR" sz="1800" b="1" dirty="0">
+                <a:latin typeface="+mn-lt"/>
+              </a:rPr>
+              <a:t>’(25)) % 13</a:t>
+            </a:r>
+            <a:r>
+              <a:rPr lang="en-US" altLang="ko-KR" sz="1800" b="1" dirty="0">
+                <a:latin typeface="+mn-lt"/>
+                <a:cs typeface="Tahoma"/>
+              </a:rPr>
+              <a:t>  </a:t>
+            </a:r>
+            <a:r>
+              <a:rPr lang="en-US" altLang="ko-KR" sz="1800" b="1" dirty="0">
+                <a:cs typeface="Tahoma"/>
+              </a:rPr>
+              <a:t>= (12  + 2*(7 – (25 % 7))) % 13 = 5 (collision)</a:t>
+            </a:r>
+          </a:p>
+          <a:p>
+            <a:pPr marL="508000" lvl="1" indent="0">
+              <a:spcBef>
+                <a:spcPts val="580"/>
+              </a:spcBef>
+              <a:buClr>
+                <a:srgbClr val="FF0000"/>
+              </a:buClr>
+              <a:buSzPct val="54166"/>
+              <a:buNone/>
+              <a:tabLst>
+                <a:tab pos="793115" algn="l"/>
+                <a:tab pos="793750" algn="l"/>
+              </a:tabLst>
+            </a:pPr>
+            <a:r>
+              <a:rPr lang="en-US" altLang="ko-KR" sz="1800" b="1" spc="-5" dirty="0">
+                <a:cs typeface="Tahoma"/>
+              </a:rPr>
+              <a:t>h</a:t>
+            </a:r>
+            <a:r>
+              <a:rPr lang="en-US" altLang="ko-KR" sz="1800" b="1" spc="-7" baseline="-20833" dirty="0">
+                <a:cs typeface="Tahoma"/>
+              </a:rPr>
+              <a:t>3</a:t>
+            </a:r>
+            <a:r>
+              <a:rPr lang="en-US" altLang="ko-KR" sz="1800" b="1" spc="-5" dirty="0">
+                <a:cs typeface="Tahoma"/>
+              </a:rPr>
+              <a:t>(25) </a:t>
+            </a:r>
+            <a:r>
+              <a:rPr lang="en-US" altLang="ko-KR" sz="1800" b="1" dirty="0">
+                <a:cs typeface="Tahoma"/>
+              </a:rPr>
+              <a:t>= (h(25) – 3*h</a:t>
+            </a:r>
+            <a:r>
+              <a:rPr lang="en-US" altLang="ko-KR" sz="1800" b="1" dirty="0">
+                <a:latin typeface="+mn-lt"/>
+              </a:rPr>
+              <a:t>’(25)) % 13</a:t>
+            </a:r>
+            <a:r>
+              <a:rPr lang="en-US" altLang="ko-KR" sz="1800" b="1" dirty="0">
+                <a:latin typeface="+mn-lt"/>
+                <a:cs typeface="Tahoma"/>
+              </a:rPr>
+              <a:t>  </a:t>
+            </a:r>
+            <a:r>
+              <a:rPr lang="en-US" altLang="ko-KR" sz="1800" b="1" dirty="0">
+                <a:cs typeface="Tahoma"/>
+              </a:rPr>
+              <a:t>= (12  + 3*(7 – (25 % 7))) % 13 = 8</a:t>
+            </a:r>
+          </a:p>
+          <a:p>
+            <a:pPr marL="508000" lvl="1" indent="0">
+              <a:spcBef>
+                <a:spcPts val="580"/>
+              </a:spcBef>
+              <a:buClr>
+                <a:srgbClr val="FF0000"/>
+              </a:buClr>
+              <a:buSzPct val="54166"/>
+              <a:buNone/>
+              <a:tabLst>
+                <a:tab pos="793115" algn="l"/>
+                <a:tab pos="793750" algn="l"/>
+              </a:tabLst>
+            </a:pPr>
+            <a:endParaRPr lang="en-US" altLang="ko-KR" sz="1800" b="1" dirty="0">
+              <a:cs typeface="Tahoma"/>
+            </a:endParaRPr>
           </a:p>
           <a:p>
             <a:pPr marL="508000" lvl="1" indent="0">
@@ -14926,12 +15907,8 @@
           <a:lstStyle/>
           <a:p>
             <a:r>
-              <a:rPr lang="en-US" altLang="ko-KR" spc="-5" dirty="0" smtClean="0"/>
-              <a:t>Q5. </a:t>
-            </a:r>
-            <a:r>
               <a:rPr lang="en-US" altLang="ko-KR" spc="-5" dirty="0"/>
-              <a:t>Collision – Double Hashing </a:t>
+              <a:t>Q5. Collision – Double Hashing </a:t>
             </a:r>
             <a:endParaRPr lang="ko-KR" altLang="en-US" dirty="0"/>
           </a:p>
@@ -15086,7 +16063,7 @@
                     <a:p>
                       <a:pPr algn="ctr" latinLnBrk="1"/>
                       <a:r>
-                        <a:rPr lang="en-US" altLang="ko-KR" sz="1200" b="0" dirty="0" smtClean="0">
+                        <a:rPr lang="en-US" altLang="ko-KR" sz="1200" b="0" dirty="0">
                           <a:solidFill>
                             <a:schemeClr val="tx1"/>
                           </a:solidFill>
@@ -15120,7 +16097,7 @@
                     <a:p>
                       <a:pPr algn="ctr" latinLnBrk="1"/>
                       <a:r>
-                        <a:rPr lang="en-US" altLang="ko-KR" sz="1200" b="0" dirty="0" smtClean="0">
+                        <a:rPr lang="en-US" altLang="ko-KR" sz="1200" b="0" dirty="0">
                           <a:solidFill>
                             <a:schemeClr val="tx1"/>
                           </a:solidFill>
@@ -15154,7 +16131,7 @@
                     <a:p>
                       <a:pPr algn="ctr" latinLnBrk="1"/>
                       <a:r>
-                        <a:rPr lang="en-US" altLang="ko-KR" sz="1200" b="0" dirty="0" smtClean="0">
+                        <a:rPr lang="en-US" altLang="ko-KR" sz="1200" b="0" dirty="0">
                           <a:solidFill>
                             <a:schemeClr val="tx1"/>
                           </a:solidFill>
@@ -15188,7 +16165,7 @@
                     <a:p>
                       <a:pPr algn="ctr" latinLnBrk="1"/>
                       <a:r>
-                        <a:rPr lang="en-US" altLang="ko-KR" sz="1200" b="0" dirty="0" smtClean="0">
+                        <a:rPr lang="en-US" altLang="ko-KR" sz="1200" b="0" dirty="0">
                           <a:solidFill>
                             <a:schemeClr val="tx1"/>
                           </a:solidFill>
@@ -15222,7 +16199,7 @@
                     <a:p>
                       <a:pPr algn="ctr" latinLnBrk="1"/>
                       <a:r>
-                        <a:rPr lang="en-US" altLang="ko-KR" sz="1200" b="0" dirty="0" smtClean="0">
+                        <a:rPr lang="en-US" altLang="ko-KR" sz="1200" b="0" dirty="0">
                           <a:solidFill>
                             <a:schemeClr val="tx1"/>
                           </a:solidFill>
@@ -15256,7 +16233,7 @@
                     <a:p>
                       <a:pPr algn="ctr" latinLnBrk="1"/>
                       <a:r>
-                        <a:rPr lang="en-US" altLang="ko-KR" sz="1200" b="0" dirty="0" smtClean="0">
+                        <a:rPr lang="en-US" altLang="ko-KR" sz="1200" b="0" dirty="0">
                           <a:solidFill>
                             <a:schemeClr val="tx1"/>
                           </a:solidFill>
@@ -15290,7 +16267,7 @@
                     <a:p>
                       <a:pPr algn="ctr" latinLnBrk="1"/>
                       <a:r>
-                        <a:rPr lang="en-US" altLang="ko-KR" sz="1200" b="0" dirty="0" smtClean="0">
+                        <a:rPr lang="en-US" altLang="ko-KR" sz="1200" b="0" dirty="0">
                           <a:solidFill>
                             <a:schemeClr val="tx1"/>
                           </a:solidFill>
@@ -15324,7 +16301,7 @@
                     <a:p>
                       <a:pPr algn="ctr" latinLnBrk="1"/>
                       <a:r>
-                        <a:rPr lang="en-US" altLang="ko-KR" sz="1200" b="0" dirty="0" smtClean="0">
+                        <a:rPr lang="en-US" altLang="ko-KR" sz="1200" b="0" dirty="0">
                           <a:solidFill>
                             <a:schemeClr val="tx1"/>
                           </a:solidFill>
@@ -15358,7 +16335,7 @@
                     <a:p>
                       <a:pPr algn="ctr" latinLnBrk="1"/>
                       <a:r>
-                        <a:rPr lang="en-US" altLang="ko-KR" sz="1200" b="0" dirty="0" smtClean="0">
+                        <a:rPr lang="en-US" altLang="ko-KR" sz="1200" b="0" dirty="0">
                           <a:solidFill>
                             <a:schemeClr val="tx1"/>
                           </a:solidFill>
@@ -15392,7 +16369,7 @@
                     <a:p>
                       <a:pPr algn="ctr" latinLnBrk="1"/>
                       <a:r>
-                        <a:rPr lang="en-US" altLang="ko-KR" sz="1200" b="0" dirty="0" smtClean="0">
+                        <a:rPr lang="en-US" altLang="ko-KR" sz="1200" b="0" dirty="0">
                           <a:solidFill>
                             <a:schemeClr val="tx1"/>
                           </a:solidFill>
@@ -15426,7 +16403,7 @@
                     <a:p>
                       <a:pPr algn="ctr" latinLnBrk="1"/>
                       <a:r>
-                        <a:rPr lang="en-US" altLang="ko-KR" sz="1200" b="0" dirty="0" smtClean="0">
+                        <a:rPr lang="en-US" altLang="ko-KR" sz="1200" b="0" dirty="0">
                           <a:solidFill>
                             <a:schemeClr val="tx1"/>
                           </a:solidFill>
@@ -15460,7 +16437,7 @@
                     <a:p>
                       <a:pPr algn="ctr" latinLnBrk="1"/>
                       <a:r>
-                        <a:rPr lang="en-US" altLang="ko-KR" sz="1200" b="0" dirty="0" smtClean="0">
+                        <a:rPr lang="en-US" altLang="ko-KR" sz="1200" b="0" dirty="0">
                           <a:solidFill>
                             <a:schemeClr val="tx1"/>
                           </a:solidFill>
@@ -15494,7 +16471,7 @@
                     <a:p>
                       <a:pPr algn="ctr" latinLnBrk="1"/>
                       <a:r>
-                        <a:rPr lang="en-US" altLang="ko-KR" sz="1200" b="0" dirty="0" smtClean="0">
+                        <a:rPr lang="en-US" altLang="ko-KR" sz="1200" b="0" dirty="0">
                           <a:solidFill>
                             <a:schemeClr val="tx1"/>
                           </a:solidFill>
@@ -15535,7 +16512,7 @@
                     <a:p>
                       <a:pPr algn="ctr" latinLnBrk="1"/>
                       <a:r>
-                        <a:rPr lang="en-US" altLang="ko-KR" sz="1400" b="0" dirty="0" smtClean="0">
+                        <a:rPr lang="en-US" altLang="ko-KR" sz="1400" b="0" dirty="0">
                           <a:ln>
                             <a:solidFill>
                               <a:schemeClr val="accent1"/>
@@ -15610,7 +16587,7 @@
                     <a:p>
                       <a:pPr algn="ctr" latinLnBrk="1"/>
                       <a:r>
-                        <a:rPr lang="en-US" altLang="ko-KR" sz="1400" b="0" dirty="0" smtClean="0">
+                        <a:rPr lang="en-US" altLang="ko-KR" sz="1400" b="0" dirty="0">
                           <a:ln>
                             <a:solidFill>
                               <a:schemeClr val="accent1"/>
@@ -15685,7 +16662,7 @@
                     <a:p>
                       <a:pPr algn="ctr" latinLnBrk="1"/>
                       <a:r>
-                        <a:rPr lang="en-US" altLang="ko-KR" sz="1400" b="0" dirty="0" smtClean="0">
+                        <a:rPr lang="en-US" altLang="ko-KR" sz="1400" b="0" dirty="0">
                           <a:ln>
                             <a:solidFill>
                               <a:schemeClr val="accent1"/>
@@ -15760,7 +16737,7 @@
                     <a:p>
                       <a:pPr algn="ctr" latinLnBrk="1"/>
                       <a:r>
-                        <a:rPr lang="en-US" altLang="ko-KR" sz="1400" b="0" dirty="0" smtClean="0">
+                        <a:rPr lang="en-US" altLang="ko-KR" sz="1400" b="0" dirty="0">
                           <a:ln>
                             <a:solidFill>
                               <a:schemeClr val="accent1"/>
@@ -15835,7 +16812,7 @@
                     <a:p>
                       <a:pPr algn="ctr" latinLnBrk="1"/>
                       <a:r>
-                        <a:rPr lang="en-US" altLang="ko-KR" sz="1400" b="0" dirty="0" smtClean="0">
+                        <a:rPr lang="en-US" altLang="ko-KR" sz="1400" b="0" dirty="0">
                           <a:ln>
                             <a:solidFill>
                               <a:schemeClr val="accent1"/>
@@ -15910,7 +16887,7 @@
                     <a:p>
                       <a:pPr algn="ctr" latinLnBrk="1"/>
                       <a:r>
-                        <a:rPr lang="en-US" altLang="ko-KR" sz="1400" b="0" dirty="0" smtClean="0">
+                        <a:rPr lang="en-US" altLang="ko-KR" sz="1400" b="0" dirty="0">
                           <a:ln>
                             <a:solidFill>
                               <a:schemeClr val="accent1"/>
@@ -15985,7 +16962,7 @@
                     <a:p>
                       <a:pPr algn="ctr" latinLnBrk="1"/>
                       <a:r>
-                        <a:rPr lang="en-US" altLang="ko-KR" sz="1400" b="0" dirty="0" smtClean="0">
+                        <a:rPr lang="en-US" altLang="ko-KR" sz="1400" b="0" dirty="0">
                           <a:ln>
                             <a:solidFill>
                               <a:schemeClr val="accent1"/>
@@ -16060,7 +17037,7 @@
                     <a:p>
                       <a:pPr algn="ctr" latinLnBrk="1"/>
                       <a:r>
-                        <a:rPr lang="en-US" altLang="ko-KR" sz="1400" b="0" dirty="0" smtClean="0">
+                        <a:rPr lang="en-US" altLang="ko-KR" sz="1400" b="0" dirty="0">
                           <a:ln>
                             <a:solidFill>
                               <a:schemeClr val="accent1"/>
@@ -16135,7 +17112,7 @@
                     <a:p>
                       <a:pPr algn="ctr" latinLnBrk="1"/>
                       <a:r>
-                        <a:rPr lang="en-US" altLang="ko-KR" sz="1400" b="0" dirty="0" smtClean="0">
+                        <a:rPr lang="en-US" altLang="ko-KR" sz="1400" b="0" dirty="0">
                           <a:ln>
                             <a:solidFill>
                               <a:schemeClr val="accent1"/>
@@ -16210,7 +17187,7 @@
                     <a:p>
                       <a:pPr algn="ctr" latinLnBrk="1"/>
                       <a:r>
-                        <a:rPr lang="en-US" altLang="ko-KR" sz="1400" b="0" dirty="0" smtClean="0">
+                        <a:rPr lang="en-US" altLang="ko-KR" sz="1400" b="0" dirty="0">
                           <a:ln>
                             <a:solidFill>
                               <a:schemeClr val="accent1"/>
@@ -16285,7 +17262,7 @@
                     <a:p>
                       <a:pPr algn="ctr" latinLnBrk="1"/>
                       <a:r>
-                        <a:rPr lang="en-US" altLang="ko-KR" sz="1400" b="0" dirty="0" smtClean="0">
+                        <a:rPr lang="en-US" altLang="ko-KR" sz="1400" b="0" dirty="0">
                           <a:ln>
                             <a:solidFill>
                               <a:schemeClr val="accent1"/>
@@ -16360,7 +17337,7 @@
                     <a:p>
                       <a:pPr algn="ctr" latinLnBrk="1"/>
                       <a:r>
-                        <a:rPr lang="en-US" altLang="ko-KR" sz="1400" b="0" dirty="0" smtClean="0">
+                        <a:rPr lang="en-US" altLang="ko-KR" sz="1400" b="0" dirty="0">
                           <a:ln>
                             <a:solidFill>
                               <a:schemeClr val="accent1"/>
@@ -16435,7 +17412,7 @@
                     <a:p>
                       <a:pPr algn="ctr" latinLnBrk="1"/>
                       <a:r>
-                        <a:rPr lang="en-US" altLang="ko-KR" sz="1400" b="0" dirty="0" smtClean="0">
+                        <a:rPr lang="en-US" altLang="ko-KR" sz="1400" b="0" dirty="0">
                           <a:ln>
                             <a:solidFill>
                               <a:schemeClr val="accent1"/>
@@ -16522,7 +17499,7 @@
           <p:nvPr>
             <p:extLst>
               <p:ext uri="{D42A27DB-BD31-4B8C-83A1-F6EECF244321}">
-                <p14:modId xmlns:p14="http://schemas.microsoft.com/office/powerpoint/2010/main" val="2550782141"/>
+                <p14:modId xmlns:p14="http://schemas.microsoft.com/office/powerpoint/2010/main" val="3080046531"/>
               </p:ext>
             </p:extLst>
           </p:nvPr>
@@ -16638,7 +17615,7 @@
                     <a:p>
                       <a:pPr algn="ctr" latinLnBrk="1"/>
                       <a:r>
-                        <a:rPr lang="en-US" altLang="ko-KR" sz="1200" b="0" dirty="0" smtClean="0">
+                        <a:rPr lang="en-US" altLang="ko-KR" sz="1200" b="0" dirty="0">
                           <a:solidFill>
                             <a:schemeClr val="tx1"/>
                           </a:solidFill>
@@ -16672,7 +17649,7 @@
                     <a:p>
                       <a:pPr algn="ctr" latinLnBrk="1"/>
                       <a:r>
-                        <a:rPr lang="en-US" altLang="ko-KR" sz="1200" b="0" dirty="0" smtClean="0">
+                        <a:rPr lang="en-US" altLang="ko-KR" sz="1200" b="0" dirty="0">
                           <a:solidFill>
                             <a:schemeClr val="tx1"/>
                           </a:solidFill>
@@ -16706,7 +17683,7 @@
                     <a:p>
                       <a:pPr algn="ctr" latinLnBrk="1"/>
                       <a:r>
-                        <a:rPr lang="en-US" altLang="ko-KR" sz="1200" b="0" dirty="0" smtClean="0">
+                        <a:rPr lang="en-US" altLang="ko-KR" sz="1200" b="0" dirty="0">
                           <a:solidFill>
                             <a:schemeClr val="tx1"/>
                           </a:solidFill>
@@ -16740,7 +17717,7 @@
                     <a:p>
                       <a:pPr algn="ctr" latinLnBrk="1"/>
                       <a:r>
-                        <a:rPr lang="en-US" altLang="ko-KR" sz="1200" b="0" dirty="0" smtClean="0">
+                        <a:rPr lang="en-US" altLang="ko-KR" sz="1200" b="0" dirty="0">
                           <a:solidFill>
                             <a:schemeClr val="tx1"/>
                           </a:solidFill>
@@ -16774,7 +17751,7 @@
                     <a:p>
                       <a:pPr algn="ctr" latinLnBrk="1"/>
                       <a:r>
-                        <a:rPr lang="en-US" altLang="ko-KR" sz="1200" b="0" dirty="0" smtClean="0">
+                        <a:rPr lang="en-US" altLang="ko-KR" sz="1200" b="0" dirty="0">
                           <a:solidFill>
                             <a:schemeClr val="tx1"/>
                           </a:solidFill>
@@ -16808,7 +17785,7 @@
                     <a:p>
                       <a:pPr algn="ctr" latinLnBrk="1"/>
                       <a:r>
-                        <a:rPr lang="en-US" altLang="ko-KR" sz="1200" b="0" dirty="0" smtClean="0">
+                        <a:rPr lang="en-US" altLang="ko-KR" sz="1200" b="0" dirty="0">
                           <a:solidFill>
                             <a:schemeClr val="tx1"/>
                           </a:solidFill>
@@ -16842,7 +17819,7 @@
                     <a:p>
                       <a:pPr algn="ctr" latinLnBrk="1"/>
                       <a:r>
-                        <a:rPr lang="en-US" altLang="ko-KR" sz="1200" b="0" dirty="0" smtClean="0">
+                        <a:rPr lang="en-US" altLang="ko-KR" sz="1200" b="0" dirty="0">
                           <a:solidFill>
                             <a:schemeClr val="tx1"/>
                           </a:solidFill>
@@ -16876,7 +17853,7 @@
                     <a:p>
                       <a:pPr algn="ctr" latinLnBrk="1"/>
                       <a:r>
-                        <a:rPr lang="en-US" altLang="ko-KR" sz="1200" b="0" dirty="0" smtClean="0">
+                        <a:rPr lang="en-US" altLang="ko-KR" sz="1200" b="0" dirty="0">
                           <a:solidFill>
                             <a:schemeClr val="tx1"/>
                           </a:solidFill>
@@ -16910,7 +17887,7 @@
                     <a:p>
                       <a:pPr algn="ctr" latinLnBrk="1"/>
                       <a:r>
-                        <a:rPr lang="en-US" altLang="ko-KR" sz="1200" b="0" dirty="0" smtClean="0">
+                        <a:rPr lang="en-US" altLang="ko-KR" sz="1200" b="0" dirty="0">
                           <a:solidFill>
                             <a:schemeClr val="tx1"/>
                           </a:solidFill>
@@ -16944,7 +17921,7 @@
                     <a:p>
                       <a:pPr algn="ctr" latinLnBrk="1"/>
                       <a:r>
-                        <a:rPr lang="en-US" altLang="ko-KR" sz="1200" b="0" dirty="0" smtClean="0">
+                        <a:rPr lang="en-US" altLang="ko-KR" sz="1200" b="0" dirty="0">
                           <a:solidFill>
                             <a:schemeClr val="tx1"/>
                           </a:solidFill>
@@ -16978,7 +17955,7 @@
                     <a:p>
                       <a:pPr algn="ctr" latinLnBrk="1"/>
                       <a:r>
-                        <a:rPr lang="en-US" altLang="ko-KR" sz="1200" b="0" dirty="0" smtClean="0">
+                        <a:rPr lang="en-US" altLang="ko-KR" sz="1200" b="0" dirty="0">
                           <a:solidFill>
                             <a:schemeClr val="tx1"/>
                           </a:solidFill>
@@ -17012,7 +17989,7 @@
                     <a:p>
                       <a:pPr algn="ctr" latinLnBrk="1"/>
                       <a:r>
-                        <a:rPr lang="en-US" altLang="ko-KR" sz="1200" b="0" dirty="0" smtClean="0">
+                        <a:rPr lang="en-US" altLang="ko-KR" sz="1200" b="0" dirty="0">
                           <a:solidFill>
                             <a:schemeClr val="tx1"/>
                           </a:solidFill>
@@ -17046,7 +18023,7 @@
                     <a:p>
                       <a:pPr algn="ctr" latinLnBrk="1"/>
                       <a:r>
-                        <a:rPr lang="en-US" altLang="ko-KR" sz="1200" b="0" dirty="0" smtClean="0">
+                        <a:rPr lang="en-US" altLang="ko-KR" sz="1200" b="0" dirty="0">
                           <a:solidFill>
                             <a:schemeClr val="tx1"/>
                           </a:solidFill>
@@ -17087,7 +18064,7 @@
                     <a:p>
                       <a:pPr algn="ctr" latinLnBrk="1"/>
                       <a:r>
-                        <a:rPr lang="en-US" altLang="ko-KR" sz="1400" b="0" dirty="0" smtClean="0">
+                        <a:rPr lang="en-US" altLang="ko-KR" sz="1400" b="0" dirty="0">
                           <a:ln>
                             <a:solidFill>
                               <a:schemeClr val="accent1"/>
@@ -17222,7 +18199,7 @@
                     <a:p>
                       <a:pPr algn="ctr" latinLnBrk="1"/>
                       <a:r>
-                        <a:rPr lang="en-US" altLang="ko-KR" sz="1400" b="0" dirty="0" smtClean="0">
+                        <a:rPr lang="en-US" altLang="ko-KR" sz="1400" b="0" dirty="0">
                           <a:ln>
                             <a:solidFill>
                               <a:schemeClr val="accent1"/>
@@ -17297,7 +18274,7 @@
                     <a:p>
                       <a:pPr algn="ctr" latinLnBrk="1"/>
                       <a:r>
-                        <a:rPr lang="en-US" altLang="ko-KR" sz="1400" b="0" dirty="0" smtClean="0">
+                        <a:rPr lang="en-US" altLang="ko-KR" sz="1400" b="0" dirty="0">
                           <a:ln>
                             <a:solidFill>
                               <a:schemeClr val="accent1"/>
@@ -17372,7 +18349,7 @@
                     <a:p>
                       <a:pPr algn="ctr" latinLnBrk="1"/>
                       <a:r>
-                        <a:rPr lang="en-US" altLang="ko-KR" sz="1400" b="0" dirty="0" smtClean="0">
+                        <a:rPr lang="en-US" altLang="ko-KR" sz="1400" b="0" dirty="0">
                           <a:ln>
                             <a:solidFill>
                               <a:schemeClr val="accent1"/>
@@ -17447,7 +18424,7 @@
                     <a:p>
                       <a:pPr algn="ctr" latinLnBrk="1"/>
                       <a:r>
-                        <a:rPr lang="en-US" altLang="ko-KR" sz="1400" b="0" dirty="0" smtClean="0">
+                        <a:rPr lang="en-US" altLang="ko-KR" sz="1400" b="0" dirty="0">
                           <a:ln>
                             <a:solidFill>
                               <a:schemeClr val="accent1"/>
@@ -17641,6 +18618,171 @@
                     <a:lstStyle/>
                     <a:p>
                       <a:pPr algn="ctr" latinLnBrk="1"/>
+                      <a:r>
+                        <a:rPr lang="en-US" altLang="ko-KR" sz="1400" b="0" dirty="0">
+                          <a:ln>
+                            <a:solidFill>
+                              <a:schemeClr val="accent1"/>
+                            </a:solidFill>
+                          </a:ln>
+                          <a:solidFill>
+                            <a:schemeClr val="tx1"/>
+                          </a:solidFill>
+                          <a:latin typeface="+mn-lt"/>
+                          <a:ea typeface="+mn-ea"/>
+                        </a:rPr>
+                        <a:t>25</a:t>
+                      </a:r>
+                      <a:endParaRPr lang="ko-KR" altLang="en-US" sz="1400" b="0" dirty="0">
+                        <a:ln>
+                          <a:solidFill>
+                            <a:schemeClr val="accent1"/>
+                          </a:solidFill>
+                        </a:ln>
+                        <a:solidFill>
+                          <a:schemeClr val="tx1"/>
+                        </a:solidFill>
+                        <a:latin typeface="+mn-lt"/>
+                        <a:ea typeface="+mn-ea"/>
+                      </a:endParaRPr>
+                    </a:p>
+                  </a:txBody>
+                  <a:tcPr anchor="ctr">
+                    <a:lnL w="12700" cap="flat" cmpd="sng" algn="ctr">
+                      <a:solidFill>
+                        <a:schemeClr val="tx1"/>
+                      </a:solidFill>
+                      <a:prstDash val="solid"/>
+                      <a:round/>
+                      <a:headEnd type="none" w="med" len="med"/>
+                      <a:tailEnd type="none" w="med" len="med"/>
+                    </a:lnL>
+                    <a:lnR w="12700" cap="flat" cmpd="sng" algn="ctr">
+                      <a:solidFill>
+                        <a:schemeClr val="tx1"/>
+                      </a:solidFill>
+                      <a:prstDash val="solid"/>
+                      <a:round/>
+                      <a:headEnd type="none" w="med" len="med"/>
+                      <a:tailEnd type="none" w="med" len="med"/>
+                    </a:lnR>
+                    <a:lnT w="12700" cap="flat" cmpd="sng" algn="ctr">
+                      <a:solidFill>
+                        <a:schemeClr val="tx1"/>
+                      </a:solidFill>
+                      <a:prstDash val="solid"/>
+                      <a:round/>
+                      <a:headEnd type="none" w="med" len="med"/>
+                      <a:tailEnd type="none" w="med" len="med"/>
+                    </a:lnT>
+                    <a:lnB w="12700" cap="flat" cmpd="sng" algn="ctr">
+                      <a:solidFill>
+                        <a:schemeClr val="tx1"/>
+                      </a:solidFill>
+                      <a:prstDash val="solid"/>
+                      <a:round/>
+                      <a:headEnd type="none" w="med" len="med"/>
+                      <a:tailEnd type="none" w="med" len="med"/>
+                    </a:lnB>
+                    <a:noFill/>
+                  </a:tcPr>
+                </a:tc>
+                <a:tc>
+                  <a:txBody>
+                    <a:bodyPr/>
+                    <a:lstStyle/>
+                    <a:p>
+                      <a:pPr algn="ctr" latinLnBrk="1"/>
+                      <a:r>
+                        <a:rPr lang="en-US" altLang="ko-KR" sz="1400" b="0" dirty="0">
+                          <a:ln>
+                            <a:solidFill>
+                              <a:schemeClr val="accent1"/>
+                            </a:solidFill>
+                          </a:ln>
+                          <a:solidFill>
+                            <a:schemeClr val="tx1"/>
+                          </a:solidFill>
+                          <a:latin typeface="+mn-lt"/>
+                          <a:ea typeface="+mn-ea"/>
+                        </a:rPr>
+                        <a:t>25</a:t>
+                      </a:r>
+                      <a:endParaRPr lang="ko-KR" altLang="en-US" sz="1400" b="0" dirty="0">
+                        <a:ln>
+                          <a:solidFill>
+                            <a:schemeClr val="accent1"/>
+                          </a:solidFill>
+                        </a:ln>
+                        <a:solidFill>
+                          <a:schemeClr val="tx1"/>
+                        </a:solidFill>
+                        <a:latin typeface="+mn-lt"/>
+                        <a:ea typeface="+mn-ea"/>
+                      </a:endParaRPr>
+                    </a:p>
+                  </a:txBody>
+                  <a:tcPr anchor="ctr">
+                    <a:lnL w="12700" cap="flat" cmpd="sng" algn="ctr">
+                      <a:solidFill>
+                        <a:schemeClr val="tx1"/>
+                      </a:solidFill>
+                      <a:prstDash val="solid"/>
+                      <a:round/>
+                      <a:headEnd type="none" w="med" len="med"/>
+                      <a:tailEnd type="none" w="med" len="med"/>
+                    </a:lnL>
+                    <a:lnR w="12700" cap="flat" cmpd="sng" algn="ctr">
+                      <a:solidFill>
+                        <a:schemeClr val="tx1"/>
+                      </a:solidFill>
+                      <a:prstDash val="solid"/>
+                      <a:round/>
+                      <a:headEnd type="none" w="med" len="med"/>
+                      <a:tailEnd type="none" w="med" len="med"/>
+                    </a:lnR>
+                    <a:lnT w="12700" cap="flat" cmpd="sng" algn="ctr">
+                      <a:solidFill>
+                        <a:schemeClr val="tx1"/>
+                      </a:solidFill>
+                      <a:prstDash val="solid"/>
+                      <a:round/>
+                      <a:headEnd type="none" w="med" len="med"/>
+                      <a:tailEnd type="none" w="med" len="med"/>
+                    </a:lnT>
+                    <a:lnB w="12700" cap="flat" cmpd="sng" algn="ctr">
+                      <a:solidFill>
+                        <a:schemeClr val="tx1"/>
+                      </a:solidFill>
+                      <a:prstDash val="solid"/>
+                      <a:round/>
+                      <a:headEnd type="none" w="med" len="med"/>
+                      <a:tailEnd type="none" w="med" len="med"/>
+                    </a:lnB>
+                    <a:noFill/>
+                  </a:tcPr>
+                </a:tc>
+                <a:tc>
+                  <a:txBody>
+                    <a:bodyPr/>
+                    <a:lstStyle/>
+                    <a:p>
+                      <a:pPr algn="ctr" latinLnBrk="1"/>
+                      <a:r>
+                        <a:rPr lang="en-US" altLang="ko-KR" sz="1400" b="0" dirty="0">
+                          <a:ln>
+                            <a:solidFill>
+                              <a:schemeClr val="accent1"/>
+                            </a:solidFill>
+                          </a:ln>
+                          <a:solidFill>
+                            <a:schemeClr val="tx1"/>
+                          </a:solidFill>
+                          <a:latin typeface="+mn-lt"/>
+                          <a:ea typeface="+mn-ea"/>
+                        </a:rPr>
+                        <a:t>43</a:t>
+                      </a:r>
                       <a:endParaRPr lang="ko-KR" altLang="en-US" sz="1400" b="0" dirty="0">
                         <a:ln>
                           <a:solidFill>
@@ -17761,128 +18903,8 @@
                     <a:lstStyle/>
                     <a:p>
                       <a:pPr algn="ctr" latinLnBrk="1"/>
-                      <a:endParaRPr lang="ko-KR" altLang="en-US" sz="1400" b="0" dirty="0">
-                        <a:ln>
-                          <a:solidFill>
-                            <a:schemeClr val="accent1"/>
-                          </a:solidFill>
-                        </a:ln>
-                        <a:solidFill>
-                          <a:schemeClr val="tx1"/>
-                        </a:solidFill>
-                        <a:latin typeface="+mn-lt"/>
-                        <a:ea typeface="+mn-ea"/>
-                      </a:endParaRPr>
-                    </a:p>
-                  </a:txBody>
-                  <a:tcPr anchor="ctr">
-                    <a:lnL w="12700" cap="flat" cmpd="sng" algn="ctr">
-                      <a:solidFill>
-                        <a:schemeClr val="tx1"/>
-                      </a:solidFill>
-                      <a:prstDash val="solid"/>
-                      <a:round/>
-                      <a:headEnd type="none" w="med" len="med"/>
-                      <a:tailEnd type="none" w="med" len="med"/>
-                    </a:lnL>
-                    <a:lnR w="12700" cap="flat" cmpd="sng" algn="ctr">
-                      <a:solidFill>
-                        <a:schemeClr val="tx1"/>
-                      </a:solidFill>
-                      <a:prstDash val="solid"/>
-                      <a:round/>
-                      <a:headEnd type="none" w="med" len="med"/>
-                      <a:tailEnd type="none" w="med" len="med"/>
-                    </a:lnR>
-                    <a:lnT w="12700" cap="flat" cmpd="sng" algn="ctr">
-                      <a:solidFill>
-                        <a:schemeClr val="tx1"/>
-                      </a:solidFill>
-                      <a:prstDash val="solid"/>
-                      <a:round/>
-                      <a:headEnd type="none" w="med" len="med"/>
-                      <a:tailEnd type="none" w="med" len="med"/>
-                    </a:lnT>
-                    <a:lnB w="12700" cap="flat" cmpd="sng" algn="ctr">
-                      <a:solidFill>
-                        <a:schemeClr val="tx1"/>
-                      </a:solidFill>
-                      <a:prstDash val="solid"/>
-                      <a:round/>
-                      <a:headEnd type="none" w="med" len="med"/>
-                      <a:tailEnd type="none" w="med" len="med"/>
-                    </a:lnB>
-                    <a:noFill/>
-                  </a:tcPr>
-                </a:tc>
-                <a:tc>
-                  <a:txBody>
-                    <a:bodyPr/>
-                    <a:lstStyle/>
-                    <a:p>
-                      <a:pPr algn="ctr" latinLnBrk="1"/>
-                      <a:endParaRPr lang="ko-KR" altLang="en-US" sz="1400" b="0" dirty="0">
-                        <a:ln>
-                          <a:solidFill>
-                            <a:schemeClr val="accent1"/>
-                          </a:solidFill>
-                        </a:ln>
-                        <a:solidFill>
-                          <a:schemeClr val="tx1"/>
-                        </a:solidFill>
-                        <a:latin typeface="+mn-lt"/>
-                        <a:ea typeface="+mn-ea"/>
-                      </a:endParaRPr>
-                    </a:p>
-                  </a:txBody>
-                  <a:tcPr anchor="ctr">
-                    <a:lnL w="12700" cap="flat" cmpd="sng" algn="ctr">
-                      <a:solidFill>
-                        <a:schemeClr val="tx1"/>
-                      </a:solidFill>
-                      <a:prstDash val="solid"/>
-                      <a:round/>
-                      <a:headEnd type="none" w="med" len="med"/>
-                      <a:tailEnd type="none" w="med" len="med"/>
-                    </a:lnL>
-                    <a:lnR w="12700" cap="flat" cmpd="sng" algn="ctr">
-                      <a:solidFill>
-                        <a:schemeClr val="tx1"/>
-                      </a:solidFill>
-                      <a:prstDash val="solid"/>
-                      <a:round/>
-                      <a:headEnd type="none" w="med" len="med"/>
-                      <a:tailEnd type="none" w="med" len="med"/>
-                    </a:lnR>
-                    <a:lnT w="12700" cap="flat" cmpd="sng" algn="ctr">
-                      <a:solidFill>
-                        <a:schemeClr val="tx1"/>
-                      </a:solidFill>
-                      <a:prstDash val="solid"/>
-                      <a:round/>
-                      <a:headEnd type="none" w="med" len="med"/>
-                      <a:tailEnd type="none" w="med" len="med"/>
-                    </a:lnT>
-                    <a:lnB w="12700" cap="flat" cmpd="sng" algn="ctr">
-                      <a:solidFill>
-                        <a:schemeClr val="tx1"/>
-                      </a:solidFill>
-                      <a:prstDash val="solid"/>
-                      <a:round/>
-                      <a:headEnd type="none" w="med" len="med"/>
-                      <a:tailEnd type="none" w="med" len="med"/>
-                    </a:lnB>
-                    <a:noFill/>
-                  </a:tcPr>
-                </a:tc>
-                <a:tc>
-                  <a:txBody>
-                    <a:bodyPr/>
-                    <a:lstStyle/>
-                    <a:p>
-                      <a:pPr algn="ctr" latinLnBrk="1"/>
                       <a:r>
-                        <a:rPr lang="en-US" altLang="ko-KR" sz="1400" b="0" dirty="0" smtClean="0">
+                        <a:rPr lang="en-US" altLang="ko-KR" sz="1400" b="0" dirty="0">
                           <a:ln>
                             <a:solidFill>
                               <a:schemeClr val="accent1"/>
@@ -17970,13 +18992,6 @@
   <p:clrMapOvr>
     <a:masterClrMapping/>
   </p:clrMapOvr>
-  <p:timing>
-    <p:tnLst>
-      <p:par>
-        <p:cTn id="1" dur="indefinite" restart="never" nodeType="tmRoot"/>
-      </p:par>
-    </p:tnLst>
-  </p:timing>
 </p:sld>
 </file>
 
@@ -18010,7 +19025,7 @@
         <p:spPr/>
         <p:txBody>
           <a:bodyPr>
-            <a:normAutofit/>
+            <a:normAutofit fontScale="92500" lnSpcReduction="10000"/>
           </a:bodyPr>
           <a:lstStyle/>
           <a:p>
@@ -18018,31 +19033,31 @@
               <a:buAutoNum type="arabicParenBoth"/>
             </a:pPr>
             <a:r>
-              <a:rPr lang="en-US" altLang="ko-KR" sz="2000" dirty="0" smtClean="0">
+              <a:rPr lang="en-US" altLang="ko-KR" sz="2000" dirty="0">
                 <a:cs typeface="Times New Roman"/>
               </a:rPr>
               <a:t>Make a hash table with a sequence [</a:t>
             </a:r>
             <a:r>
-              <a:rPr lang="en-US" altLang="ko-KR" sz="2000" b="1" dirty="0" smtClean="0">
+              <a:rPr lang="en-US" altLang="ko-KR" sz="2000" b="1" dirty="0">
                 <a:cs typeface="Times New Roman"/>
               </a:rPr>
               <a:t>56, 47, 30, 13, 70, 85</a:t>
             </a:r>
             <a:r>
-              <a:rPr lang="en-US" altLang="ko-KR" sz="2000" dirty="0" smtClean="0">
+              <a:rPr lang="en-US" altLang="ko-KR" sz="2000" dirty="0">
                 <a:cs typeface="Times New Roman"/>
               </a:rPr>
               <a:t>] and initial table size </a:t>
             </a:r>
             <a:r>
-              <a:rPr lang="en-US" altLang="ko-KR" sz="2000" b="1" dirty="0" smtClean="0">
+              <a:rPr lang="en-US" altLang="ko-KR" sz="2000" b="1" dirty="0">
                 <a:cs typeface="Times New Roman"/>
               </a:rPr>
               <a:t>7</a:t>
             </a:r>
             <a:r>
-              <a:rPr lang="en-US" altLang="ko-KR" sz="2000" dirty="0" smtClean="0">
+              <a:rPr lang="en-US" altLang="ko-KR" sz="2000" dirty="0">
                 <a:cs typeface="Times New Roman"/>
               </a:rPr>
               <a:t> first.</a:t>
@@ -18053,95 +19068,53 @@
               <a:buAutoNum type="arabicParenBoth"/>
             </a:pPr>
             <a:r>
-              <a:rPr lang="en-US" altLang="ko-KR" sz="2000" dirty="0" smtClean="0">
-                <a:cs typeface="Times New Roman"/>
-              </a:rPr>
-              <a:t>Then </a:t>
-            </a:r>
-            <a:r>
-              <a:rPr lang="en-US" altLang="ko-KR" sz="2000" b="1" dirty="0" smtClean="0">
-                <a:cs typeface="Times New Roman"/>
-              </a:rPr>
-              <a:t>rehash</a:t>
-            </a:r>
-            <a:r>
-              <a:rPr lang="en-US" altLang="ko-KR" sz="2000" dirty="0" smtClean="0">
-                <a:cs typeface="Times New Roman"/>
-              </a:rPr>
-              <a:t> </a:t>
-            </a:r>
-            <a:r>
               <a:rPr lang="en-US" altLang="ko-KR" sz="2000" dirty="0">
                 <a:cs typeface="Times New Roman"/>
               </a:rPr>
-              <a:t>the </a:t>
-            </a:r>
-            <a:r>
-              <a:rPr lang="en-US" altLang="ko-KR" sz="2000" dirty="0" smtClean="0">
+              <a:t>Then </a:t>
+            </a:r>
+            <a:r>
+              <a:rPr lang="en-US" altLang="ko-KR" sz="2000" b="1" dirty="0">
                 <a:cs typeface="Times New Roman"/>
               </a:rPr>
-              <a:t>hash table. </a:t>
+              <a:t>rehash</a:t>
+            </a:r>
+            <a:r>
+              <a:rPr lang="en-US" altLang="ko-KR" sz="2000" dirty="0">
+                <a:cs typeface="Times New Roman"/>
+              </a:rPr>
+              <a:t> the hash table. </a:t>
             </a:r>
           </a:p>
           <a:p>
             <a:pPr lvl="1"/>
             <a:r>
-              <a:rPr lang="en-US" altLang="ko-KR" sz="1600" dirty="0" smtClean="0">
-                <a:cs typeface="Times New Roman"/>
-              </a:rPr>
-              <a:t>Use </a:t>
-            </a:r>
-            <a:r>
-              <a:rPr lang="en-US" altLang="ko-KR" sz="1600" b="1" dirty="0" smtClean="0">
-                <a:cs typeface="Times New Roman"/>
-              </a:rPr>
-              <a:t>linear probing</a:t>
-            </a:r>
-            <a:r>
-              <a:rPr lang="en-US" altLang="ko-KR" sz="1600" dirty="0" smtClean="0">
-                <a:cs typeface="Times New Roman"/>
-              </a:rPr>
-              <a:t> to resolve the </a:t>
-            </a:r>
-            <a:r>
-              <a:rPr lang="en-US" altLang="ko-KR" sz="1600" dirty="0" smtClean="0">
-                <a:cs typeface="Times New Roman"/>
-              </a:rPr>
-              <a:t>collisions and show </a:t>
-            </a:r>
-            <a:r>
               <a:rPr lang="en-US" altLang="ko-KR" sz="1600" dirty="0">
                 <a:cs typeface="Times New Roman"/>
               </a:rPr>
-              <a:t>your computation, collision and resolution. </a:t>
-            </a:r>
-            <a:endParaRPr lang="en-US" altLang="ko-KR" sz="1600" dirty="0" smtClean="0">
-              <a:cs typeface="Times New Roman"/>
-            </a:endParaRPr>
+              <a:t>Use </a:t>
+            </a:r>
+            <a:r>
+              <a:rPr lang="en-US" altLang="ko-KR" sz="1600" b="1" dirty="0">
+                <a:cs typeface="Times New Roman"/>
+              </a:rPr>
+              <a:t>linear probing</a:t>
+            </a:r>
+            <a:r>
+              <a:rPr lang="en-US" altLang="ko-KR" sz="1600" dirty="0">
+                <a:cs typeface="Times New Roman"/>
+              </a:rPr>
+              <a:t> to resolve the collisions and show your computation, collision and resolution. </a:t>
+            </a:r>
           </a:p>
           <a:p>
             <a:pPr lvl="1"/>
             <a:r>
-              <a:rPr lang="en-US" altLang="ko-KR" sz="1600" dirty="0" smtClean="0">
-                <a:cs typeface="Times New Roman"/>
-              </a:rPr>
-              <a:t>Compute </a:t>
-            </a:r>
-            <a:r>
               <a:rPr lang="en-US" altLang="ko-KR" sz="1600" dirty="0">
                 <a:cs typeface="Times New Roman"/>
               </a:rPr>
-              <a:t>the load factors before and after </a:t>
-            </a:r>
-            <a:r>
-              <a:rPr lang="en-US" altLang="ko-KR" sz="1600" dirty="0" smtClean="0">
-                <a:cs typeface="Times New Roman"/>
-              </a:rPr>
-              <a:t>rehashing. </a:t>
-            </a:r>
-            <a:endParaRPr lang="en-US" altLang="ko-KR" sz="1600" dirty="0">
-              <a:cs typeface="Times New Roman"/>
-            </a:endParaRPr>
+              <a:t>Compute the load factors before and after rehashing. </a:t>
+            </a:r>
           </a:p>
           <a:p>
             <a:pPr marL="355600">
@@ -18217,6 +19190,801 @@
                 <a:tab pos="793750" algn="l"/>
               </a:tabLst>
             </a:pPr>
+            <a:r>
+              <a:rPr lang="en-US" altLang="ko-KR" sz="1800" spc="-5" dirty="0">
+                <a:cs typeface="Tahoma"/>
+              </a:rPr>
+              <a:t>h</a:t>
+            </a:r>
+            <a:r>
+              <a:rPr lang="en-US" altLang="ko-KR" sz="1800" spc="-7" baseline="-20833" dirty="0">
+                <a:cs typeface="Tahoma"/>
+              </a:rPr>
+              <a:t>0</a:t>
+            </a:r>
+            <a:r>
+              <a:rPr lang="en-US" altLang="ko-KR" sz="1800" dirty="0">
+                <a:cs typeface="Tahoma"/>
+              </a:rPr>
+              <a:t>(56) = 1		 	</a:t>
+            </a:r>
+            <a:r>
+              <a:rPr lang="ko-KR" altLang="en-US" sz="1600" dirty="0">
+                <a:cs typeface="Tahoma"/>
+              </a:rPr>
+              <a:t> </a:t>
+            </a:r>
+            <a:r>
+              <a:rPr lang="ko-KR" altLang="en-US" sz="1800" dirty="0"/>
+              <a:t>𝜆 </a:t>
+            </a:r>
+            <a:r>
+              <a:rPr lang="en-US" altLang="ko-KR" sz="1800" dirty="0"/>
+              <a:t>= 0.14		</a:t>
+            </a:r>
+            <a:r>
+              <a:rPr lang="en-US" altLang="ko-KR" sz="1800" spc="-5" dirty="0">
+                <a:cs typeface="Tahoma"/>
+              </a:rPr>
+              <a:t> h</a:t>
+            </a:r>
+            <a:r>
+              <a:rPr lang="en-US" altLang="ko-KR" sz="1800" spc="-7" baseline="-20833" dirty="0">
+                <a:cs typeface="Tahoma"/>
+              </a:rPr>
+              <a:t>0</a:t>
+            </a:r>
+            <a:r>
+              <a:rPr lang="en-US" altLang="ko-KR" sz="1800" dirty="0">
+                <a:cs typeface="Tahoma"/>
+              </a:rPr>
+              <a:t>(56) = 2		 	</a:t>
+            </a:r>
+            <a:r>
+              <a:rPr lang="ko-KR" altLang="en-US" sz="1600" dirty="0">
+                <a:cs typeface="Tahoma"/>
+              </a:rPr>
+              <a:t> </a:t>
+            </a:r>
+            <a:r>
+              <a:rPr lang="ko-KR" altLang="en-US" sz="1800" dirty="0"/>
+              <a:t>𝜆 </a:t>
+            </a:r>
+            <a:r>
+              <a:rPr lang="en-US" altLang="ko-KR" sz="1800" dirty="0"/>
+              <a:t>= 0.09</a:t>
+            </a:r>
+            <a:endParaRPr lang="en-US" altLang="ko-KR" sz="1800" dirty="0">
+              <a:cs typeface="Tahoma"/>
+            </a:endParaRPr>
+          </a:p>
+          <a:p>
+            <a:pPr marL="508000" lvl="1" indent="0">
+              <a:spcBef>
+                <a:spcPts val="580"/>
+              </a:spcBef>
+              <a:buClr>
+                <a:srgbClr val="FF0000"/>
+              </a:buClr>
+              <a:buSzPct val="54166"/>
+              <a:buNone/>
+              <a:tabLst>
+                <a:tab pos="793115" algn="l"/>
+                <a:tab pos="793750" algn="l"/>
+              </a:tabLst>
+            </a:pPr>
+            <a:r>
+              <a:rPr lang="en-US" altLang="ko-KR" sz="1800" spc="-5" dirty="0">
+                <a:cs typeface="Tahoma"/>
+              </a:rPr>
+              <a:t>h</a:t>
+            </a:r>
+            <a:r>
+              <a:rPr lang="en-US" altLang="ko-KR" sz="1800" spc="-7" baseline="-20833" dirty="0">
+                <a:cs typeface="Tahoma"/>
+              </a:rPr>
+              <a:t>0</a:t>
+            </a:r>
+            <a:r>
+              <a:rPr lang="en-US" altLang="ko-KR" sz="1800" dirty="0">
+                <a:cs typeface="Tahoma"/>
+              </a:rPr>
+              <a:t>(47) = 6		  	 </a:t>
+            </a:r>
+            <a:r>
+              <a:rPr lang="ko-KR" altLang="en-US" sz="1800" dirty="0"/>
+              <a:t>𝜆 </a:t>
+            </a:r>
+            <a:r>
+              <a:rPr lang="en-US" altLang="ko-KR" sz="1800" dirty="0"/>
+              <a:t>= 0.28		 </a:t>
+            </a:r>
+            <a:r>
+              <a:rPr lang="en-US" altLang="ko-KR" sz="1800" spc="-5" dirty="0">
+                <a:cs typeface="Tahoma"/>
+              </a:rPr>
+              <a:t>h</a:t>
+            </a:r>
+            <a:r>
+              <a:rPr lang="en-US" altLang="ko-KR" sz="1800" spc="-7" baseline="-20833" dirty="0">
+                <a:cs typeface="Tahoma"/>
+              </a:rPr>
+              <a:t>0</a:t>
+            </a:r>
+            <a:r>
+              <a:rPr lang="en-US" altLang="ko-KR" sz="1800" dirty="0">
+                <a:cs typeface="Tahoma"/>
+              </a:rPr>
+              <a:t>(47) = 7		 	</a:t>
+            </a:r>
+            <a:r>
+              <a:rPr lang="ko-KR" altLang="en-US" sz="1600" dirty="0">
+                <a:cs typeface="Tahoma"/>
+              </a:rPr>
+              <a:t> </a:t>
+            </a:r>
+            <a:r>
+              <a:rPr lang="ko-KR" altLang="en-US" sz="1800" dirty="0"/>
+              <a:t>𝜆 </a:t>
+            </a:r>
+            <a:r>
+              <a:rPr lang="en-US" altLang="ko-KR" sz="1800" dirty="0"/>
+              <a:t>= 0.18</a:t>
+            </a:r>
+            <a:endParaRPr lang="en-US" altLang="ko-KR" sz="1800" dirty="0">
+              <a:cs typeface="Tahoma"/>
+            </a:endParaRPr>
+          </a:p>
+          <a:p>
+            <a:pPr marL="508000" lvl="1" indent="0">
+              <a:spcBef>
+                <a:spcPts val="580"/>
+              </a:spcBef>
+              <a:buClr>
+                <a:srgbClr val="FF0000"/>
+              </a:buClr>
+              <a:buSzPct val="54166"/>
+              <a:buNone/>
+              <a:tabLst>
+                <a:tab pos="793115" algn="l"/>
+                <a:tab pos="793750" algn="l"/>
+              </a:tabLst>
+            </a:pPr>
+            <a:r>
+              <a:rPr lang="en-US" altLang="ko-KR" sz="1800" spc="-5" dirty="0">
+                <a:cs typeface="Tahoma"/>
+              </a:rPr>
+              <a:t>h</a:t>
+            </a:r>
+            <a:r>
+              <a:rPr lang="en-US" altLang="ko-KR" sz="1800" spc="-7" baseline="-20833" dirty="0">
+                <a:cs typeface="Tahoma"/>
+              </a:rPr>
+              <a:t>0</a:t>
+            </a:r>
+            <a:r>
+              <a:rPr lang="en-US" altLang="ko-KR" sz="1800" dirty="0">
+                <a:cs typeface="Tahoma"/>
+              </a:rPr>
+              <a:t>(30) = 1 (collision)		</a:t>
+            </a:r>
+            <a:r>
+              <a:rPr lang="ko-KR" altLang="en-US" sz="1800" dirty="0"/>
+              <a:t> 𝜆 </a:t>
+            </a:r>
+            <a:r>
+              <a:rPr lang="en-US" altLang="ko-KR" sz="1800" dirty="0"/>
+              <a:t>= 0.43		 </a:t>
+            </a:r>
+            <a:r>
+              <a:rPr lang="en-US" altLang="ko-KR" sz="1800" spc="-5" dirty="0">
+                <a:cs typeface="Tahoma"/>
+              </a:rPr>
+              <a:t>h</a:t>
+            </a:r>
+            <a:r>
+              <a:rPr lang="en-US" altLang="ko-KR" sz="1800" spc="-7" baseline="-20833" dirty="0">
+                <a:cs typeface="Tahoma"/>
+              </a:rPr>
+              <a:t>0</a:t>
+            </a:r>
+            <a:r>
+              <a:rPr lang="en-US" altLang="ko-KR" sz="1800" dirty="0">
+                <a:cs typeface="Tahoma"/>
+              </a:rPr>
+              <a:t>(30) = 7 (collision)	 	</a:t>
+            </a:r>
+            <a:r>
+              <a:rPr lang="ko-KR" altLang="en-US" sz="1600" dirty="0">
+                <a:cs typeface="Tahoma"/>
+              </a:rPr>
+              <a:t> </a:t>
+            </a:r>
+            <a:r>
+              <a:rPr lang="ko-KR" altLang="en-US" sz="1800" dirty="0"/>
+              <a:t>𝜆 </a:t>
+            </a:r>
+            <a:r>
+              <a:rPr lang="en-US" altLang="ko-KR" sz="1800" dirty="0"/>
+              <a:t>= 0.27</a:t>
+            </a:r>
+            <a:endParaRPr lang="en-US" altLang="ko-KR" sz="1800" dirty="0">
+              <a:cs typeface="Tahoma"/>
+            </a:endParaRPr>
+          </a:p>
+          <a:p>
+            <a:pPr marL="508000" lvl="1" indent="0">
+              <a:spcBef>
+                <a:spcPts val="580"/>
+              </a:spcBef>
+              <a:buClr>
+                <a:srgbClr val="FF0000"/>
+              </a:buClr>
+              <a:buSzPct val="54166"/>
+              <a:buNone/>
+              <a:tabLst>
+                <a:tab pos="793115" algn="l"/>
+                <a:tab pos="793750" algn="l"/>
+              </a:tabLst>
+            </a:pPr>
+            <a:r>
+              <a:rPr lang="en-US" altLang="ko-KR" sz="1800" spc="-5" dirty="0">
+                <a:cs typeface="Tahoma"/>
+              </a:rPr>
+              <a:t>h</a:t>
+            </a:r>
+            <a:r>
+              <a:rPr lang="en-US" altLang="ko-KR" sz="1800" spc="-7" baseline="-20833" dirty="0">
+                <a:cs typeface="Tahoma"/>
+              </a:rPr>
+              <a:t>1</a:t>
+            </a:r>
+            <a:r>
+              <a:rPr lang="en-US" altLang="ko-KR" sz="1800" dirty="0">
+                <a:cs typeface="Tahoma"/>
+              </a:rPr>
+              <a:t>(30) = </a:t>
+            </a:r>
+            <a:r>
+              <a:rPr lang="en-US" altLang="ko-KR" sz="1800" spc="-5" dirty="0">
+                <a:cs typeface="Tahoma"/>
+              </a:rPr>
+              <a:t>h</a:t>
+            </a:r>
+            <a:r>
+              <a:rPr lang="en-US" altLang="ko-KR" sz="1800" spc="-7" baseline="-20833" dirty="0">
+                <a:cs typeface="Tahoma"/>
+              </a:rPr>
+              <a:t>0</a:t>
+            </a:r>
+            <a:r>
+              <a:rPr lang="en-US" altLang="ko-KR" sz="1800" dirty="0">
+                <a:cs typeface="Tahoma"/>
+              </a:rPr>
+              <a:t>(30) +1 = 2			 	 </a:t>
+            </a:r>
+            <a:r>
+              <a:rPr lang="en-US" altLang="ko-KR" sz="1800" spc="-5" dirty="0">
+                <a:cs typeface="Tahoma"/>
+              </a:rPr>
+              <a:t>h</a:t>
+            </a:r>
+            <a:r>
+              <a:rPr lang="en-US" altLang="ko-KR" sz="1800" spc="-7" baseline="-20833" dirty="0">
+                <a:cs typeface="Tahoma"/>
+              </a:rPr>
+              <a:t>1</a:t>
+            </a:r>
+            <a:r>
+              <a:rPr lang="en-US" altLang="ko-KR" sz="1800" dirty="0">
+                <a:cs typeface="Tahoma"/>
+              </a:rPr>
+              <a:t>(30) = </a:t>
+            </a:r>
+            <a:r>
+              <a:rPr lang="en-US" altLang="ko-KR" sz="1800" spc="-5" dirty="0">
+                <a:cs typeface="Tahoma"/>
+              </a:rPr>
+              <a:t>h</a:t>
+            </a:r>
+            <a:r>
+              <a:rPr lang="en-US" altLang="ko-KR" sz="1800" spc="-7" baseline="-20833" dirty="0">
+                <a:cs typeface="Tahoma"/>
+              </a:rPr>
+              <a:t>0</a:t>
+            </a:r>
+            <a:r>
+              <a:rPr lang="en-US" altLang="ko-KR" sz="1800" dirty="0">
+                <a:cs typeface="Tahoma"/>
+              </a:rPr>
+              <a:t>(30) +1 = 8 	 	</a:t>
+            </a:r>
+          </a:p>
+          <a:p>
+            <a:pPr marL="508000" lvl="1" indent="0">
+              <a:spcBef>
+                <a:spcPts val="580"/>
+              </a:spcBef>
+              <a:buClr>
+                <a:srgbClr val="FF0000"/>
+              </a:buClr>
+              <a:buSzPct val="54166"/>
+              <a:buNone/>
+              <a:tabLst>
+                <a:tab pos="793115" algn="l"/>
+                <a:tab pos="793750" algn="l"/>
+              </a:tabLst>
+            </a:pPr>
+            <a:r>
+              <a:rPr lang="en-US" altLang="ko-KR" sz="1800" spc="-5" dirty="0">
+                <a:cs typeface="Tahoma"/>
+              </a:rPr>
+              <a:t>h</a:t>
+            </a:r>
+            <a:r>
+              <a:rPr lang="en-US" altLang="ko-KR" sz="1800" spc="-7" baseline="-20833" dirty="0">
+                <a:cs typeface="Tahoma"/>
+              </a:rPr>
+              <a:t>0</a:t>
+            </a:r>
+            <a:r>
+              <a:rPr lang="en-US" altLang="ko-KR" sz="1800" dirty="0">
+                <a:cs typeface="Tahoma"/>
+              </a:rPr>
+              <a:t>(13) = 5			 </a:t>
+            </a:r>
+            <a:r>
+              <a:rPr lang="ko-KR" altLang="en-US" sz="1800" dirty="0"/>
+              <a:t>𝜆 </a:t>
+            </a:r>
+            <a:r>
+              <a:rPr lang="en-US" altLang="ko-KR" sz="1800" dirty="0"/>
+              <a:t>= 0.57		</a:t>
+            </a:r>
+            <a:r>
+              <a:rPr lang="en-US" altLang="ko-KR" sz="1800" spc="-5" dirty="0">
+                <a:cs typeface="Tahoma"/>
+              </a:rPr>
+              <a:t> h</a:t>
+            </a:r>
+            <a:r>
+              <a:rPr lang="en-US" altLang="ko-KR" sz="1800" spc="-7" baseline="-20833" dirty="0">
+                <a:cs typeface="Tahoma"/>
+              </a:rPr>
+              <a:t>0</a:t>
+            </a:r>
+            <a:r>
+              <a:rPr lang="en-US" altLang="ko-KR" sz="1800" dirty="0">
+                <a:cs typeface="Tahoma"/>
+              </a:rPr>
+              <a:t>(13) = 0			 </a:t>
+            </a:r>
+            <a:r>
+              <a:rPr lang="ko-KR" altLang="en-US" sz="1800" dirty="0"/>
+              <a:t>𝜆 </a:t>
+            </a:r>
+            <a:r>
+              <a:rPr lang="en-US" altLang="ko-KR" sz="1800" dirty="0"/>
+              <a:t>= 0.36</a:t>
+            </a:r>
+            <a:endParaRPr lang="en-US" altLang="ko-KR" sz="1800" dirty="0">
+              <a:cs typeface="Tahoma"/>
+            </a:endParaRPr>
+          </a:p>
+          <a:p>
+            <a:pPr marL="508000" lvl="1" indent="0">
+              <a:spcBef>
+                <a:spcPts val="580"/>
+              </a:spcBef>
+              <a:buClr>
+                <a:srgbClr val="FF0000"/>
+              </a:buClr>
+              <a:buSzPct val="54166"/>
+              <a:buNone/>
+              <a:tabLst>
+                <a:tab pos="793115" algn="l"/>
+                <a:tab pos="793750" algn="l"/>
+              </a:tabLst>
+            </a:pPr>
+            <a:r>
+              <a:rPr lang="en-US" altLang="ko-KR" sz="1800" spc="-5" dirty="0">
+                <a:cs typeface="Tahoma"/>
+              </a:rPr>
+              <a:t>h</a:t>
+            </a:r>
+            <a:r>
+              <a:rPr lang="en-US" altLang="ko-KR" sz="1800" spc="-7" baseline="-20833" dirty="0">
+                <a:cs typeface="Tahoma"/>
+              </a:rPr>
+              <a:t>0</a:t>
+            </a:r>
+            <a:r>
+              <a:rPr lang="en-US" altLang="ko-KR" sz="1800" dirty="0">
+                <a:cs typeface="Tahoma"/>
+              </a:rPr>
+              <a:t>(70) = 1			 </a:t>
+            </a:r>
+            <a:r>
+              <a:rPr lang="ko-KR" altLang="en-US" sz="1800" dirty="0"/>
+              <a:t>𝜆 </a:t>
+            </a:r>
+            <a:r>
+              <a:rPr lang="en-US" altLang="ko-KR" sz="1800" dirty="0"/>
+              <a:t>= 0.71		 </a:t>
+            </a:r>
+            <a:r>
+              <a:rPr lang="en-US" altLang="ko-KR" sz="1800" spc="-5" dirty="0">
+                <a:cs typeface="Tahoma"/>
+              </a:rPr>
+              <a:t>h</a:t>
+            </a:r>
+            <a:r>
+              <a:rPr lang="en-US" altLang="ko-KR" sz="1800" spc="-7" baseline="-20833" dirty="0">
+                <a:cs typeface="Tahoma"/>
+              </a:rPr>
+              <a:t>0</a:t>
+            </a:r>
+            <a:r>
+              <a:rPr lang="en-US" altLang="ko-KR" sz="1800" dirty="0">
+                <a:cs typeface="Tahoma"/>
+              </a:rPr>
+              <a:t>(70) = 3			 </a:t>
+            </a:r>
+            <a:r>
+              <a:rPr lang="ko-KR" altLang="en-US" sz="1800" dirty="0"/>
+              <a:t>𝜆 </a:t>
+            </a:r>
+            <a:r>
+              <a:rPr lang="en-US" altLang="ko-KR" sz="1800" dirty="0"/>
+              <a:t>= 0.45</a:t>
+            </a:r>
+            <a:endParaRPr lang="en-US" altLang="ko-KR" sz="1800" dirty="0">
+              <a:cs typeface="Tahoma"/>
+            </a:endParaRPr>
+          </a:p>
+          <a:p>
+            <a:pPr marL="508000" lvl="1" indent="0">
+              <a:spcBef>
+                <a:spcPts val="580"/>
+              </a:spcBef>
+              <a:buClr>
+                <a:srgbClr val="FF0000"/>
+              </a:buClr>
+              <a:buSzPct val="54166"/>
+              <a:buNone/>
+              <a:tabLst>
+                <a:tab pos="793115" algn="l"/>
+                <a:tab pos="793750" algn="l"/>
+              </a:tabLst>
+            </a:pPr>
+            <a:r>
+              <a:rPr lang="en-US" altLang="ko-KR" sz="1800" spc="-5" dirty="0">
+                <a:cs typeface="Tahoma"/>
+              </a:rPr>
+              <a:t>h</a:t>
+            </a:r>
+            <a:r>
+              <a:rPr lang="en-US" altLang="ko-KR" sz="1800" spc="-7" baseline="-20833" dirty="0">
+                <a:cs typeface="Tahoma"/>
+              </a:rPr>
+              <a:t>1</a:t>
+            </a:r>
+            <a:r>
+              <a:rPr lang="en-US" altLang="ko-KR" sz="1800" dirty="0">
+                <a:cs typeface="Tahoma"/>
+              </a:rPr>
+              <a:t>(70) = </a:t>
+            </a:r>
+            <a:r>
+              <a:rPr lang="en-US" altLang="ko-KR" sz="1800" spc="-5" dirty="0">
+                <a:cs typeface="Tahoma"/>
+              </a:rPr>
+              <a:t>h</a:t>
+            </a:r>
+            <a:r>
+              <a:rPr lang="en-US" altLang="ko-KR" sz="1800" spc="-7" baseline="-20833" dirty="0">
+                <a:cs typeface="Tahoma"/>
+              </a:rPr>
+              <a:t>0</a:t>
+            </a:r>
+            <a:r>
+              <a:rPr lang="en-US" altLang="ko-KR" sz="1800" dirty="0">
+                <a:cs typeface="Tahoma"/>
+              </a:rPr>
+              <a:t>(30) +1 = 2			 	 </a:t>
+            </a:r>
+            <a:r>
+              <a:rPr lang="en-US" altLang="ko-KR" sz="1800" spc="-5" dirty="0">
+                <a:cs typeface="Tahoma"/>
+              </a:rPr>
+              <a:t>h</a:t>
+            </a:r>
+            <a:r>
+              <a:rPr lang="en-US" altLang="ko-KR" sz="1800" spc="-7" baseline="-20833" dirty="0">
+                <a:cs typeface="Tahoma"/>
+              </a:rPr>
+              <a:t>0</a:t>
+            </a:r>
+            <a:r>
+              <a:rPr lang="en-US" altLang="ko-KR" sz="1800" dirty="0">
+                <a:cs typeface="Tahoma"/>
+              </a:rPr>
+              <a:t>(85) = 8 (</a:t>
+            </a:r>
+            <a:r>
+              <a:rPr lang="en-US" altLang="ko-KR" sz="1800" dirty="0" err="1">
+                <a:cs typeface="Tahoma"/>
+              </a:rPr>
+              <a:t>collsion</a:t>
+            </a:r>
+            <a:r>
+              <a:rPr lang="en-US" altLang="ko-KR" sz="1800" dirty="0">
+                <a:cs typeface="Tahoma"/>
+              </a:rPr>
+              <a:t>)		 </a:t>
+            </a:r>
+            <a:r>
+              <a:rPr lang="ko-KR" altLang="en-US" sz="1800" dirty="0"/>
+              <a:t>𝜆 </a:t>
+            </a:r>
+            <a:r>
+              <a:rPr lang="en-US" altLang="ko-KR" sz="1800" dirty="0"/>
+              <a:t>= 0.54</a:t>
+            </a:r>
+            <a:endParaRPr lang="en-US" altLang="ko-KR" sz="1800" dirty="0">
+              <a:cs typeface="Tahoma"/>
+            </a:endParaRPr>
+          </a:p>
+          <a:p>
+            <a:pPr marL="508000" lvl="1" indent="0">
+              <a:spcBef>
+                <a:spcPts val="580"/>
+              </a:spcBef>
+              <a:buClr>
+                <a:srgbClr val="FF0000"/>
+              </a:buClr>
+              <a:buSzPct val="54166"/>
+              <a:buNone/>
+              <a:tabLst>
+                <a:tab pos="793115" algn="l"/>
+                <a:tab pos="793750" algn="l"/>
+              </a:tabLst>
+            </a:pPr>
+            <a:r>
+              <a:rPr lang="en-US" altLang="ko-KR" sz="1800" spc="-5" dirty="0">
+                <a:cs typeface="Tahoma"/>
+              </a:rPr>
+              <a:t>h</a:t>
+            </a:r>
+            <a:r>
+              <a:rPr lang="en-US" altLang="ko-KR" sz="1800" spc="-7" baseline="-20833" dirty="0">
+                <a:cs typeface="Tahoma"/>
+              </a:rPr>
+              <a:t>2</a:t>
+            </a:r>
+            <a:r>
+              <a:rPr lang="en-US" altLang="ko-KR" sz="1800" dirty="0">
+                <a:cs typeface="Tahoma"/>
+              </a:rPr>
+              <a:t>(70) = </a:t>
+            </a:r>
+            <a:r>
+              <a:rPr lang="en-US" altLang="ko-KR" sz="1800" spc="-5" dirty="0">
+                <a:cs typeface="Tahoma"/>
+              </a:rPr>
+              <a:t>h</a:t>
+            </a:r>
+            <a:r>
+              <a:rPr lang="en-US" altLang="ko-KR" sz="1800" spc="-7" baseline="-20833" dirty="0">
+                <a:cs typeface="Tahoma"/>
+              </a:rPr>
+              <a:t>0</a:t>
+            </a:r>
+            <a:r>
+              <a:rPr lang="en-US" altLang="ko-KR" sz="1800" dirty="0">
+                <a:cs typeface="Tahoma"/>
+              </a:rPr>
+              <a:t>(30) +2 = 3				 </a:t>
+            </a:r>
+            <a:r>
+              <a:rPr lang="en-US" altLang="ko-KR" sz="1800" spc="-5" dirty="0">
+                <a:cs typeface="Tahoma"/>
+              </a:rPr>
+              <a:t>h</a:t>
+            </a:r>
+            <a:r>
+              <a:rPr lang="en-US" altLang="ko-KR" sz="1800" spc="-7" baseline="-20833" dirty="0">
+                <a:cs typeface="Tahoma"/>
+              </a:rPr>
+              <a:t>1</a:t>
+            </a:r>
+            <a:r>
+              <a:rPr lang="en-US" altLang="ko-KR" sz="1800" dirty="0">
+                <a:cs typeface="Tahoma"/>
+              </a:rPr>
+              <a:t>(85) = </a:t>
+            </a:r>
+            <a:r>
+              <a:rPr lang="en-US" altLang="ko-KR" sz="1800" spc="-5" dirty="0">
+                <a:cs typeface="Tahoma"/>
+              </a:rPr>
+              <a:t>h</a:t>
+            </a:r>
+            <a:r>
+              <a:rPr lang="en-US" altLang="ko-KR" sz="1800" spc="-7" baseline="-20833" dirty="0">
+                <a:cs typeface="Tahoma"/>
+              </a:rPr>
+              <a:t>0</a:t>
+            </a:r>
+            <a:r>
+              <a:rPr lang="en-US" altLang="ko-KR" sz="1800" dirty="0">
+                <a:cs typeface="Tahoma"/>
+              </a:rPr>
+              <a:t>(85) +1 = 9</a:t>
+            </a:r>
+          </a:p>
+          <a:p>
+            <a:pPr marL="508000" lvl="1" indent="0">
+              <a:spcBef>
+                <a:spcPts val="580"/>
+              </a:spcBef>
+              <a:buClr>
+                <a:srgbClr val="FF0000"/>
+              </a:buClr>
+              <a:buSzPct val="54166"/>
+              <a:buNone/>
+              <a:tabLst>
+                <a:tab pos="793115" algn="l"/>
+                <a:tab pos="793750" algn="l"/>
+              </a:tabLst>
+            </a:pPr>
+            <a:r>
+              <a:rPr lang="en-US" altLang="ko-KR" sz="1800" spc="-5" dirty="0">
+                <a:cs typeface="Tahoma"/>
+              </a:rPr>
+              <a:t>h</a:t>
+            </a:r>
+            <a:r>
+              <a:rPr lang="en-US" altLang="ko-KR" sz="1800" spc="-7" baseline="-20833" dirty="0">
+                <a:cs typeface="Tahoma"/>
+              </a:rPr>
+              <a:t>0</a:t>
+            </a:r>
+            <a:r>
+              <a:rPr lang="en-US" altLang="ko-KR" sz="1800" dirty="0">
+                <a:cs typeface="Tahoma"/>
+              </a:rPr>
+              <a:t>(85) = 3 (</a:t>
+            </a:r>
+            <a:r>
+              <a:rPr lang="en-US" altLang="ko-KR" sz="1800" dirty="0" err="1">
+                <a:cs typeface="Tahoma"/>
+              </a:rPr>
+              <a:t>collsion</a:t>
+            </a:r>
+            <a:r>
+              <a:rPr lang="en-US" altLang="ko-KR" sz="1800" dirty="0">
+                <a:cs typeface="Tahoma"/>
+              </a:rPr>
+              <a:t>)		 </a:t>
+            </a:r>
+            <a:r>
+              <a:rPr lang="ko-KR" altLang="en-US" sz="1800" dirty="0"/>
+              <a:t>𝜆 </a:t>
+            </a:r>
+            <a:r>
+              <a:rPr lang="en-US" altLang="ko-KR" sz="1800" dirty="0"/>
+              <a:t>= 0.85</a:t>
+            </a:r>
+            <a:endParaRPr lang="en-US" altLang="ko-KR" sz="1800" dirty="0">
+              <a:cs typeface="Tahoma"/>
+            </a:endParaRPr>
+          </a:p>
+          <a:p>
+            <a:pPr marL="508000" lvl="1" indent="0">
+              <a:spcBef>
+                <a:spcPts val="580"/>
+              </a:spcBef>
+              <a:buClr>
+                <a:srgbClr val="FF0000"/>
+              </a:buClr>
+              <a:buSzPct val="54166"/>
+              <a:buNone/>
+              <a:tabLst>
+                <a:tab pos="793115" algn="l"/>
+                <a:tab pos="793750" algn="l"/>
+              </a:tabLst>
+            </a:pPr>
+            <a:r>
+              <a:rPr lang="en-US" altLang="ko-KR" sz="1800" spc="-5" dirty="0">
+                <a:cs typeface="Tahoma"/>
+              </a:rPr>
+              <a:t>h</a:t>
+            </a:r>
+            <a:r>
+              <a:rPr lang="en-US" altLang="ko-KR" sz="1800" spc="-7" baseline="-20833" dirty="0">
+                <a:cs typeface="Tahoma"/>
+              </a:rPr>
+              <a:t>1</a:t>
+            </a:r>
+            <a:r>
+              <a:rPr lang="en-US" altLang="ko-KR" sz="1800" dirty="0">
+                <a:cs typeface="Tahoma"/>
+              </a:rPr>
+              <a:t>(85) = </a:t>
+            </a:r>
+            <a:r>
+              <a:rPr lang="en-US" altLang="ko-KR" sz="1800" spc="-5" dirty="0">
+                <a:cs typeface="Tahoma"/>
+              </a:rPr>
+              <a:t>h</a:t>
+            </a:r>
+            <a:r>
+              <a:rPr lang="en-US" altLang="ko-KR" sz="1800" spc="-7" baseline="-20833" dirty="0">
+                <a:cs typeface="Tahoma"/>
+              </a:rPr>
+              <a:t>0</a:t>
+            </a:r>
+            <a:r>
+              <a:rPr lang="en-US" altLang="ko-KR" sz="1800" dirty="0">
+                <a:cs typeface="Tahoma"/>
+              </a:rPr>
+              <a:t>(85) +1 = 4</a:t>
+            </a:r>
+          </a:p>
+          <a:p>
+            <a:pPr marL="508000" lvl="1" indent="0">
+              <a:spcBef>
+                <a:spcPts val="580"/>
+              </a:spcBef>
+              <a:buClr>
+                <a:srgbClr val="FF0000"/>
+              </a:buClr>
+              <a:buSzPct val="54166"/>
+              <a:buNone/>
+              <a:tabLst>
+                <a:tab pos="793115" algn="l"/>
+                <a:tab pos="793750" algn="l"/>
+              </a:tabLst>
+            </a:pPr>
+            <a:endParaRPr lang="en-US" altLang="ko-KR" sz="1800" dirty="0">
+              <a:cs typeface="Tahoma"/>
+            </a:endParaRPr>
+          </a:p>
+          <a:p>
+            <a:pPr marL="508000" lvl="1" indent="0">
+              <a:spcBef>
+                <a:spcPts val="580"/>
+              </a:spcBef>
+              <a:buClr>
+                <a:srgbClr val="FF0000"/>
+              </a:buClr>
+              <a:buSzPct val="54166"/>
+              <a:buNone/>
+              <a:tabLst>
+                <a:tab pos="793115" algn="l"/>
+                <a:tab pos="793750" algn="l"/>
+              </a:tabLst>
+            </a:pPr>
+            <a:endParaRPr lang="en-US" altLang="ko-KR" sz="1800" dirty="0">
+              <a:cs typeface="Tahoma"/>
+            </a:endParaRPr>
+          </a:p>
+          <a:p>
+            <a:pPr marL="508000" lvl="1" indent="0">
+              <a:spcBef>
+                <a:spcPts val="580"/>
+              </a:spcBef>
+              <a:buClr>
+                <a:srgbClr val="FF0000"/>
+              </a:buClr>
+              <a:buSzPct val="54166"/>
+              <a:buNone/>
+              <a:tabLst>
+                <a:tab pos="793115" algn="l"/>
+                <a:tab pos="793750" algn="l"/>
+              </a:tabLst>
+            </a:pPr>
             <a:endParaRPr lang="en-US" altLang="ko-KR" sz="1800" dirty="0">
               <a:cs typeface="Tahoma"/>
             </a:endParaRPr>
@@ -18239,7 +20007,7 @@
           <a:lstStyle/>
           <a:p>
             <a:r>
-              <a:rPr lang="en-US" altLang="ko-KR" spc="-5" dirty="0" smtClean="0"/>
+              <a:rPr lang="en-US" altLang="ko-KR" spc="-5" dirty="0"/>
               <a:t>Q6 and Q7. Hashing and Rehashing</a:t>
             </a:r>
             <a:endParaRPr lang="ko-KR" altLang="en-US" dirty="0"/>
@@ -18279,7 +20047,7 @@
           <p:nvPr>
             <p:extLst>
               <p:ext uri="{D42A27DB-BD31-4B8C-83A1-F6EECF244321}">
-                <p14:modId xmlns:p14="http://schemas.microsoft.com/office/powerpoint/2010/main" val="2857316387"/>
+                <p14:modId xmlns:p14="http://schemas.microsoft.com/office/powerpoint/2010/main" val="2704543049"/>
               </p:ext>
             </p:extLst>
           </p:nvPr>
@@ -18353,7 +20121,7 @@
                     <a:p>
                       <a:pPr algn="ctr" latinLnBrk="1"/>
                       <a:r>
-                        <a:rPr lang="en-US" altLang="ko-KR" sz="1200" b="0" dirty="0" smtClean="0">
+                        <a:rPr lang="en-US" altLang="ko-KR" sz="1200" b="0" dirty="0">
                           <a:solidFill>
                             <a:schemeClr val="tx1"/>
                           </a:solidFill>
@@ -18387,7 +20155,7 @@
                     <a:p>
                       <a:pPr algn="ctr" latinLnBrk="1"/>
                       <a:r>
-                        <a:rPr lang="en-US" altLang="ko-KR" sz="1200" b="0" dirty="0" smtClean="0">
+                        <a:rPr lang="en-US" altLang="ko-KR" sz="1200" b="0" dirty="0">
                           <a:solidFill>
                             <a:schemeClr val="tx1"/>
                           </a:solidFill>
@@ -18421,7 +20189,7 @@
                     <a:p>
                       <a:pPr algn="ctr" latinLnBrk="1"/>
                       <a:r>
-                        <a:rPr lang="en-US" altLang="ko-KR" sz="1200" b="0" dirty="0" smtClean="0">
+                        <a:rPr lang="en-US" altLang="ko-KR" sz="1200" b="0" dirty="0">
                           <a:solidFill>
                             <a:schemeClr val="tx1"/>
                           </a:solidFill>
@@ -18455,7 +20223,7 @@
                     <a:p>
                       <a:pPr algn="ctr" latinLnBrk="1"/>
                       <a:r>
-                        <a:rPr lang="en-US" altLang="ko-KR" sz="1200" b="0" dirty="0" smtClean="0">
+                        <a:rPr lang="en-US" altLang="ko-KR" sz="1200" b="0" dirty="0">
                           <a:solidFill>
                             <a:schemeClr val="tx1"/>
                           </a:solidFill>
@@ -18489,7 +20257,7 @@
                     <a:p>
                       <a:pPr algn="ctr" latinLnBrk="1"/>
                       <a:r>
-                        <a:rPr lang="en-US" altLang="ko-KR" sz="1200" b="0" dirty="0" smtClean="0">
+                        <a:rPr lang="en-US" altLang="ko-KR" sz="1200" b="0" dirty="0">
                           <a:solidFill>
                             <a:schemeClr val="tx1"/>
                           </a:solidFill>
@@ -18523,7 +20291,7 @@
                     <a:p>
                       <a:pPr algn="ctr" latinLnBrk="1"/>
                       <a:r>
-                        <a:rPr lang="en-US" altLang="ko-KR" sz="1200" b="0" dirty="0" smtClean="0">
+                        <a:rPr lang="en-US" altLang="ko-KR" sz="1200" b="0" dirty="0">
                           <a:solidFill>
                             <a:schemeClr val="tx1"/>
                           </a:solidFill>
@@ -18557,7 +20325,7 @@
                     <a:p>
                       <a:pPr algn="ctr" latinLnBrk="1"/>
                       <a:r>
-                        <a:rPr lang="en-US" altLang="ko-KR" sz="1200" b="0" dirty="0" smtClean="0">
+                        <a:rPr lang="en-US" altLang="ko-KR" sz="1200" b="0" dirty="0">
                           <a:solidFill>
                             <a:schemeClr val="tx1"/>
                           </a:solidFill>
@@ -18655,6 +20423,1168 @@
                     <a:lstStyle/>
                     <a:p>
                       <a:pPr algn="ctr" latinLnBrk="1"/>
+                      <a:r>
+                        <a:rPr lang="en-US" altLang="ko-KR" sz="2000" b="0" dirty="0">
+                          <a:ln>
+                            <a:solidFill>
+                              <a:schemeClr val="accent1"/>
+                            </a:solidFill>
+                          </a:ln>
+                          <a:solidFill>
+                            <a:schemeClr val="tx1"/>
+                          </a:solidFill>
+                        </a:rPr>
+                        <a:t>56</a:t>
+                      </a:r>
+                      <a:endParaRPr lang="ko-KR" altLang="en-US" sz="2000" b="0" dirty="0">
+                        <a:ln>
+                          <a:solidFill>
+                            <a:schemeClr val="accent1"/>
+                          </a:solidFill>
+                        </a:ln>
+                        <a:solidFill>
+                          <a:schemeClr val="tx1"/>
+                        </a:solidFill>
+                      </a:endParaRPr>
+                    </a:p>
+                  </a:txBody>
+                  <a:tcPr anchor="ctr">
+                    <a:lnL w="12700" cap="flat" cmpd="sng" algn="ctr">
+                      <a:solidFill>
+                        <a:schemeClr val="tx1"/>
+                      </a:solidFill>
+                      <a:prstDash val="solid"/>
+                      <a:round/>
+                      <a:headEnd type="none" w="med" len="med"/>
+                      <a:tailEnd type="none" w="med" len="med"/>
+                    </a:lnL>
+                    <a:lnR w="12700" cap="flat" cmpd="sng" algn="ctr">
+                      <a:solidFill>
+                        <a:schemeClr val="tx1"/>
+                      </a:solidFill>
+                      <a:prstDash val="solid"/>
+                      <a:round/>
+                      <a:headEnd type="none" w="med" len="med"/>
+                      <a:tailEnd type="none" w="med" len="med"/>
+                    </a:lnR>
+                    <a:lnT w="12700" cap="flat" cmpd="sng" algn="ctr">
+                      <a:solidFill>
+                        <a:schemeClr val="tx1"/>
+                      </a:solidFill>
+                      <a:prstDash val="solid"/>
+                      <a:round/>
+                      <a:headEnd type="none" w="med" len="med"/>
+                      <a:tailEnd type="none" w="med" len="med"/>
+                    </a:lnT>
+                    <a:lnB w="12700" cap="flat" cmpd="sng" algn="ctr">
+                      <a:solidFill>
+                        <a:schemeClr val="tx1"/>
+                      </a:solidFill>
+                      <a:prstDash val="solid"/>
+                      <a:round/>
+                      <a:headEnd type="none" w="med" len="med"/>
+                      <a:tailEnd type="none" w="med" len="med"/>
+                    </a:lnB>
+                    <a:noFill/>
+                  </a:tcPr>
+                </a:tc>
+                <a:tc>
+                  <a:txBody>
+                    <a:bodyPr/>
+                    <a:lstStyle/>
+                    <a:p>
+                      <a:pPr algn="ctr" latinLnBrk="1"/>
+                      <a:r>
+                        <a:rPr lang="en-US" altLang="ko-KR" sz="2000" b="0" dirty="0">
+                          <a:ln>
+                            <a:solidFill>
+                              <a:schemeClr val="accent1"/>
+                            </a:solidFill>
+                          </a:ln>
+                          <a:solidFill>
+                            <a:schemeClr val="tx1"/>
+                          </a:solidFill>
+                        </a:rPr>
+                        <a:t>30</a:t>
+                      </a:r>
+                      <a:endParaRPr lang="ko-KR" altLang="en-US" sz="2000" b="0" dirty="0">
+                        <a:ln>
+                          <a:solidFill>
+                            <a:schemeClr val="accent1"/>
+                          </a:solidFill>
+                        </a:ln>
+                        <a:solidFill>
+                          <a:schemeClr val="tx1"/>
+                        </a:solidFill>
+                      </a:endParaRPr>
+                    </a:p>
+                  </a:txBody>
+                  <a:tcPr anchor="ctr">
+                    <a:lnL w="12700" cap="flat" cmpd="sng" algn="ctr">
+                      <a:solidFill>
+                        <a:schemeClr val="tx1"/>
+                      </a:solidFill>
+                      <a:prstDash val="solid"/>
+                      <a:round/>
+                      <a:headEnd type="none" w="med" len="med"/>
+                      <a:tailEnd type="none" w="med" len="med"/>
+                    </a:lnL>
+                    <a:lnR w="12700" cap="flat" cmpd="sng" algn="ctr">
+                      <a:solidFill>
+                        <a:schemeClr val="tx1"/>
+                      </a:solidFill>
+                      <a:prstDash val="solid"/>
+                      <a:round/>
+                      <a:headEnd type="none" w="med" len="med"/>
+                      <a:tailEnd type="none" w="med" len="med"/>
+                    </a:lnR>
+                    <a:lnT w="12700" cap="flat" cmpd="sng" algn="ctr">
+                      <a:solidFill>
+                        <a:schemeClr val="tx1"/>
+                      </a:solidFill>
+                      <a:prstDash val="solid"/>
+                      <a:round/>
+                      <a:headEnd type="none" w="med" len="med"/>
+                      <a:tailEnd type="none" w="med" len="med"/>
+                    </a:lnT>
+                    <a:lnB w="12700" cap="flat" cmpd="sng" algn="ctr">
+                      <a:solidFill>
+                        <a:schemeClr val="tx1"/>
+                      </a:solidFill>
+                      <a:prstDash val="solid"/>
+                      <a:round/>
+                      <a:headEnd type="none" w="med" len="med"/>
+                      <a:tailEnd type="none" w="med" len="med"/>
+                    </a:lnB>
+                    <a:noFill/>
+                  </a:tcPr>
+                </a:tc>
+                <a:tc>
+                  <a:txBody>
+                    <a:bodyPr/>
+                    <a:lstStyle/>
+                    <a:p>
+                      <a:pPr algn="ctr" latinLnBrk="1"/>
+                      <a:r>
+                        <a:rPr lang="en-US" altLang="ko-KR" sz="2000" b="0" dirty="0">
+                          <a:ln>
+                            <a:solidFill>
+                              <a:schemeClr val="accent1"/>
+                            </a:solidFill>
+                          </a:ln>
+                          <a:solidFill>
+                            <a:schemeClr val="tx1"/>
+                          </a:solidFill>
+                        </a:rPr>
+                        <a:t>70</a:t>
+                      </a:r>
+                      <a:endParaRPr lang="ko-KR" altLang="en-US" sz="2000" b="0" dirty="0">
+                        <a:ln>
+                          <a:solidFill>
+                            <a:schemeClr val="accent1"/>
+                          </a:solidFill>
+                        </a:ln>
+                        <a:solidFill>
+                          <a:schemeClr val="tx1"/>
+                        </a:solidFill>
+                      </a:endParaRPr>
+                    </a:p>
+                  </a:txBody>
+                  <a:tcPr anchor="ctr">
+                    <a:lnL w="12700" cap="flat" cmpd="sng" algn="ctr">
+                      <a:solidFill>
+                        <a:schemeClr val="tx1"/>
+                      </a:solidFill>
+                      <a:prstDash val="solid"/>
+                      <a:round/>
+                      <a:headEnd type="none" w="med" len="med"/>
+                      <a:tailEnd type="none" w="med" len="med"/>
+                    </a:lnL>
+                    <a:lnR w="12700" cap="flat" cmpd="sng" algn="ctr">
+                      <a:solidFill>
+                        <a:schemeClr val="tx1"/>
+                      </a:solidFill>
+                      <a:prstDash val="solid"/>
+                      <a:round/>
+                      <a:headEnd type="none" w="med" len="med"/>
+                      <a:tailEnd type="none" w="med" len="med"/>
+                    </a:lnR>
+                    <a:lnT w="12700" cap="flat" cmpd="sng" algn="ctr">
+                      <a:solidFill>
+                        <a:schemeClr val="tx1"/>
+                      </a:solidFill>
+                      <a:prstDash val="solid"/>
+                      <a:round/>
+                      <a:headEnd type="none" w="med" len="med"/>
+                      <a:tailEnd type="none" w="med" len="med"/>
+                    </a:lnT>
+                    <a:lnB w="12700" cap="flat" cmpd="sng" algn="ctr">
+                      <a:solidFill>
+                        <a:schemeClr val="tx1"/>
+                      </a:solidFill>
+                      <a:prstDash val="solid"/>
+                      <a:round/>
+                      <a:headEnd type="none" w="med" len="med"/>
+                      <a:tailEnd type="none" w="med" len="med"/>
+                    </a:lnB>
+                    <a:noFill/>
+                  </a:tcPr>
+                </a:tc>
+                <a:tc>
+                  <a:txBody>
+                    <a:bodyPr/>
+                    <a:lstStyle/>
+                    <a:p>
+                      <a:pPr algn="ctr" latinLnBrk="1"/>
+                      <a:r>
+                        <a:rPr lang="en-US" altLang="ko-KR" sz="2000" b="0" dirty="0">
+                          <a:ln>
+                            <a:solidFill>
+                              <a:schemeClr val="accent1"/>
+                            </a:solidFill>
+                          </a:ln>
+                          <a:solidFill>
+                            <a:schemeClr val="tx1"/>
+                          </a:solidFill>
+                        </a:rPr>
+                        <a:t>85</a:t>
+                      </a:r>
+                      <a:endParaRPr lang="ko-KR" altLang="en-US" sz="2000" b="0" dirty="0">
+                        <a:ln>
+                          <a:solidFill>
+                            <a:schemeClr val="accent1"/>
+                          </a:solidFill>
+                        </a:ln>
+                        <a:solidFill>
+                          <a:schemeClr val="tx1"/>
+                        </a:solidFill>
+                      </a:endParaRPr>
+                    </a:p>
+                  </a:txBody>
+                  <a:tcPr marL="0" marR="0" marT="0" marB="0" anchor="ctr">
+                    <a:lnL w="12700" cap="flat" cmpd="sng" algn="ctr">
+                      <a:solidFill>
+                        <a:schemeClr val="tx1"/>
+                      </a:solidFill>
+                      <a:prstDash val="solid"/>
+                      <a:round/>
+                      <a:headEnd type="none" w="med" len="med"/>
+                      <a:tailEnd type="none" w="med" len="med"/>
+                    </a:lnL>
+                    <a:lnR w="12700" cap="flat" cmpd="sng" algn="ctr">
+                      <a:solidFill>
+                        <a:schemeClr val="tx1"/>
+                      </a:solidFill>
+                      <a:prstDash val="solid"/>
+                      <a:round/>
+                      <a:headEnd type="none" w="med" len="med"/>
+                      <a:tailEnd type="none" w="med" len="med"/>
+                    </a:lnR>
+                    <a:lnT w="12700" cap="flat" cmpd="sng" algn="ctr">
+                      <a:solidFill>
+                        <a:schemeClr val="tx1"/>
+                      </a:solidFill>
+                      <a:prstDash val="solid"/>
+                      <a:round/>
+                      <a:headEnd type="none" w="med" len="med"/>
+                      <a:tailEnd type="none" w="med" len="med"/>
+                    </a:lnT>
+                    <a:lnB w="12700" cap="flat" cmpd="sng" algn="ctr">
+                      <a:solidFill>
+                        <a:schemeClr val="tx1"/>
+                      </a:solidFill>
+                      <a:prstDash val="solid"/>
+                      <a:round/>
+                      <a:headEnd type="none" w="med" len="med"/>
+                      <a:tailEnd type="none" w="med" len="med"/>
+                    </a:lnB>
+                    <a:noFill/>
+                  </a:tcPr>
+                </a:tc>
+                <a:tc>
+                  <a:txBody>
+                    <a:bodyPr/>
+                    <a:lstStyle/>
+                    <a:p>
+                      <a:pPr algn="ctr" latinLnBrk="1"/>
+                      <a:r>
+                        <a:rPr lang="en-US" altLang="ko-KR" sz="2000" b="0" dirty="0">
+                          <a:ln>
+                            <a:solidFill>
+                              <a:schemeClr val="accent1"/>
+                            </a:solidFill>
+                          </a:ln>
+                          <a:solidFill>
+                            <a:schemeClr val="tx1"/>
+                          </a:solidFill>
+                        </a:rPr>
+                        <a:t>13</a:t>
+                      </a:r>
+                      <a:endParaRPr lang="ko-KR" altLang="en-US" sz="2000" b="0" dirty="0">
+                        <a:ln>
+                          <a:solidFill>
+                            <a:schemeClr val="accent1"/>
+                          </a:solidFill>
+                        </a:ln>
+                        <a:solidFill>
+                          <a:schemeClr val="tx1"/>
+                        </a:solidFill>
+                      </a:endParaRPr>
+                    </a:p>
+                  </a:txBody>
+                  <a:tcPr anchor="ctr">
+                    <a:lnL w="12700" cap="flat" cmpd="sng" algn="ctr">
+                      <a:solidFill>
+                        <a:schemeClr val="tx1"/>
+                      </a:solidFill>
+                      <a:prstDash val="solid"/>
+                      <a:round/>
+                      <a:headEnd type="none" w="med" len="med"/>
+                      <a:tailEnd type="none" w="med" len="med"/>
+                    </a:lnL>
+                    <a:lnR w="12700" cap="flat" cmpd="sng" algn="ctr">
+                      <a:solidFill>
+                        <a:schemeClr val="tx1"/>
+                      </a:solidFill>
+                      <a:prstDash val="solid"/>
+                      <a:round/>
+                      <a:headEnd type="none" w="med" len="med"/>
+                      <a:tailEnd type="none" w="med" len="med"/>
+                    </a:lnR>
+                    <a:lnT w="12700" cap="flat" cmpd="sng" algn="ctr">
+                      <a:solidFill>
+                        <a:schemeClr val="tx1"/>
+                      </a:solidFill>
+                      <a:prstDash val="solid"/>
+                      <a:round/>
+                      <a:headEnd type="none" w="med" len="med"/>
+                      <a:tailEnd type="none" w="med" len="med"/>
+                    </a:lnT>
+                    <a:lnB w="12700" cap="flat" cmpd="sng" algn="ctr">
+                      <a:solidFill>
+                        <a:schemeClr val="tx1"/>
+                      </a:solidFill>
+                      <a:prstDash val="solid"/>
+                      <a:round/>
+                      <a:headEnd type="none" w="med" len="med"/>
+                      <a:tailEnd type="none" w="med" len="med"/>
+                    </a:lnB>
+                    <a:noFill/>
+                  </a:tcPr>
+                </a:tc>
+                <a:tc>
+                  <a:txBody>
+                    <a:bodyPr/>
+                    <a:lstStyle/>
+                    <a:p>
+                      <a:pPr algn="ctr" latinLnBrk="1"/>
+                      <a:r>
+                        <a:rPr lang="en-US" altLang="ko-KR" sz="2000" b="0" dirty="0">
+                          <a:ln>
+                            <a:solidFill>
+                              <a:schemeClr val="accent1"/>
+                            </a:solidFill>
+                          </a:ln>
+                          <a:solidFill>
+                            <a:schemeClr val="tx1"/>
+                          </a:solidFill>
+                        </a:rPr>
+                        <a:t>47</a:t>
+                      </a:r>
+                      <a:endParaRPr lang="ko-KR" altLang="en-US" sz="2000" b="0" dirty="0">
+                        <a:ln>
+                          <a:solidFill>
+                            <a:schemeClr val="accent1"/>
+                          </a:solidFill>
+                        </a:ln>
+                        <a:solidFill>
+                          <a:schemeClr val="tx1"/>
+                        </a:solidFill>
+                      </a:endParaRPr>
+                    </a:p>
+                  </a:txBody>
+                  <a:tcPr anchor="ctr">
+                    <a:lnL w="12700" cap="flat" cmpd="sng" algn="ctr">
+                      <a:solidFill>
+                        <a:schemeClr val="tx1"/>
+                      </a:solidFill>
+                      <a:prstDash val="solid"/>
+                      <a:round/>
+                      <a:headEnd type="none" w="med" len="med"/>
+                      <a:tailEnd type="none" w="med" len="med"/>
+                    </a:lnL>
+                    <a:lnR w="12700" cap="flat" cmpd="sng" algn="ctr">
+                      <a:solidFill>
+                        <a:schemeClr val="tx1"/>
+                      </a:solidFill>
+                      <a:prstDash val="solid"/>
+                      <a:round/>
+                      <a:headEnd type="none" w="med" len="med"/>
+                      <a:tailEnd type="none" w="med" len="med"/>
+                    </a:lnR>
+                    <a:lnT w="12700" cap="flat" cmpd="sng" algn="ctr">
+                      <a:solidFill>
+                        <a:schemeClr val="tx1"/>
+                      </a:solidFill>
+                      <a:prstDash val="solid"/>
+                      <a:round/>
+                      <a:headEnd type="none" w="med" len="med"/>
+                      <a:tailEnd type="none" w="med" len="med"/>
+                    </a:lnT>
+                    <a:lnB w="12700" cap="flat" cmpd="sng" algn="ctr">
+                      <a:solidFill>
+                        <a:schemeClr val="tx1"/>
+                      </a:solidFill>
+                      <a:prstDash val="solid"/>
+                      <a:round/>
+                      <a:headEnd type="none" w="med" len="med"/>
+                      <a:tailEnd type="none" w="med" len="med"/>
+                    </a:lnB>
+                    <a:noFill/>
+                  </a:tcPr>
+                </a:tc>
+                <a:extLst>
+                  <a:ext uri="{0D108BD9-81ED-4DB2-BD59-A6C34878D82A}">
+                    <a16:rowId xmlns:a16="http://schemas.microsoft.com/office/drawing/2014/main" val="862375088"/>
+                  </a:ext>
+                </a:extLst>
+              </a:tr>
+            </a:tbl>
+          </a:graphicData>
+        </a:graphic>
+      </p:graphicFrame>
+      <p:sp>
+        <p:nvSpPr>
+          <p:cNvPr id="6" name="직사각형 5">
+            <a:extLst>
+              <a:ext uri="{FF2B5EF4-FFF2-40B4-BE49-F238E27FC236}">
+                <a16:creationId xmlns:a16="http://schemas.microsoft.com/office/drawing/2014/main" id="{F1447D62-EBCF-463C-8E84-EF5E7E70702B}"/>
+              </a:ext>
+            </a:extLst>
+          </p:cNvPr>
+          <p:cNvSpPr/>
+          <p:nvPr/>
+        </p:nvSpPr>
+        <p:spPr>
+          <a:xfrm>
+            <a:off x="9383688" y="5549950"/>
+            <a:ext cx="2808312" cy="1308050"/>
+          </a:xfrm>
+          <a:prstGeom prst="rect">
+            <a:avLst/>
+          </a:prstGeom>
+          <a:solidFill>
+            <a:schemeClr val="bg1">
+              <a:lumMod val="95000"/>
+            </a:schemeClr>
+          </a:solidFill>
+          <a:ln>
+            <a:solidFill>
+              <a:schemeClr val="bg1">
+                <a:lumMod val="75000"/>
+              </a:schemeClr>
+            </a:solidFill>
+          </a:ln>
+        </p:spPr>
+        <p:txBody>
+          <a:bodyPr wrap="square">
+            <a:spAutoFit/>
+          </a:bodyPr>
+          <a:lstStyle/>
+          <a:p>
+            <a:pPr marL="72000" lvl="1">
+              <a:lnSpc>
+                <a:spcPct val="75000"/>
+              </a:lnSpc>
+              <a:spcBef>
+                <a:spcPts val="580"/>
+              </a:spcBef>
+              <a:buClr>
+                <a:srgbClr val="FF0000"/>
+              </a:buClr>
+              <a:buSzPct val="54166"/>
+              <a:tabLst>
+                <a:tab pos="793115" algn="l"/>
+                <a:tab pos="793750" algn="l"/>
+              </a:tabLst>
+            </a:pPr>
+            <a:r>
+              <a:rPr lang="en-US" altLang="ko-KR" sz="1200" spc="-5" dirty="0">
+                <a:latin typeface="Tahoma"/>
+                <a:cs typeface="Tahoma"/>
+              </a:rPr>
+              <a:t>int </a:t>
+            </a:r>
+            <a:r>
+              <a:rPr lang="en-US" altLang="ko-KR" sz="1200" spc="-5" dirty="0" err="1">
+                <a:latin typeface="Tahoma"/>
+                <a:cs typeface="Tahoma"/>
+              </a:rPr>
+              <a:t>hash_function</a:t>
+            </a:r>
+            <a:r>
+              <a:rPr lang="en-US" altLang="ko-KR" sz="1200" spc="-5" dirty="0">
+                <a:latin typeface="Tahoma"/>
+                <a:cs typeface="Tahoma"/>
+              </a:rPr>
+              <a:t>(int key) {</a:t>
+            </a:r>
+          </a:p>
+          <a:p>
+            <a:pPr marL="72000" lvl="1">
+              <a:lnSpc>
+                <a:spcPct val="75000"/>
+              </a:lnSpc>
+              <a:spcBef>
+                <a:spcPts val="580"/>
+              </a:spcBef>
+              <a:buClr>
+                <a:srgbClr val="FF0000"/>
+              </a:buClr>
+              <a:buSzPct val="54166"/>
+              <a:tabLst>
+                <a:tab pos="793115" algn="l"/>
+                <a:tab pos="793750" algn="l"/>
+              </a:tabLst>
+            </a:pPr>
+            <a:r>
+              <a:rPr lang="en-US" altLang="ko-KR" sz="1200" spc="-5" dirty="0">
+                <a:latin typeface="Tahoma"/>
+                <a:cs typeface="Tahoma"/>
+              </a:rPr>
+              <a:t>    int x = (key + 5) * (key + 5);</a:t>
+            </a:r>
+          </a:p>
+          <a:p>
+            <a:pPr marL="72000" lvl="1">
+              <a:lnSpc>
+                <a:spcPct val="75000"/>
+              </a:lnSpc>
+              <a:spcBef>
+                <a:spcPts val="580"/>
+              </a:spcBef>
+              <a:buClr>
+                <a:srgbClr val="FF0000"/>
+              </a:buClr>
+              <a:buSzPct val="54166"/>
+              <a:tabLst>
+                <a:tab pos="793115" algn="l"/>
+                <a:tab pos="793750" algn="l"/>
+              </a:tabLst>
+            </a:pPr>
+            <a:r>
+              <a:rPr lang="en-US" altLang="ko-KR" sz="1200" spc="-5" dirty="0">
+                <a:latin typeface="Tahoma"/>
+                <a:cs typeface="Tahoma"/>
+              </a:rPr>
+              <a:t>    x = x / 16;</a:t>
+            </a:r>
+          </a:p>
+          <a:p>
+            <a:pPr marL="72000" lvl="1">
+              <a:lnSpc>
+                <a:spcPct val="75000"/>
+              </a:lnSpc>
+              <a:spcBef>
+                <a:spcPts val="580"/>
+              </a:spcBef>
+              <a:buClr>
+                <a:srgbClr val="FF0000"/>
+              </a:buClr>
+              <a:buSzPct val="54166"/>
+              <a:tabLst>
+                <a:tab pos="793115" algn="l"/>
+                <a:tab pos="793750" algn="l"/>
+              </a:tabLst>
+            </a:pPr>
+            <a:r>
+              <a:rPr lang="en-US" altLang="ko-KR" sz="1200" spc="-5" dirty="0">
+                <a:latin typeface="Tahoma"/>
+                <a:cs typeface="Tahoma"/>
+              </a:rPr>
+              <a:t>    x = x + key;</a:t>
+            </a:r>
+          </a:p>
+          <a:p>
+            <a:pPr marL="72000" lvl="1">
+              <a:lnSpc>
+                <a:spcPct val="75000"/>
+              </a:lnSpc>
+              <a:spcBef>
+                <a:spcPts val="580"/>
+              </a:spcBef>
+              <a:buClr>
+                <a:srgbClr val="FF0000"/>
+              </a:buClr>
+              <a:buSzPct val="54166"/>
+              <a:tabLst>
+                <a:tab pos="793115" algn="l"/>
+                <a:tab pos="793750" algn="l"/>
+              </a:tabLst>
+            </a:pPr>
+            <a:r>
+              <a:rPr lang="en-US" altLang="ko-KR" sz="1200" spc="-5" dirty="0">
+                <a:latin typeface="Tahoma"/>
+                <a:cs typeface="Tahoma"/>
+              </a:rPr>
+              <a:t>    return x % </a:t>
+            </a:r>
+            <a:r>
+              <a:rPr lang="en-US" altLang="ko-KR" sz="1200" spc="-5" dirty="0" err="1">
+                <a:latin typeface="Tahoma"/>
+                <a:cs typeface="Tahoma"/>
+              </a:rPr>
+              <a:t>TableSize</a:t>
+            </a:r>
+            <a:r>
+              <a:rPr lang="en-US" altLang="ko-KR" sz="1200" spc="-5" dirty="0">
+                <a:latin typeface="Tahoma"/>
+                <a:cs typeface="Tahoma"/>
+              </a:rPr>
+              <a:t>;</a:t>
+            </a:r>
+          </a:p>
+          <a:p>
+            <a:pPr marL="72000" lvl="1">
+              <a:lnSpc>
+                <a:spcPct val="75000"/>
+              </a:lnSpc>
+              <a:spcBef>
+                <a:spcPts val="580"/>
+              </a:spcBef>
+              <a:buClr>
+                <a:srgbClr val="FF0000"/>
+              </a:buClr>
+              <a:buSzPct val="54166"/>
+              <a:tabLst>
+                <a:tab pos="793115" algn="l"/>
+                <a:tab pos="793750" algn="l"/>
+              </a:tabLst>
+            </a:pPr>
+            <a:r>
+              <a:rPr lang="en-US" altLang="ko-KR" sz="1200" spc="-5" dirty="0">
+                <a:latin typeface="Tahoma"/>
+                <a:cs typeface="Tahoma"/>
+              </a:rPr>
+              <a:t>}</a:t>
+            </a:r>
+            <a:endParaRPr lang="en-US" altLang="ko-KR" sz="1200" dirty="0">
+              <a:latin typeface="Tahoma"/>
+              <a:cs typeface="Tahoma"/>
+            </a:endParaRPr>
+          </a:p>
+        </p:txBody>
+      </p:sp>
+      <p:graphicFrame>
+        <p:nvGraphicFramePr>
+          <p:cNvPr id="7" name="표 6">
+            <a:extLst>
+              <a:ext uri="{FF2B5EF4-FFF2-40B4-BE49-F238E27FC236}">
+                <a16:creationId xmlns:a16="http://schemas.microsoft.com/office/drawing/2014/main" id="{9A4843B9-E013-4183-861F-62A5B16423B8}"/>
+              </a:ext>
+            </a:extLst>
+          </p:cNvPr>
+          <p:cNvGraphicFramePr>
+            <a:graphicFrameLocks noGrp="1"/>
+          </p:cNvGraphicFramePr>
+          <p:nvPr>
+            <p:extLst>
+              <p:ext uri="{D42A27DB-BD31-4B8C-83A1-F6EECF244321}">
+                <p14:modId xmlns:p14="http://schemas.microsoft.com/office/powerpoint/2010/main" val="2023488030"/>
+              </p:ext>
+            </p:extLst>
+          </p:nvPr>
+        </p:nvGraphicFramePr>
+        <p:xfrm>
+          <a:off x="6212747" y="2276872"/>
+          <a:ext cx="5359046" cy="670560"/>
+        </p:xfrm>
+        <a:graphic>
+          <a:graphicData uri="http://schemas.openxmlformats.org/drawingml/2006/table">
+            <a:tbl>
+              <a:tblPr firstRow="1" bandRow="1">
+                <a:tableStyleId>{5C22544A-7EE6-4342-B048-85BDC9FD1C3A}</a:tableStyleId>
+              </a:tblPr>
+              <a:tblGrid>
+                <a:gridCol w="487186">
+                  <a:extLst>
+                    <a:ext uri="{9D8B030D-6E8A-4147-A177-3AD203B41FA5}">
+                      <a16:colId xmlns:a16="http://schemas.microsoft.com/office/drawing/2014/main" val="2141639596"/>
+                    </a:ext>
+                  </a:extLst>
+                </a:gridCol>
+                <a:gridCol w="487186">
+                  <a:extLst>
+                    <a:ext uri="{9D8B030D-6E8A-4147-A177-3AD203B41FA5}">
+                      <a16:colId xmlns:a16="http://schemas.microsoft.com/office/drawing/2014/main" val="36916836"/>
+                    </a:ext>
+                  </a:extLst>
+                </a:gridCol>
+                <a:gridCol w="487186">
+                  <a:extLst>
+                    <a:ext uri="{9D8B030D-6E8A-4147-A177-3AD203B41FA5}">
+                      <a16:colId xmlns:a16="http://schemas.microsoft.com/office/drawing/2014/main" val="526059156"/>
+                    </a:ext>
+                  </a:extLst>
+                </a:gridCol>
+                <a:gridCol w="487186">
+                  <a:extLst>
+                    <a:ext uri="{9D8B030D-6E8A-4147-A177-3AD203B41FA5}">
+                      <a16:colId xmlns:a16="http://schemas.microsoft.com/office/drawing/2014/main" val="2893800122"/>
+                    </a:ext>
+                  </a:extLst>
+                </a:gridCol>
+                <a:gridCol w="487186">
+                  <a:extLst>
+                    <a:ext uri="{9D8B030D-6E8A-4147-A177-3AD203B41FA5}">
+                      <a16:colId xmlns:a16="http://schemas.microsoft.com/office/drawing/2014/main" val="3315258024"/>
+                    </a:ext>
+                  </a:extLst>
+                </a:gridCol>
+                <a:gridCol w="487186">
+                  <a:extLst>
+                    <a:ext uri="{9D8B030D-6E8A-4147-A177-3AD203B41FA5}">
+                      <a16:colId xmlns:a16="http://schemas.microsoft.com/office/drawing/2014/main" val="3229886335"/>
+                    </a:ext>
+                  </a:extLst>
+                </a:gridCol>
+                <a:gridCol w="487186">
+                  <a:extLst>
+                    <a:ext uri="{9D8B030D-6E8A-4147-A177-3AD203B41FA5}">
+                      <a16:colId xmlns:a16="http://schemas.microsoft.com/office/drawing/2014/main" val="1644060029"/>
+                    </a:ext>
+                  </a:extLst>
+                </a:gridCol>
+                <a:gridCol w="487186">
+                  <a:extLst>
+                    <a:ext uri="{9D8B030D-6E8A-4147-A177-3AD203B41FA5}">
+                      <a16:colId xmlns:a16="http://schemas.microsoft.com/office/drawing/2014/main" val="376802025"/>
+                    </a:ext>
+                  </a:extLst>
+                </a:gridCol>
+                <a:gridCol w="487186">
+                  <a:extLst>
+                    <a:ext uri="{9D8B030D-6E8A-4147-A177-3AD203B41FA5}">
+                      <a16:colId xmlns:a16="http://schemas.microsoft.com/office/drawing/2014/main" val="2978315518"/>
+                    </a:ext>
+                  </a:extLst>
+                </a:gridCol>
+                <a:gridCol w="487186">
+                  <a:extLst>
+                    <a:ext uri="{9D8B030D-6E8A-4147-A177-3AD203B41FA5}">
+                      <a16:colId xmlns:a16="http://schemas.microsoft.com/office/drawing/2014/main" val="1188648752"/>
+                    </a:ext>
+                  </a:extLst>
+                </a:gridCol>
+                <a:gridCol w="487186">
+                  <a:extLst>
+                    <a:ext uri="{9D8B030D-6E8A-4147-A177-3AD203B41FA5}">
+                      <a16:colId xmlns:a16="http://schemas.microsoft.com/office/drawing/2014/main" val="1249467587"/>
+                    </a:ext>
+                  </a:extLst>
+                </a:gridCol>
+              </a:tblGrid>
+              <a:tr h="255533">
+                <a:tc>
+                  <a:txBody>
+                    <a:bodyPr/>
+                    <a:lstStyle/>
+                    <a:p>
+                      <a:pPr algn="ctr" latinLnBrk="1"/>
+                      <a:r>
+                        <a:rPr lang="en-US" altLang="ko-KR" sz="1200" b="0" dirty="0">
+                          <a:solidFill>
+                            <a:schemeClr val="tx1"/>
+                          </a:solidFill>
+                        </a:rPr>
+                        <a:t>0</a:t>
+                      </a:r>
+                      <a:endParaRPr lang="ko-KR" altLang="en-US" sz="1200" b="0" dirty="0">
+                        <a:solidFill>
+                          <a:schemeClr val="tx1"/>
+                        </a:solidFill>
+                      </a:endParaRPr>
+                    </a:p>
+                  </a:txBody>
+                  <a:tcPr>
+                    <a:lnB w="12700" cap="flat" cmpd="sng" algn="ctr">
+                      <a:solidFill>
+                        <a:schemeClr val="tx1"/>
+                      </a:solidFill>
+                      <a:prstDash val="solid"/>
+                      <a:round/>
+                      <a:headEnd type="none" w="med" len="med"/>
+                      <a:tailEnd type="none" w="med" len="med"/>
+                    </a:lnB>
+                    <a:noFill/>
+                  </a:tcPr>
+                </a:tc>
+                <a:tc>
+                  <a:txBody>
+                    <a:bodyPr/>
+                    <a:lstStyle/>
+                    <a:p>
+                      <a:pPr algn="ctr" latinLnBrk="1"/>
+                      <a:r>
+                        <a:rPr lang="en-US" altLang="ko-KR" sz="1200" b="0" dirty="0">
+                          <a:solidFill>
+                            <a:schemeClr val="tx1"/>
+                          </a:solidFill>
+                        </a:rPr>
+                        <a:t>1</a:t>
+                      </a:r>
+                      <a:endParaRPr lang="ko-KR" altLang="en-US" sz="1200" b="0" dirty="0">
+                        <a:solidFill>
+                          <a:schemeClr val="tx1"/>
+                        </a:solidFill>
+                      </a:endParaRPr>
+                    </a:p>
+                  </a:txBody>
+                  <a:tcPr>
+                    <a:lnB w="12700" cap="flat" cmpd="sng" algn="ctr">
+                      <a:solidFill>
+                        <a:schemeClr val="tx1"/>
+                      </a:solidFill>
+                      <a:prstDash val="solid"/>
+                      <a:round/>
+                      <a:headEnd type="none" w="med" len="med"/>
+                      <a:tailEnd type="none" w="med" len="med"/>
+                    </a:lnB>
+                    <a:noFill/>
+                  </a:tcPr>
+                </a:tc>
+                <a:tc>
+                  <a:txBody>
+                    <a:bodyPr/>
+                    <a:lstStyle/>
+                    <a:p>
+                      <a:pPr algn="ctr" latinLnBrk="1"/>
+                      <a:r>
+                        <a:rPr lang="en-US" altLang="ko-KR" sz="1200" b="0" dirty="0">
+                          <a:solidFill>
+                            <a:schemeClr val="tx1"/>
+                          </a:solidFill>
+                        </a:rPr>
+                        <a:t>2</a:t>
+                      </a:r>
+                      <a:endParaRPr lang="ko-KR" altLang="en-US" sz="1200" b="0" dirty="0">
+                        <a:solidFill>
+                          <a:schemeClr val="tx1"/>
+                        </a:solidFill>
+                      </a:endParaRPr>
+                    </a:p>
+                  </a:txBody>
+                  <a:tcPr>
+                    <a:lnB w="12700" cap="flat" cmpd="sng" algn="ctr">
+                      <a:solidFill>
+                        <a:schemeClr val="tx1"/>
+                      </a:solidFill>
+                      <a:prstDash val="solid"/>
+                      <a:round/>
+                      <a:headEnd type="none" w="med" len="med"/>
+                      <a:tailEnd type="none" w="med" len="med"/>
+                    </a:lnB>
+                    <a:noFill/>
+                  </a:tcPr>
+                </a:tc>
+                <a:tc>
+                  <a:txBody>
+                    <a:bodyPr/>
+                    <a:lstStyle/>
+                    <a:p>
+                      <a:pPr algn="ctr" latinLnBrk="1"/>
+                      <a:r>
+                        <a:rPr lang="en-US" altLang="ko-KR" sz="1200" b="0" dirty="0">
+                          <a:solidFill>
+                            <a:schemeClr val="tx1"/>
+                          </a:solidFill>
+                        </a:rPr>
+                        <a:t>3</a:t>
+                      </a:r>
+                      <a:endParaRPr lang="ko-KR" altLang="en-US" sz="1200" b="0" dirty="0">
+                        <a:solidFill>
+                          <a:schemeClr val="tx1"/>
+                        </a:solidFill>
+                      </a:endParaRPr>
+                    </a:p>
+                  </a:txBody>
+                  <a:tcPr>
+                    <a:lnB w="12700" cap="flat" cmpd="sng" algn="ctr">
+                      <a:solidFill>
+                        <a:schemeClr val="tx1"/>
+                      </a:solidFill>
+                      <a:prstDash val="solid"/>
+                      <a:round/>
+                      <a:headEnd type="none" w="med" len="med"/>
+                      <a:tailEnd type="none" w="med" len="med"/>
+                    </a:lnB>
+                    <a:noFill/>
+                  </a:tcPr>
+                </a:tc>
+                <a:tc>
+                  <a:txBody>
+                    <a:bodyPr/>
+                    <a:lstStyle/>
+                    <a:p>
+                      <a:pPr algn="ctr" latinLnBrk="1"/>
+                      <a:r>
+                        <a:rPr lang="en-US" altLang="ko-KR" sz="1200" b="0" dirty="0">
+                          <a:solidFill>
+                            <a:schemeClr val="tx1"/>
+                          </a:solidFill>
+                        </a:rPr>
+                        <a:t>4</a:t>
+                      </a:r>
+                      <a:endParaRPr lang="ko-KR" altLang="en-US" sz="1200" b="0" dirty="0">
+                        <a:solidFill>
+                          <a:schemeClr val="tx1"/>
+                        </a:solidFill>
+                      </a:endParaRPr>
+                    </a:p>
+                  </a:txBody>
+                  <a:tcPr>
+                    <a:lnB w="12700" cap="flat" cmpd="sng" algn="ctr">
+                      <a:solidFill>
+                        <a:schemeClr val="tx1"/>
+                      </a:solidFill>
+                      <a:prstDash val="solid"/>
+                      <a:round/>
+                      <a:headEnd type="none" w="med" len="med"/>
+                      <a:tailEnd type="none" w="med" len="med"/>
+                    </a:lnB>
+                    <a:noFill/>
+                  </a:tcPr>
+                </a:tc>
+                <a:tc>
+                  <a:txBody>
+                    <a:bodyPr/>
+                    <a:lstStyle/>
+                    <a:p>
+                      <a:pPr algn="ctr" latinLnBrk="1"/>
+                      <a:r>
+                        <a:rPr lang="en-US" altLang="ko-KR" sz="1200" b="0" dirty="0">
+                          <a:solidFill>
+                            <a:schemeClr val="tx1"/>
+                          </a:solidFill>
+                        </a:rPr>
+                        <a:t>5</a:t>
+                      </a:r>
+                      <a:endParaRPr lang="ko-KR" altLang="en-US" sz="1200" b="0" dirty="0">
+                        <a:solidFill>
+                          <a:schemeClr val="tx1"/>
+                        </a:solidFill>
+                      </a:endParaRPr>
+                    </a:p>
+                  </a:txBody>
+                  <a:tcPr>
+                    <a:lnB w="12700" cap="flat" cmpd="sng" algn="ctr">
+                      <a:solidFill>
+                        <a:schemeClr val="tx1"/>
+                      </a:solidFill>
+                      <a:prstDash val="solid"/>
+                      <a:round/>
+                      <a:headEnd type="none" w="med" len="med"/>
+                      <a:tailEnd type="none" w="med" len="med"/>
+                    </a:lnB>
+                    <a:noFill/>
+                  </a:tcPr>
+                </a:tc>
+                <a:tc>
+                  <a:txBody>
+                    <a:bodyPr/>
+                    <a:lstStyle/>
+                    <a:p>
+                      <a:pPr algn="ctr" latinLnBrk="1"/>
+                      <a:r>
+                        <a:rPr lang="en-US" altLang="ko-KR" sz="1200" b="0" dirty="0">
+                          <a:solidFill>
+                            <a:schemeClr val="tx1"/>
+                          </a:solidFill>
+                        </a:rPr>
+                        <a:t>6</a:t>
+                      </a:r>
+                      <a:endParaRPr lang="ko-KR" altLang="en-US" sz="1200" b="0" dirty="0">
+                        <a:solidFill>
+                          <a:schemeClr val="tx1"/>
+                        </a:solidFill>
+                      </a:endParaRPr>
+                    </a:p>
+                  </a:txBody>
+                  <a:tcPr>
+                    <a:lnB w="12700" cap="flat" cmpd="sng" algn="ctr">
+                      <a:solidFill>
+                        <a:schemeClr val="tx1"/>
+                      </a:solidFill>
+                      <a:prstDash val="solid"/>
+                      <a:round/>
+                      <a:headEnd type="none" w="med" len="med"/>
+                      <a:tailEnd type="none" w="med" len="med"/>
+                    </a:lnB>
+                    <a:noFill/>
+                  </a:tcPr>
+                </a:tc>
+                <a:tc>
+                  <a:txBody>
+                    <a:bodyPr/>
+                    <a:lstStyle/>
+                    <a:p>
+                      <a:pPr algn="ctr" latinLnBrk="1"/>
+                      <a:r>
+                        <a:rPr lang="en-US" altLang="ko-KR" sz="1200" b="0" dirty="0">
+                          <a:solidFill>
+                            <a:schemeClr val="tx1"/>
+                          </a:solidFill>
+                        </a:rPr>
+                        <a:t>7</a:t>
+                      </a:r>
+                      <a:endParaRPr lang="ko-KR" altLang="en-US" sz="1200" b="0" dirty="0">
+                        <a:solidFill>
+                          <a:schemeClr val="tx1"/>
+                        </a:solidFill>
+                      </a:endParaRPr>
+                    </a:p>
+                  </a:txBody>
+                  <a:tcPr>
+                    <a:lnB w="12700" cap="flat" cmpd="sng" algn="ctr">
+                      <a:solidFill>
+                        <a:schemeClr val="tx1"/>
+                      </a:solidFill>
+                      <a:prstDash val="solid"/>
+                      <a:round/>
+                      <a:headEnd type="none" w="med" len="med"/>
+                      <a:tailEnd type="none" w="med" len="med"/>
+                    </a:lnB>
+                    <a:noFill/>
+                  </a:tcPr>
+                </a:tc>
+                <a:tc>
+                  <a:txBody>
+                    <a:bodyPr/>
+                    <a:lstStyle/>
+                    <a:p>
+                      <a:pPr algn="ctr" latinLnBrk="1"/>
+                      <a:r>
+                        <a:rPr lang="en-US" altLang="ko-KR" sz="1200" b="0" dirty="0">
+                          <a:solidFill>
+                            <a:schemeClr val="tx1"/>
+                          </a:solidFill>
+                        </a:rPr>
+                        <a:t>8</a:t>
+                      </a:r>
+                      <a:endParaRPr lang="ko-KR" altLang="en-US" sz="1200" b="0" dirty="0">
+                        <a:solidFill>
+                          <a:schemeClr val="tx1"/>
+                        </a:solidFill>
+                      </a:endParaRPr>
+                    </a:p>
+                  </a:txBody>
+                  <a:tcPr>
+                    <a:lnB w="12700" cap="flat" cmpd="sng" algn="ctr">
+                      <a:solidFill>
+                        <a:schemeClr val="tx1"/>
+                      </a:solidFill>
+                      <a:prstDash val="solid"/>
+                      <a:round/>
+                      <a:headEnd type="none" w="med" len="med"/>
+                      <a:tailEnd type="none" w="med" len="med"/>
+                    </a:lnB>
+                    <a:noFill/>
+                  </a:tcPr>
+                </a:tc>
+                <a:tc>
+                  <a:txBody>
+                    <a:bodyPr/>
+                    <a:lstStyle/>
+                    <a:p>
+                      <a:pPr algn="ctr" latinLnBrk="1"/>
+                      <a:r>
+                        <a:rPr lang="en-US" altLang="ko-KR" sz="1200" b="0" dirty="0">
+                          <a:solidFill>
+                            <a:schemeClr val="tx1"/>
+                          </a:solidFill>
+                        </a:rPr>
+                        <a:t>9</a:t>
+                      </a:r>
+                      <a:endParaRPr lang="ko-KR" altLang="en-US" sz="1200" b="0" dirty="0">
+                        <a:solidFill>
+                          <a:schemeClr val="tx1"/>
+                        </a:solidFill>
+                      </a:endParaRPr>
+                    </a:p>
+                  </a:txBody>
+                  <a:tcPr>
+                    <a:lnB w="12700" cap="flat" cmpd="sng" algn="ctr">
+                      <a:solidFill>
+                        <a:schemeClr val="tx1"/>
+                      </a:solidFill>
+                      <a:prstDash val="solid"/>
+                      <a:round/>
+                      <a:headEnd type="none" w="med" len="med"/>
+                      <a:tailEnd type="none" w="med" len="med"/>
+                    </a:lnB>
+                    <a:noFill/>
+                  </a:tcPr>
+                </a:tc>
+                <a:tc>
+                  <a:txBody>
+                    <a:bodyPr/>
+                    <a:lstStyle/>
+                    <a:p>
+                      <a:pPr algn="ctr" latinLnBrk="1"/>
+                      <a:r>
+                        <a:rPr lang="en-US" altLang="ko-KR" sz="1200" b="0" dirty="0">
+                          <a:solidFill>
+                            <a:schemeClr val="tx1"/>
+                          </a:solidFill>
+                        </a:rPr>
+                        <a:t>10</a:t>
+                      </a:r>
+                      <a:endParaRPr lang="ko-KR" altLang="en-US" sz="1200" b="0" dirty="0">
+                        <a:solidFill>
+                          <a:schemeClr val="tx1"/>
+                        </a:solidFill>
+                      </a:endParaRPr>
+                    </a:p>
+                  </a:txBody>
+                  <a:tcPr>
+                    <a:lnB w="12700" cap="flat" cmpd="sng" algn="ctr">
+                      <a:solidFill>
+                        <a:schemeClr val="tx1"/>
+                      </a:solidFill>
+                      <a:prstDash val="solid"/>
+                      <a:round/>
+                      <a:headEnd type="none" w="med" len="med"/>
+                      <a:tailEnd type="none" w="med" len="med"/>
+                    </a:lnB>
+                    <a:noFill/>
+                  </a:tcPr>
+                </a:tc>
+                <a:extLst>
+                  <a:ext uri="{0D108BD9-81ED-4DB2-BD59-A6C34878D82A}">
+                    <a16:rowId xmlns:a16="http://schemas.microsoft.com/office/drawing/2014/main" val="2281094793"/>
+                  </a:ext>
+                </a:extLst>
+              </a:tr>
+              <a:tr h="255533">
+                <a:tc>
+                  <a:txBody>
+                    <a:bodyPr/>
+                    <a:lstStyle/>
+                    <a:p>
+                      <a:pPr algn="ctr" latinLnBrk="1"/>
+                      <a:r>
+                        <a:rPr lang="en-US" altLang="ko-KR" sz="2000" b="0" dirty="0">
+                          <a:ln>
+                            <a:solidFill>
+                              <a:schemeClr val="accent1"/>
+                            </a:solidFill>
+                          </a:ln>
+                          <a:solidFill>
+                            <a:schemeClr val="tx1"/>
+                          </a:solidFill>
+                        </a:rPr>
+                        <a:t>13</a:t>
+                      </a:r>
                       <a:endParaRPr lang="ko-KR" altLang="en-US" sz="2000" b="0" dirty="0">
                         <a:ln>
                           <a:solidFill>
@@ -18771,6 +21701,90 @@
                     <a:lstStyle/>
                     <a:p>
                       <a:pPr algn="ctr" latinLnBrk="1"/>
+                      <a:r>
+                        <a:rPr lang="en-US" altLang="ko-KR" sz="2000" b="0" dirty="0">
+                          <a:ln>
+                            <a:solidFill>
+                              <a:schemeClr val="accent1"/>
+                            </a:solidFill>
+                          </a:ln>
+                          <a:solidFill>
+                            <a:schemeClr val="tx1"/>
+                          </a:solidFill>
+                        </a:rPr>
+                        <a:t>56</a:t>
+                      </a:r>
+                      <a:endParaRPr lang="ko-KR" altLang="en-US" sz="2000" b="0" dirty="0">
+                        <a:ln>
+                          <a:solidFill>
+                            <a:schemeClr val="accent1"/>
+                          </a:solidFill>
+                        </a:ln>
+                        <a:solidFill>
+                          <a:schemeClr val="tx1"/>
+                        </a:solidFill>
+                      </a:endParaRPr>
+                    </a:p>
+                  </a:txBody>
+                  <a:tcPr anchor="ctr">
+                    <a:lnL w="12700" cap="flat" cmpd="sng" algn="ctr">
+                      <a:solidFill>
+                        <a:schemeClr val="tx1"/>
+                      </a:solidFill>
+                      <a:prstDash val="solid"/>
+                      <a:round/>
+                      <a:headEnd type="none" w="med" len="med"/>
+                      <a:tailEnd type="none" w="med" len="med"/>
+                    </a:lnL>
+                    <a:lnR w="12700" cap="flat" cmpd="sng" algn="ctr">
+                      <a:solidFill>
+                        <a:schemeClr val="tx1"/>
+                      </a:solidFill>
+                      <a:prstDash val="solid"/>
+                      <a:round/>
+                      <a:headEnd type="none" w="med" len="med"/>
+                      <a:tailEnd type="none" w="med" len="med"/>
+                    </a:lnR>
+                    <a:lnT w="12700" cap="flat" cmpd="sng" algn="ctr">
+                      <a:solidFill>
+                        <a:schemeClr val="tx1"/>
+                      </a:solidFill>
+                      <a:prstDash val="solid"/>
+                      <a:round/>
+                      <a:headEnd type="none" w="med" len="med"/>
+                      <a:tailEnd type="none" w="med" len="med"/>
+                    </a:lnT>
+                    <a:lnB w="12700" cap="flat" cmpd="sng" algn="ctr">
+                      <a:solidFill>
+                        <a:schemeClr val="tx1"/>
+                      </a:solidFill>
+                      <a:prstDash val="solid"/>
+                      <a:round/>
+                      <a:headEnd type="none" w="med" len="med"/>
+                      <a:tailEnd type="none" w="med" len="med"/>
+                    </a:lnB>
+                    <a:noFill/>
+                  </a:tcPr>
+                </a:tc>
+                <a:tc>
+                  <a:txBody>
+                    <a:bodyPr/>
+                    <a:lstStyle/>
+                    <a:p>
+                      <a:pPr algn="ctr" latinLnBrk="1"/>
+                      <a:r>
+                        <a:rPr lang="en-US" altLang="ko-KR" sz="2000" b="0" dirty="0">
+                          <a:ln>
+                            <a:solidFill>
+                              <a:schemeClr val="accent1"/>
+                            </a:solidFill>
+                          </a:ln>
+                          <a:solidFill>
+                            <a:schemeClr val="tx1"/>
+                          </a:solidFill>
+                        </a:rPr>
+                        <a:t>70</a:t>
+                      </a:r>
                       <a:endParaRPr lang="ko-KR" altLang="en-US" sz="2000" b="0" dirty="0">
                         <a:ln>
                           <a:solidFill>
@@ -18887,6 +21901,277 @@
                     <a:lstStyle/>
                     <a:p>
                       <a:pPr algn="ctr" latinLnBrk="1"/>
+                      <a:endParaRPr lang="ko-KR" altLang="en-US" sz="2000" b="0" dirty="0">
+                        <a:ln>
+                          <a:solidFill>
+                            <a:schemeClr val="accent1"/>
+                          </a:solidFill>
+                        </a:ln>
+                        <a:solidFill>
+                          <a:schemeClr val="tx1"/>
+                        </a:solidFill>
+                      </a:endParaRPr>
+                    </a:p>
+                  </a:txBody>
+                  <a:tcPr anchor="ctr">
+                    <a:lnL w="12700" cap="flat" cmpd="sng" algn="ctr">
+                      <a:solidFill>
+                        <a:schemeClr val="tx1"/>
+                      </a:solidFill>
+                      <a:prstDash val="solid"/>
+                      <a:round/>
+                      <a:headEnd type="none" w="med" len="med"/>
+                      <a:tailEnd type="none" w="med" len="med"/>
+                    </a:lnL>
+                    <a:lnR w="12700" cap="flat" cmpd="sng" algn="ctr">
+                      <a:solidFill>
+                        <a:schemeClr val="tx1"/>
+                      </a:solidFill>
+                      <a:prstDash val="solid"/>
+                      <a:round/>
+                      <a:headEnd type="none" w="med" len="med"/>
+                      <a:tailEnd type="none" w="med" len="med"/>
+                    </a:lnR>
+                    <a:lnT w="12700" cap="flat" cmpd="sng" algn="ctr">
+                      <a:solidFill>
+                        <a:schemeClr val="tx1"/>
+                      </a:solidFill>
+                      <a:prstDash val="solid"/>
+                      <a:round/>
+                      <a:headEnd type="none" w="med" len="med"/>
+                      <a:tailEnd type="none" w="med" len="med"/>
+                    </a:lnT>
+                    <a:lnB w="12700" cap="flat" cmpd="sng" algn="ctr">
+                      <a:solidFill>
+                        <a:schemeClr val="tx1"/>
+                      </a:solidFill>
+                      <a:prstDash val="solid"/>
+                      <a:round/>
+                      <a:headEnd type="none" w="med" len="med"/>
+                      <a:tailEnd type="none" w="med" len="med"/>
+                    </a:lnB>
+                    <a:noFill/>
+                  </a:tcPr>
+                </a:tc>
+                <a:tc>
+                  <a:txBody>
+                    <a:bodyPr/>
+                    <a:lstStyle/>
+                    <a:p>
+                      <a:pPr algn="ctr" latinLnBrk="1"/>
+                      <a:endParaRPr lang="ko-KR" altLang="en-US" sz="2000" b="0" dirty="0">
+                        <a:ln>
+                          <a:solidFill>
+                            <a:schemeClr val="accent1"/>
+                          </a:solidFill>
+                        </a:ln>
+                        <a:solidFill>
+                          <a:schemeClr val="tx1"/>
+                        </a:solidFill>
+                      </a:endParaRPr>
+                    </a:p>
+                  </a:txBody>
+                  <a:tcPr anchor="ctr">
+                    <a:lnL w="12700" cap="flat" cmpd="sng" algn="ctr">
+                      <a:solidFill>
+                        <a:schemeClr val="tx1"/>
+                      </a:solidFill>
+                      <a:prstDash val="solid"/>
+                      <a:round/>
+                      <a:headEnd type="none" w="med" len="med"/>
+                      <a:tailEnd type="none" w="med" len="med"/>
+                    </a:lnL>
+                    <a:lnR w="12700" cap="flat" cmpd="sng" algn="ctr">
+                      <a:solidFill>
+                        <a:schemeClr val="tx1"/>
+                      </a:solidFill>
+                      <a:prstDash val="solid"/>
+                      <a:round/>
+                      <a:headEnd type="none" w="med" len="med"/>
+                      <a:tailEnd type="none" w="med" len="med"/>
+                    </a:lnR>
+                    <a:lnT w="12700" cap="flat" cmpd="sng" algn="ctr">
+                      <a:solidFill>
+                        <a:schemeClr val="tx1"/>
+                      </a:solidFill>
+                      <a:prstDash val="solid"/>
+                      <a:round/>
+                      <a:headEnd type="none" w="med" len="med"/>
+                      <a:tailEnd type="none" w="med" len="med"/>
+                    </a:lnT>
+                    <a:lnB w="12700" cap="flat" cmpd="sng" algn="ctr">
+                      <a:solidFill>
+                        <a:schemeClr val="tx1"/>
+                      </a:solidFill>
+                      <a:prstDash val="solid"/>
+                      <a:round/>
+                      <a:headEnd type="none" w="med" len="med"/>
+                      <a:tailEnd type="none" w="med" len="med"/>
+                    </a:lnB>
+                    <a:noFill/>
+                  </a:tcPr>
+                </a:tc>
+                <a:tc>
+                  <a:txBody>
+                    <a:bodyPr/>
+                    <a:lstStyle/>
+                    <a:p>
+                      <a:pPr algn="ctr" latinLnBrk="1"/>
+                      <a:r>
+                        <a:rPr lang="en-US" altLang="ko-KR" sz="2000" b="0" dirty="0">
+                          <a:ln>
+                            <a:solidFill>
+                              <a:schemeClr val="accent1"/>
+                            </a:solidFill>
+                          </a:ln>
+                          <a:solidFill>
+                            <a:schemeClr val="tx1"/>
+                          </a:solidFill>
+                        </a:rPr>
+                        <a:t>47</a:t>
+                      </a:r>
+                      <a:endParaRPr lang="ko-KR" altLang="en-US" sz="2000" b="0" dirty="0">
+                        <a:ln>
+                          <a:solidFill>
+                            <a:schemeClr val="accent1"/>
+                          </a:solidFill>
+                        </a:ln>
+                        <a:solidFill>
+                          <a:schemeClr val="tx1"/>
+                        </a:solidFill>
+                      </a:endParaRPr>
+                    </a:p>
+                  </a:txBody>
+                  <a:tcPr anchor="ctr">
+                    <a:lnL w="12700" cap="flat" cmpd="sng" algn="ctr">
+                      <a:solidFill>
+                        <a:schemeClr val="tx1"/>
+                      </a:solidFill>
+                      <a:prstDash val="solid"/>
+                      <a:round/>
+                      <a:headEnd type="none" w="med" len="med"/>
+                      <a:tailEnd type="none" w="med" len="med"/>
+                    </a:lnL>
+                    <a:lnR w="12700" cap="flat" cmpd="sng" algn="ctr">
+                      <a:solidFill>
+                        <a:schemeClr val="tx1"/>
+                      </a:solidFill>
+                      <a:prstDash val="solid"/>
+                      <a:round/>
+                      <a:headEnd type="none" w="med" len="med"/>
+                      <a:tailEnd type="none" w="med" len="med"/>
+                    </a:lnR>
+                    <a:lnT w="12700" cap="flat" cmpd="sng" algn="ctr">
+                      <a:solidFill>
+                        <a:schemeClr val="tx1"/>
+                      </a:solidFill>
+                      <a:prstDash val="solid"/>
+                      <a:round/>
+                      <a:headEnd type="none" w="med" len="med"/>
+                      <a:tailEnd type="none" w="med" len="med"/>
+                    </a:lnT>
+                    <a:lnB w="12700" cap="flat" cmpd="sng" algn="ctr">
+                      <a:solidFill>
+                        <a:schemeClr val="tx1"/>
+                      </a:solidFill>
+                      <a:prstDash val="solid"/>
+                      <a:round/>
+                      <a:headEnd type="none" w="med" len="med"/>
+                      <a:tailEnd type="none" w="med" len="med"/>
+                    </a:lnB>
+                    <a:noFill/>
+                  </a:tcPr>
+                </a:tc>
+                <a:tc>
+                  <a:txBody>
+                    <a:bodyPr/>
+                    <a:lstStyle/>
+                    <a:p>
+                      <a:pPr algn="ctr" latinLnBrk="1"/>
+                      <a:r>
+                        <a:rPr lang="en-US" altLang="ko-KR" sz="2000" b="0" dirty="0">
+                          <a:ln>
+                            <a:solidFill>
+                              <a:schemeClr val="accent1"/>
+                            </a:solidFill>
+                          </a:ln>
+                          <a:solidFill>
+                            <a:schemeClr val="tx1"/>
+                          </a:solidFill>
+                        </a:rPr>
+                        <a:t>30</a:t>
+                      </a:r>
+                      <a:endParaRPr lang="ko-KR" altLang="en-US" sz="2000" b="0" dirty="0">
+                        <a:ln>
+                          <a:solidFill>
+                            <a:schemeClr val="accent1"/>
+                          </a:solidFill>
+                        </a:ln>
+                        <a:solidFill>
+                          <a:schemeClr val="tx1"/>
+                        </a:solidFill>
+                      </a:endParaRPr>
+                    </a:p>
+                  </a:txBody>
+                  <a:tcPr anchor="ctr">
+                    <a:lnL w="12700" cap="flat" cmpd="sng" algn="ctr">
+                      <a:solidFill>
+                        <a:schemeClr val="tx1"/>
+                      </a:solidFill>
+                      <a:prstDash val="solid"/>
+                      <a:round/>
+                      <a:headEnd type="none" w="med" len="med"/>
+                      <a:tailEnd type="none" w="med" len="med"/>
+                    </a:lnL>
+                    <a:lnR w="12700" cap="flat" cmpd="sng" algn="ctr">
+                      <a:solidFill>
+                        <a:schemeClr val="tx1"/>
+                      </a:solidFill>
+                      <a:prstDash val="solid"/>
+                      <a:round/>
+                      <a:headEnd type="none" w="med" len="med"/>
+                      <a:tailEnd type="none" w="med" len="med"/>
+                    </a:lnR>
+                    <a:lnT w="12700" cap="flat" cmpd="sng" algn="ctr">
+                      <a:solidFill>
+                        <a:schemeClr val="tx1"/>
+                      </a:solidFill>
+                      <a:prstDash val="solid"/>
+                      <a:round/>
+                      <a:headEnd type="none" w="med" len="med"/>
+                      <a:tailEnd type="none" w="med" len="med"/>
+                    </a:lnT>
+                    <a:lnB w="12700" cap="flat" cmpd="sng" algn="ctr">
+                      <a:solidFill>
+                        <a:schemeClr val="tx1"/>
+                      </a:solidFill>
+                      <a:prstDash val="solid"/>
+                      <a:round/>
+                      <a:headEnd type="none" w="med" len="med"/>
+                      <a:tailEnd type="none" w="med" len="med"/>
+                    </a:lnB>
+                    <a:noFill/>
+                  </a:tcPr>
+                </a:tc>
+                <a:tc>
+                  <a:txBody>
+                    <a:bodyPr/>
+                    <a:lstStyle/>
+                    <a:p>
+                      <a:pPr algn="ctr" latinLnBrk="1"/>
+                      <a:r>
+                        <a:rPr lang="en-US" altLang="ko-KR" sz="2000" b="0" dirty="0">
+                          <a:ln>
+                            <a:solidFill>
+                              <a:schemeClr val="accent1"/>
+                            </a:solidFill>
+                          </a:ln>
+                          <a:solidFill>
+                            <a:schemeClr val="tx1"/>
+                          </a:solidFill>
+                        </a:rPr>
+                        <a:t>85</a:t>
+                      </a:r>
                       <a:endParaRPr lang="ko-KR" altLang="en-US" sz="2000" b="0" dirty="0">
                         <a:ln>
                           <a:solidFill>
@@ -19017,13 +22302,6 @@
   <p:clrMapOvr>
     <a:masterClrMapping/>
   </p:clrMapOvr>
-  <p:timing>
-    <p:tnLst>
-      <p:par>
-        <p:cTn id="1" dur="indefinite" restart="never" nodeType="tmRoot"/>
-      </p:par>
-    </p:tnLst>
-  </p:timing>
 </p:sld>
 </file>
 
@@ -19065,46 +22343,19 @@
               <a:buNone/>
             </a:pPr>
             <a:r>
-              <a:rPr lang="en-US" altLang="ko-KR" sz="2000" dirty="0" smtClean="0">
-                <a:cs typeface="Times New Roman"/>
-              </a:rPr>
-              <a:t>The table </a:t>
-            </a:r>
-            <a:r>
               <a:rPr lang="en-US" altLang="ko-KR" sz="2000" dirty="0">
                 <a:cs typeface="Times New Roman"/>
               </a:rPr>
-              <a:t>size </a:t>
-            </a:r>
-            <a:r>
-              <a:rPr lang="en-US" altLang="ko-KR" sz="2000" dirty="0" smtClean="0">
-                <a:cs typeface="Times New Roman"/>
-              </a:rPr>
-              <a:t>in hashing should </a:t>
-            </a:r>
+              <a:t>The table size in hashing should be a prime number. </a:t>
+            </a:r>
+          </a:p>
+          <a:p>
             <a:r>
               <a:rPr lang="en-US" altLang="ko-KR" sz="2000" dirty="0">
                 <a:cs typeface="Times New Roman"/>
               </a:rPr>
-              <a:t>be a prime number</a:t>
-            </a:r>
-            <a:r>
-              <a:rPr lang="en-US" altLang="ko-KR" sz="2000" dirty="0" smtClean="0">
-                <a:cs typeface="Times New Roman"/>
-              </a:rPr>
-              <a:t>. </a:t>
-            </a:r>
-          </a:p>
-          <a:p>
-            <a:r>
-              <a:rPr lang="en-US" altLang="ko-KR" sz="2000" dirty="0" smtClean="0">
-                <a:cs typeface="Times New Roman"/>
-              </a:rPr>
               <a:t>Explain the reason. You may create two hash tables for a sequence such as[64, 100, 128, 200, 300, 400, 500] with two difference table sizes 8  and 7, respectively. </a:t>
             </a:r>
-            <a:endParaRPr lang="en-US" altLang="ko-KR" sz="2000" dirty="0">
-              <a:cs typeface="Times New Roman"/>
-            </a:endParaRPr>
           </a:p>
           <a:p>
             <a:pPr marL="355600">
@@ -19161,7 +22412,454 @@
                 <a:tab pos="793750" algn="l"/>
               </a:tabLst>
             </a:pPr>
-            <a:endParaRPr lang="en-US" altLang="ko-KR" sz="1800" b="1" spc="-5" dirty="0">
+            <a:endParaRPr lang="en-US" altLang="ko-KR" sz="1800" spc="-5" dirty="0">
+              <a:cs typeface="Tahoma"/>
+            </a:endParaRPr>
+          </a:p>
+          <a:p>
+            <a:pPr marL="508000" lvl="1" indent="0">
+              <a:spcBef>
+                <a:spcPts val="580"/>
+              </a:spcBef>
+              <a:buClr>
+                <a:srgbClr val="FF0000"/>
+              </a:buClr>
+              <a:buSzPct val="54166"/>
+              <a:buNone/>
+              <a:tabLst>
+                <a:tab pos="793115" algn="l"/>
+                <a:tab pos="793750" algn="l"/>
+              </a:tabLst>
+            </a:pPr>
+            <a:r>
+              <a:rPr lang="en-US" altLang="ko-KR" sz="1800" spc="-5" dirty="0">
+                <a:cs typeface="Tahoma"/>
+              </a:rPr>
+              <a:t>h</a:t>
+            </a:r>
+            <a:r>
+              <a:rPr lang="en-US" altLang="ko-KR" sz="1800" spc="-7" baseline="-20833" dirty="0">
+                <a:cs typeface="Tahoma"/>
+              </a:rPr>
+              <a:t>0</a:t>
+            </a:r>
+            <a:r>
+              <a:rPr lang="en-US" altLang="ko-KR" sz="1800" dirty="0">
+                <a:cs typeface="Tahoma"/>
+              </a:rPr>
+              <a:t>(64) = 4		 	</a:t>
+            </a:r>
+            <a:r>
+              <a:rPr lang="ko-KR" altLang="en-US" sz="1600" dirty="0">
+                <a:cs typeface="Tahoma"/>
+              </a:rPr>
+              <a:t> </a:t>
+            </a:r>
+            <a:r>
+              <a:rPr lang="en-US" altLang="ko-KR" sz="1800" dirty="0"/>
+              <a:t>		</a:t>
+            </a:r>
+            <a:r>
+              <a:rPr lang="en-US" altLang="ko-KR" sz="1800" spc="-5" dirty="0">
+                <a:cs typeface="Tahoma"/>
+              </a:rPr>
+              <a:t> h</a:t>
+            </a:r>
+            <a:r>
+              <a:rPr lang="en-US" altLang="ko-KR" sz="1800" spc="-7" baseline="-20833" dirty="0">
+                <a:cs typeface="Tahoma"/>
+              </a:rPr>
+              <a:t>0</a:t>
+            </a:r>
+            <a:r>
+              <a:rPr lang="en-US" altLang="ko-KR" sz="1800" dirty="0">
+                <a:cs typeface="Tahoma"/>
+              </a:rPr>
+              <a:t>(64) = 1		 	</a:t>
+            </a:r>
+          </a:p>
+          <a:p>
+            <a:pPr marL="508000" lvl="1" indent="0">
+              <a:spcBef>
+                <a:spcPts val="580"/>
+              </a:spcBef>
+              <a:buClr>
+                <a:srgbClr val="FF0000"/>
+              </a:buClr>
+              <a:buSzPct val="54166"/>
+              <a:buNone/>
+              <a:tabLst>
+                <a:tab pos="793115" algn="l"/>
+                <a:tab pos="793750" algn="l"/>
+              </a:tabLst>
+            </a:pPr>
+            <a:r>
+              <a:rPr lang="en-US" altLang="ko-KR" sz="1800" spc="-5" dirty="0">
+                <a:cs typeface="Tahoma"/>
+              </a:rPr>
+              <a:t>h</a:t>
+            </a:r>
+            <a:r>
+              <a:rPr lang="en-US" altLang="ko-KR" sz="1800" spc="-7" baseline="-20833" dirty="0">
+                <a:cs typeface="Tahoma"/>
+              </a:rPr>
+              <a:t>0</a:t>
+            </a:r>
+            <a:r>
+              <a:rPr lang="en-US" altLang="ko-KR" sz="1800" dirty="0">
+                <a:cs typeface="Tahoma"/>
+              </a:rPr>
+              <a:t>(100) = 5		  	 </a:t>
+            </a:r>
+            <a:r>
+              <a:rPr lang="en-US" altLang="ko-KR" sz="1800" dirty="0"/>
+              <a:t>		 </a:t>
+            </a:r>
+            <a:r>
+              <a:rPr lang="en-US" altLang="ko-KR" sz="1800" spc="-5" dirty="0">
+                <a:cs typeface="Tahoma"/>
+              </a:rPr>
+              <a:t>h</a:t>
+            </a:r>
+            <a:r>
+              <a:rPr lang="en-US" altLang="ko-KR" sz="1800" spc="-7" baseline="-20833" dirty="0">
+                <a:cs typeface="Tahoma"/>
+              </a:rPr>
+              <a:t>0</a:t>
+            </a:r>
+            <a:r>
+              <a:rPr lang="en-US" altLang="ko-KR" sz="1800" dirty="0">
+                <a:cs typeface="Tahoma"/>
+              </a:rPr>
+              <a:t>(100) = 5		 	</a:t>
+            </a:r>
+          </a:p>
+          <a:p>
+            <a:pPr marL="508000" lvl="1" indent="0">
+              <a:spcBef>
+                <a:spcPts val="580"/>
+              </a:spcBef>
+              <a:buClr>
+                <a:srgbClr val="FF0000"/>
+              </a:buClr>
+              <a:buSzPct val="54166"/>
+              <a:buNone/>
+              <a:tabLst>
+                <a:tab pos="793115" algn="l"/>
+                <a:tab pos="793750" algn="l"/>
+              </a:tabLst>
+            </a:pPr>
+            <a:r>
+              <a:rPr lang="en-US" altLang="ko-KR" sz="1800" spc="-5" dirty="0">
+                <a:cs typeface="Tahoma"/>
+              </a:rPr>
+              <a:t>h</a:t>
+            </a:r>
+            <a:r>
+              <a:rPr lang="en-US" altLang="ko-KR" sz="1800" spc="-7" baseline="-20833" dirty="0">
+                <a:cs typeface="Tahoma"/>
+              </a:rPr>
+              <a:t>0</a:t>
+            </a:r>
+            <a:r>
+              <a:rPr lang="en-US" altLang="ko-KR" sz="1800" dirty="0">
+                <a:cs typeface="Tahoma"/>
+              </a:rPr>
+              <a:t>(128) = 1 		</a:t>
+            </a:r>
+            <a:r>
+              <a:rPr lang="ko-KR" altLang="en-US" sz="1800" dirty="0"/>
+              <a:t> </a:t>
+            </a:r>
+            <a:r>
+              <a:rPr lang="en-US" altLang="ko-KR" sz="1800" dirty="0"/>
+              <a:t>	 		 </a:t>
+            </a:r>
+            <a:r>
+              <a:rPr lang="en-US" altLang="ko-KR" sz="1800" spc="-5" dirty="0">
+                <a:cs typeface="Tahoma"/>
+              </a:rPr>
+              <a:t>h</a:t>
+            </a:r>
+            <a:r>
+              <a:rPr lang="en-US" altLang="ko-KR" sz="1800" spc="-7" baseline="-20833" dirty="0">
+                <a:cs typeface="Tahoma"/>
+              </a:rPr>
+              <a:t>0</a:t>
+            </a:r>
+            <a:r>
+              <a:rPr lang="en-US" altLang="ko-KR" sz="1800" dirty="0">
+                <a:cs typeface="Tahoma"/>
+              </a:rPr>
+              <a:t>(128) = 1 (1 collision) -&gt; 2	</a:t>
+            </a:r>
+          </a:p>
+          <a:p>
+            <a:pPr marL="508000" lvl="1" indent="0">
+              <a:spcBef>
+                <a:spcPts val="580"/>
+              </a:spcBef>
+              <a:buClr>
+                <a:srgbClr val="FF0000"/>
+              </a:buClr>
+              <a:buSzPct val="54166"/>
+              <a:buNone/>
+              <a:tabLst>
+                <a:tab pos="793115" algn="l"/>
+                <a:tab pos="793750" algn="l"/>
+              </a:tabLst>
+            </a:pPr>
+            <a:r>
+              <a:rPr lang="en-US" altLang="ko-KR" sz="1800" spc="-5" dirty="0">
+                <a:cs typeface="Tahoma"/>
+              </a:rPr>
+              <a:t>h</a:t>
+            </a:r>
+            <a:r>
+              <a:rPr lang="en-US" altLang="ko-KR" sz="1800" spc="-7" baseline="-20833" dirty="0">
+                <a:cs typeface="Tahoma"/>
+              </a:rPr>
+              <a:t>0</a:t>
+            </a:r>
+            <a:r>
+              <a:rPr lang="en-US" altLang="ko-KR" sz="1800" dirty="0">
+                <a:cs typeface="Tahoma"/>
+              </a:rPr>
+              <a:t>(200) = </a:t>
+            </a:r>
+            <a:r>
+              <a:rPr lang="en-US" altLang="ko-KR" sz="1800" spc="-5" dirty="0">
+                <a:cs typeface="Tahoma"/>
+              </a:rPr>
+              <a:t>5 </a:t>
+            </a:r>
+            <a:r>
+              <a:rPr lang="en-US" altLang="ko-KR" sz="1800" dirty="0">
+                <a:cs typeface="Tahoma"/>
+              </a:rPr>
+              <a:t>(collision) -&gt; 6	 		 </a:t>
+            </a:r>
+            <a:r>
+              <a:rPr lang="en-US" altLang="ko-KR" sz="1800" spc="-5" dirty="0">
+                <a:cs typeface="Tahoma"/>
+              </a:rPr>
+              <a:t>h</a:t>
+            </a:r>
+            <a:r>
+              <a:rPr lang="en-US" altLang="ko-KR" sz="1800" spc="-7" baseline="-20833" dirty="0">
+                <a:cs typeface="Tahoma"/>
+              </a:rPr>
+              <a:t>1</a:t>
+            </a:r>
+            <a:r>
+              <a:rPr lang="en-US" altLang="ko-KR" sz="1800" dirty="0">
+                <a:cs typeface="Tahoma"/>
+              </a:rPr>
+              <a:t>(200) = </a:t>
+            </a:r>
+            <a:r>
+              <a:rPr lang="en-US" altLang="ko-KR" sz="1800" spc="-5" dirty="0">
+                <a:cs typeface="Tahoma"/>
+              </a:rPr>
+              <a:t>2 </a:t>
+            </a:r>
+            <a:r>
+              <a:rPr lang="en-US" altLang="ko-KR" sz="1800" dirty="0">
+                <a:cs typeface="Tahoma"/>
+              </a:rPr>
+              <a:t>(1 collision) -&gt; 3	 	</a:t>
+            </a:r>
+          </a:p>
+          <a:p>
+            <a:pPr marL="508000" lvl="1" indent="0">
+              <a:spcBef>
+                <a:spcPts val="580"/>
+              </a:spcBef>
+              <a:buClr>
+                <a:srgbClr val="FF0000"/>
+              </a:buClr>
+              <a:buSzPct val="54166"/>
+              <a:buNone/>
+              <a:tabLst>
+                <a:tab pos="793115" algn="l"/>
+                <a:tab pos="793750" algn="l"/>
+              </a:tabLst>
+            </a:pPr>
+            <a:r>
+              <a:rPr lang="en-US" altLang="ko-KR" sz="1800" spc="-5" dirty="0">
+                <a:cs typeface="Tahoma"/>
+              </a:rPr>
+              <a:t>h</a:t>
+            </a:r>
+            <a:r>
+              <a:rPr lang="en-US" altLang="ko-KR" sz="1800" spc="-7" baseline="-20833" dirty="0">
+                <a:cs typeface="Tahoma"/>
+              </a:rPr>
+              <a:t>0</a:t>
+            </a:r>
+            <a:r>
+              <a:rPr lang="en-US" altLang="ko-KR" sz="1800" dirty="0">
+                <a:cs typeface="Tahoma"/>
+              </a:rPr>
+              <a:t>(300) = 3			 </a:t>
+            </a:r>
+            <a:r>
+              <a:rPr lang="en-US" altLang="ko-KR" sz="1800" dirty="0"/>
+              <a:t>		 </a:t>
+            </a:r>
+            <a:r>
+              <a:rPr lang="en-US" altLang="ko-KR" sz="1800" spc="-5" dirty="0">
+                <a:cs typeface="Tahoma"/>
+              </a:rPr>
+              <a:t>h</a:t>
+            </a:r>
+            <a:r>
+              <a:rPr lang="en-US" altLang="ko-KR" sz="1800" spc="-7" baseline="-20833" dirty="0">
+                <a:cs typeface="Tahoma"/>
+              </a:rPr>
+              <a:t>0</a:t>
+            </a:r>
+            <a:r>
+              <a:rPr lang="en-US" altLang="ko-KR" sz="1800" dirty="0">
+                <a:cs typeface="Tahoma"/>
+              </a:rPr>
+              <a:t>(300) = 2 (2 collision) -&gt; 4 	</a:t>
+            </a:r>
+          </a:p>
+          <a:p>
+            <a:pPr marL="508000" lvl="1" indent="0">
+              <a:spcBef>
+                <a:spcPts val="580"/>
+              </a:spcBef>
+              <a:buClr>
+                <a:srgbClr val="FF0000"/>
+              </a:buClr>
+              <a:buSzPct val="54166"/>
+              <a:buNone/>
+              <a:tabLst>
+                <a:tab pos="793115" algn="l"/>
+                <a:tab pos="793750" algn="l"/>
+              </a:tabLst>
+            </a:pPr>
+            <a:r>
+              <a:rPr lang="en-US" altLang="ko-KR" sz="1800" spc="-5" dirty="0">
+                <a:cs typeface="Tahoma"/>
+              </a:rPr>
+              <a:t>h</a:t>
+            </a:r>
+            <a:r>
+              <a:rPr lang="en-US" altLang="ko-KR" sz="1800" spc="-7" baseline="-20833" dirty="0">
+                <a:cs typeface="Tahoma"/>
+              </a:rPr>
+              <a:t>0</a:t>
+            </a:r>
+            <a:r>
+              <a:rPr lang="en-US" altLang="ko-KR" sz="1800" dirty="0">
+                <a:cs typeface="Tahoma"/>
+              </a:rPr>
+              <a:t>(400) = </a:t>
+            </a:r>
+            <a:r>
+              <a:rPr lang="en-US" altLang="ko-KR" sz="1800" spc="-5" dirty="0">
+                <a:cs typeface="Tahoma"/>
+              </a:rPr>
+              <a:t>4 (collision) -&gt; 0</a:t>
+            </a:r>
+            <a:r>
+              <a:rPr lang="en-US" altLang="ko-KR" sz="1800" dirty="0">
+                <a:cs typeface="Tahoma"/>
+              </a:rPr>
+              <a:t>			 </a:t>
+            </a:r>
+            <a:r>
+              <a:rPr lang="en-US" altLang="ko-KR" sz="1800" spc="-5" dirty="0">
+                <a:cs typeface="Tahoma"/>
+              </a:rPr>
+              <a:t>h</a:t>
+            </a:r>
+            <a:r>
+              <a:rPr lang="en-US" altLang="ko-KR" sz="1800" spc="-7" baseline="-20833" dirty="0">
+                <a:cs typeface="Tahoma"/>
+              </a:rPr>
+              <a:t>0</a:t>
+            </a:r>
+            <a:r>
+              <a:rPr lang="en-US" altLang="ko-KR" sz="1800" dirty="0">
+                <a:cs typeface="Tahoma"/>
+              </a:rPr>
+              <a:t>(400) = 3 (2 collision) -&gt; 6	</a:t>
+            </a:r>
+          </a:p>
+          <a:p>
+            <a:pPr marL="508000" lvl="1" indent="0">
+              <a:spcBef>
+                <a:spcPts val="580"/>
+              </a:spcBef>
+              <a:buClr>
+                <a:srgbClr val="FF0000"/>
+              </a:buClr>
+              <a:buSzPct val="54166"/>
+              <a:buNone/>
+              <a:tabLst>
+                <a:tab pos="793115" algn="l"/>
+                <a:tab pos="793750" algn="l"/>
+              </a:tabLst>
+            </a:pPr>
+            <a:r>
+              <a:rPr lang="en-US" altLang="ko-KR" sz="1800" spc="-5" dirty="0">
+                <a:cs typeface="Tahoma"/>
+              </a:rPr>
+              <a:t>h</a:t>
+            </a:r>
+            <a:r>
+              <a:rPr lang="en-US" altLang="ko-KR" sz="1800" spc="-7" baseline="-20833" dirty="0">
+                <a:cs typeface="Tahoma"/>
+              </a:rPr>
+              <a:t>0</a:t>
+            </a:r>
+            <a:r>
+              <a:rPr lang="en-US" altLang="ko-KR" sz="1800" dirty="0">
+                <a:cs typeface="Tahoma"/>
+              </a:rPr>
+              <a:t>(500) = </a:t>
+            </a:r>
+            <a:r>
+              <a:rPr lang="en-US" altLang="ko-KR" sz="1800" spc="-5" dirty="0">
+                <a:cs typeface="Tahoma"/>
+              </a:rPr>
+              <a:t>3 (collision) -&gt; 2</a:t>
+            </a:r>
+            <a:r>
+              <a:rPr lang="en-US" altLang="ko-KR" sz="1800" dirty="0">
+                <a:cs typeface="Tahoma"/>
+              </a:rPr>
+              <a:t>			 </a:t>
+            </a:r>
+            <a:r>
+              <a:rPr lang="en-US" altLang="ko-KR" sz="1800" spc="-5" dirty="0">
+                <a:cs typeface="Tahoma"/>
+              </a:rPr>
+              <a:t>h</a:t>
+            </a:r>
+            <a:r>
+              <a:rPr lang="en-US" altLang="ko-KR" sz="1800" spc="-7" baseline="-20833" dirty="0">
+                <a:cs typeface="Tahoma"/>
+              </a:rPr>
+              <a:t>1</a:t>
+            </a:r>
+            <a:r>
+              <a:rPr lang="en-US" altLang="ko-KR" sz="1800" dirty="0">
+                <a:cs typeface="Tahoma"/>
+              </a:rPr>
+              <a:t>(500) = </a:t>
+            </a:r>
+            <a:r>
+              <a:rPr lang="en-US" altLang="ko-KR" sz="1800" spc="-5" dirty="0">
+                <a:cs typeface="Tahoma"/>
+              </a:rPr>
+              <a:t>7</a:t>
+            </a:r>
+            <a:endParaRPr lang="en-US" altLang="ko-KR" sz="1800" dirty="0">
               <a:cs typeface="Tahoma"/>
             </a:endParaRPr>
           </a:p>
@@ -19184,6 +22882,37 @@
               <a:cs typeface="Tahoma"/>
             </a:endParaRPr>
           </a:p>
+          <a:p>
+            <a:pPr marL="508000" lvl="1" indent="0">
+              <a:spcBef>
+                <a:spcPts val="580"/>
+              </a:spcBef>
+              <a:buClr>
+                <a:srgbClr val="FF0000"/>
+              </a:buClr>
+              <a:buSzPct val="54166"/>
+              <a:buNone/>
+              <a:tabLst>
+                <a:tab pos="793115" algn="l"/>
+                <a:tab pos="793750" algn="l"/>
+              </a:tabLst>
+            </a:pPr>
+            <a:r>
+              <a:rPr lang="en-US" altLang="ko-KR" sz="1800" dirty="0">
+                <a:solidFill>
+                  <a:srgbClr val="FF0000"/>
+                </a:solidFill>
+                <a:cs typeface="Tahoma"/>
+              </a:rPr>
+              <a:t>Because of modulo arithmetic, non-prime number table size returns common index</a:t>
+            </a:r>
+            <a:r>
+              <a:rPr lang="en-US" altLang="ko-KR" sz="1800" dirty="0">
+                <a:cs typeface="Tahoma"/>
+              </a:rPr>
+              <a:t>.</a:t>
+            </a:r>
+          </a:p>
         </p:txBody>
       </p:sp>
       <p:sp>
@@ -19202,7 +22931,7 @@
           <a:lstStyle/>
           <a:p>
             <a:r>
-              <a:rPr lang="en-US" altLang="ko-KR" spc="-5" dirty="0" smtClean="0"/>
+              <a:rPr lang="en-US" altLang="ko-KR" spc="-5" dirty="0"/>
               <a:t>Q8. Why Primes?</a:t>
             </a:r>
             <a:endParaRPr lang="ko-KR" altLang="en-US" dirty="0"/>
@@ -19233,6 +22962,2008 @@
           </a:p>
         </p:txBody>
       </p:sp>
+      <p:graphicFrame>
+        <p:nvGraphicFramePr>
+          <p:cNvPr id="5" name="표 4">
+            <a:extLst>
+              <a:ext uri="{FF2B5EF4-FFF2-40B4-BE49-F238E27FC236}">
+                <a16:creationId xmlns:a16="http://schemas.microsoft.com/office/drawing/2014/main" id="{61EEAAC0-28AF-4162-8B7C-06DE59B7299B}"/>
+              </a:ext>
+            </a:extLst>
+          </p:cNvPr>
+          <p:cNvGraphicFramePr>
+            <a:graphicFrameLocks noGrp="1"/>
+          </p:cNvGraphicFramePr>
+          <p:nvPr>
+            <p:extLst>
+              <p:ext uri="{D42A27DB-BD31-4B8C-83A1-F6EECF244321}">
+                <p14:modId xmlns:p14="http://schemas.microsoft.com/office/powerpoint/2010/main" val="3913392787"/>
+              </p:ext>
+            </p:extLst>
+          </p:nvPr>
+        </p:nvGraphicFramePr>
+        <p:xfrm>
+          <a:off x="1127448" y="2060848"/>
+          <a:ext cx="4248475" cy="670560"/>
+        </p:xfrm>
+        <a:graphic>
+          <a:graphicData uri="http://schemas.openxmlformats.org/drawingml/2006/table">
+            <a:tbl>
+              <a:tblPr firstRow="1" bandRow="1">
+                <a:tableStyleId>{5C22544A-7EE6-4342-B048-85BDC9FD1C3A}</a:tableStyleId>
+              </a:tblPr>
+              <a:tblGrid>
+                <a:gridCol w="606925">
+                  <a:extLst>
+                    <a:ext uri="{9D8B030D-6E8A-4147-A177-3AD203B41FA5}">
+                      <a16:colId xmlns:a16="http://schemas.microsoft.com/office/drawing/2014/main" val="2141639596"/>
+                    </a:ext>
+                  </a:extLst>
+                </a:gridCol>
+                <a:gridCol w="606925">
+                  <a:extLst>
+                    <a:ext uri="{9D8B030D-6E8A-4147-A177-3AD203B41FA5}">
+                      <a16:colId xmlns:a16="http://schemas.microsoft.com/office/drawing/2014/main" val="36916836"/>
+                    </a:ext>
+                  </a:extLst>
+                </a:gridCol>
+                <a:gridCol w="606925">
+                  <a:extLst>
+                    <a:ext uri="{9D8B030D-6E8A-4147-A177-3AD203B41FA5}">
+                      <a16:colId xmlns:a16="http://schemas.microsoft.com/office/drawing/2014/main" val="526059156"/>
+                    </a:ext>
+                  </a:extLst>
+                </a:gridCol>
+                <a:gridCol w="606925">
+                  <a:extLst>
+                    <a:ext uri="{9D8B030D-6E8A-4147-A177-3AD203B41FA5}">
+                      <a16:colId xmlns:a16="http://schemas.microsoft.com/office/drawing/2014/main" val="2893800122"/>
+                    </a:ext>
+                  </a:extLst>
+                </a:gridCol>
+                <a:gridCol w="606925">
+                  <a:extLst>
+                    <a:ext uri="{9D8B030D-6E8A-4147-A177-3AD203B41FA5}">
+                      <a16:colId xmlns:a16="http://schemas.microsoft.com/office/drawing/2014/main" val="3315258024"/>
+                    </a:ext>
+                  </a:extLst>
+                </a:gridCol>
+                <a:gridCol w="606925">
+                  <a:extLst>
+                    <a:ext uri="{9D8B030D-6E8A-4147-A177-3AD203B41FA5}">
+                      <a16:colId xmlns:a16="http://schemas.microsoft.com/office/drawing/2014/main" val="3229886335"/>
+                    </a:ext>
+                  </a:extLst>
+                </a:gridCol>
+                <a:gridCol w="606925">
+                  <a:extLst>
+                    <a:ext uri="{9D8B030D-6E8A-4147-A177-3AD203B41FA5}">
+                      <a16:colId xmlns:a16="http://schemas.microsoft.com/office/drawing/2014/main" val="1644060029"/>
+                    </a:ext>
+                  </a:extLst>
+                </a:gridCol>
+              </a:tblGrid>
+              <a:tr h="255533">
+                <a:tc>
+                  <a:txBody>
+                    <a:bodyPr/>
+                    <a:lstStyle/>
+                    <a:p>
+                      <a:pPr algn="ctr" latinLnBrk="1"/>
+                      <a:r>
+                        <a:rPr lang="en-US" altLang="ko-KR" sz="1200" b="0" dirty="0">
+                          <a:solidFill>
+                            <a:schemeClr val="tx1"/>
+                          </a:solidFill>
+                        </a:rPr>
+                        <a:t>0</a:t>
+                      </a:r>
+                      <a:endParaRPr lang="ko-KR" altLang="en-US" sz="1200" b="0" dirty="0">
+                        <a:solidFill>
+                          <a:schemeClr val="tx1"/>
+                        </a:solidFill>
+                      </a:endParaRPr>
+                    </a:p>
+                  </a:txBody>
+                  <a:tcPr>
+                    <a:lnB w="12700" cap="flat" cmpd="sng" algn="ctr">
+                      <a:solidFill>
+                        <a:schemeClr val="tx1"/>
+                      </a:solidFill>
+                      <a:prstDash val="solid"/>
+                      <a:round/>
+                      <a:headEnd type="none" w="med" len="med"/>
+                      <a:tailEnd type="none" w="med" len="med"/>
+                    </a:lnB>
+                    <a:noFill/>
+                  </a:tcPr>
+                </a:tc>
+                <a:tc>
+                  <a:txBody>
+                    <a:bodyPr/>
+                    <a:lstStyle/>
+                    <a:p>
+                      <a:pPr algn="ctr" latinLnBrk="1"/>
+                      <a:r>
+                        <a:rPr lang="en-US" altLang="ko-KR" sz="1200" b="0" dirty="0">
+                          <a:solidFill>
+                            <a:schemeClr val="tx1"/>
+                          </a:solidFill>
+                        </a:rPr>
+                        <a:t>1</a:t>
+                      </a:r>
+                      <a:endParaRPr lang="ko-KR" altLang="en-US" sz="1200" b="0" dirty="0">
+                        <a:solidFill>
+                          <a:schemeClr val="tx1"/>
+                        </a:solidFill>
+                      </a:endParaRPr>
+                    </a:p>
+                  </a:txBody>
+                  <a:tcPr>
+                    <a:lnB w="12700" cap="flat" cmpd="sng" algn="ctr">
+                      <a:solidFill>
+                        <a:schemeClr val="tx1"/>
+                      </a:solidFill>
+                      <a:prstDash val="solid"/>
+                      <a:round/>
+                      <a:headEnd type="none" w="med" len="med"/>
+                      <a:tailEnd type="none" w="med" len="med"/>
+                    </a:lnB>
+                    <a:noFill/>
+                  </a:tcPr>
+                </a:tc>
+                <a:tc>
+                  <a:txBody>
+                    <a:bodyPr/>
+                    <a:lstStyle/>
+                    <a:p>
+                      <a:pPr algn="ctr" latinLnBrk="1"/>
+                      <a:r>
+                        <a:rPr lang="en-US" altLang="ko-KR" sz="1200" b="0" dirty="0">
+                          <a:solidFill>
+                            <a:schemeClr val="tx1"/>
+                          </a:solidFill>
+                        </a:rPr>
+                        <a:t>2</a:t>
+                      </a:r>
+                      <a:endParaRPr lang="ko-KR" altLang="en-US" sz="1200" b="0" dirty="0">
+                        <a:solidFill>
+                          <a:schemeClr val="tx1"/>
+                        </a:solidFill>
+                      </a:endParaRPr>
+                    </a:p>
+                  </a:txBody>
+                  <a:tcPr>
+                    <a:lnB w="12700" cap="flat" cmpd="sng" algn="ctr">
+                      <a:solidFill>
+                        <a:schemeClr val="tx1"/>
+                      </a:solidFill>
+                      <a:prstDash val="solid"/>
+                      <a:round/>
+                      <a:headEnd type="none" w="med" len="med"/>
+                      <a:tailEnd type="none" w="med" len="med"/>
+                    </a:lnB>
+                    <a:noFill/>
+                  </a:tcPr>
+                </a:tc>
+                <a:tc>
+                  <a:txBody>
+                    <a:bodyPr/>
+                    <a:lstStyle/>
+                    <a:p>
+                      <a:pPr algn="ctr" latinLnBrk="1"/>
+                      <a:r>
+                        <a:rPr lang="en-US" altLang="ko-KR" sz="1200" b="0" dirty="0">
+                          <a:solidFill>
+                            <a:schemeClr val="tx1"/>
+                          </a:solidFill>
+                        </a:rPr>
+                        <a:t>3</a:t>
+                      </a:r>
+                      <a:endParaRPr lang="ko-KR" altLang="en-US" sz="1200" b="0" dirty="0">
+                        <a:solidFill>
+                          <a:schemeClr val="tx1"/>
+                        </a:solidFill>
+                      </a:endParaRPr>
+                    </a:p>
+                  </a:txBody>
+                  <a:tcPr>
+                    <a:lnB w="12700" cap="flat" cmpd="sng" algn="ctr">
+                      <a:solidFill>
+                        <a:schemeClr val="tx1"/>
+                      </a:solidFill>
+                      <a:prstDash val="solid"/>
+                      <a:round/>
+                      <a:headEnd type="none" w="med" len="med"/>
+                      <a:tailEnd type="none" w="med" len="med"/>
+                    </a:lnB>
+                    <a:noFill/>
+                  </a:tcPr>
+                </a:tc>
+                <a:tc>
+                  <a:txBody>
+                    <a:bodyPr/>
+                    <a:lstStyle/>
+                    <a:p>
+                      <a:pPr algn="ctr" latinLnBrk="1"/>
+                      <a:r>
+                        <a:rPr lang="en-US" altLang="ko-KR" sz="1200" b="0" dirty="0">
+                          <a:solidFill>
+                            <a:schemeClr val="tx1"/>
+                          </a:solidFill>
+                        </a:rPr>
+                        <a:t>4</a:t>
+                      </a:r>
+                      <a:endParaRPr lang="ko-KR" altLang="en-US" sz="1200" b="0" dirty="0">
+                        <a:solidFill>
+                          <a:schemeClr val="tx1"/>
+                        </a:solidFill>
+                      </a:endParaRPr>
+                    </a:p>
+                  </a:txBody>
+                  <a:tcPr>
+                    <a:lnB w="12700" cap="flat" cmpd="sng" algn="ctr">
+                      <a:solidFill>
+                        <a:schemeClr val="tx1"/>
+                      </a:solidFill>
+                      <a:prstDash val="solid"/>
+                      <a:round/>
+                      <a:headEnd type="none" w="med" len="med"/>
+                      <a:tailEnd type="none" w="med" len="med"/>
+                    </a:lnB>
+                    <a:noFill/>
+                  </a:tcPr>
+                </a:tc>
+                <a:tc>
+                  <a:txBody>
+                    <a:bodyPr/>
+                    <a:lstStyle/>
+                    <a:p>
+                      <a:pPr algn="ctr" latinLnBrk="1"/>
+                      <a:r>
+                        <a:rPr lang="en-US" altLang="ko-KR" sz="1200" b="0" dirty="0">
+                          <a:solidFill>
+                            <a:schemeClr val="tx1"/>
+                          </a:solidFill>
+                        </a:rPr>
+                        <a:t>5</a:t>
+                      </a:r>
+                      <a:endParaRPr lang="ko-KR" altLang="en-US" sz="1200" b="0" dirty="0">
+                        <a:solidFill>
+                          <a:schemeClr val="tx1"/>
+                        </a:solidFill>
+                      </a:endParaRPr>
+                    </a:p>
+                  </a:txBody>
+                  <a:tcPr>
+                    <a:lnB w="12700" cap="flat" cmpd="sng" algn="ctr">
+                      <a:solidFill>
+                        <a:schemeClr val="tx1"/>
+                      </a:solidFill>
+                      <a:prstDash val="solid"/>
+                      <a:round/>
+                      <a:headEnd type="none" w="med" len="med"/>
+                      <a:tailEnd type="none" w="med" len="med"/>
+                    </a:lnB>
+                    <a:noFill/>
+                  </a:tcPr>
+                </a:tc>
+                <a:tc>
+                  <a:txBody>
+                    <a:bodyPr/>
+                    <a:lstStyle/>
+                    <a:p>
+                      <a:pPr algn="ctr" latinLnBrk="1"/>
+                      <a:r>
+                        <a:rPr lang="en-US" altLang="ko-KR" sz="1200" b="0" dirty="0">
+                          <a:solidFill>
+                            <a:schemeClr val="tx1"/>
+                          </a:solidFill>
+                        </a:rPr>
+                        <a:t>6</a:t>
+                      </a:r>
+                      <a:endParaRPr lang="ko-KR" altLang="en-US" sz="1200" b="0" dirty="0">
+                        <a:solidFill>
+                          <a:schemeClr val="tx1"/>
+                        </a:solidFill>
+                      </a:endParaRPr>
+                    </a:p>
+                  </a:txBody>
+                  <a:tcPr>
+                    <a:lnB w="12700" cap="flat" cmpd="sng" algn="ctr">
+                      <a:solidFill>
+                        <a:schemeClr val="tx1"/>
+                      </a:solidFill>
+                      <a:prstDash val="solid"/>
+                      <a:round/>
+                      <a:headEnd type="none" w="med" len="med"/>
+                      <a:tailEnd type="none" w="med" len="med"/>
+                    </a:lnB>
+                    <a:noFill/>
+                  </a:tcPr>
+                </a:tc>
+                <a:extLst>
+                  <a:ext uri="{0D108BD9-81ED-4DB2-BD59-A6C34878D82A}">
+                    <a16:rowId xmlns:a16="http://schemas.microsoft.com/office/drawing/2014/main" val="2281094793"/>
+                  </a:ext>
+                </a:extLst>
+              </a:tr>
+              <a:tr h="255533">
+                <a:tc>
+                  <a:txBody>
+                    <a:bodyPr/>
+                    <a:lstStyle/>
+                    <a:p>
+                      <a:pPr algn="ctr" latinLnBrk="1"/>
+                      <a:r>
+                        <a:rPr lang="en-US" altLang="ko-KR" sz="2000" b="0" dirty="0">
+                          <a:ln>
+                            <a:solidFill>
+                              <a:schemeClr val="accent1"/>
+                            </a:solidFill>
+                          </a:ln>
+                          <a:solidFill>
+                            <a:schemeClr val="tx1"/>
+                          </a:solidFill>
+                        </a:rPr>
+                        <a:t>400</a:t>
+                      </a:r>
+                      <a:endParaRPr lang="ko-KR" altLang="en-US" sz="2000" b="0" dirty="0">
+                        <a:ln>
+                          <a:solidFill>
+                            <a:schemeClr val="accent1"/>
+                          </a:solidFill>
+                        </a:ln>
+                        <a:solidFill>
+                          <a:schemeClr val="tx1"/>
+                        </a:solidFill>
+                      </a:endParaRPr>
+                    </a:p>
+                  </a:txBody>
+                  <a:tcPr anchor="ctr">
+                    <a:lnL w="12700" cap="flat" cmpd="sng" algn="ctr">
+                      <a:solidFill>
+                        <a:schemeClr val="tx1"/>
+                      </a:solidFill>
+                      <a:prstDash val="solid"/>
+                      <a:round/>
+                      <a:headEnd type="none" w="med" len="med"/>
+                      <a:tailEnd type="none" w="med" len="med"/>
+                    </a:lnL>
+                    <a:lnR w="12700" cap="flat" cmpd="sng" algn="ctr">
+                      <a:solidFill>
+                        <a:schemeClr val="tx1"/>
+                      </a:solidFill>
+                      <a:prstDash val="solid"/>
+                      <a:round/>
+                      <a:headEnd type="none" w="med" len="med"/>
+                      <a:tailEnd type="none" w="med" len="med"/>
+                    </a:lnR>
+                    <a:lnT w="12700" cap="flat" cmpd="sng" algn="ctr">
+                      <a:solidFill>
+                        <a:schemeClr val="tx1"/>
+                      </a:solidFill>
+                      <a:prstDash val="solid"/>
+                      <a:round/>
+                      <a:headEnd type="none" w="med" len="med"/>
+                      <a:tailEnd type="none" w="med" len="med"/>
+                    </a:lnT>
+                    <a:lnB w="12700" cap="flat" cmpd="sng" algn="ctr">
+                      <a:solidFill>
+                        <a:schemeClr val="tx1"/>
+                      </a:solidFill>
+                      <a:prstDash val="solid"/>
+                      <a:round/>
+                      <a:headEnd type="none" w="med" len="med"/>
+                      <a:tailEnd type="none" w="med" len="med"/>
+                    </a:lnB>
+                    <a:noFill/>
+                  </a:tcPr>
+                </a:tc>
+                <a:tc>
+                  <a:txBody>
+                    <a:bodyPr/>
+                    <a:lstStyle/>
+                    <a:p>
+                      <a:pPr algn="ctr" latinLnBrk="1"/>
+                      <a:r>
+                        <a:rPr lang="en-US" altLang="ko-KR" sz="2000" b="0" dirty="0">
+                          <a:ln>
+                            <a:solidFill>
+                              <a:schemeClr val="accent1"/>
+                            </a:solidFill>
+                          </a:ln>
+                          <a:solidFill>
+                            <a:schemeClr val="tx1"/>
+                          </a:solidFill>
+                        </a:rPr>
+                        <a:t>128</a:t>
+                      </a:r>
+                      <a:endParaRPr lang="ko-KR" altLang="en-US" sz="2000" b="0" dirty="0">
+                        <a:ln>
+                          <a:solidFill>
+                            <a:schemeClr val="accent1"/>
+                          </a:solidFill>
+                        </a:ln>
+                        <a:solidFill>
+                          <a:schemeClr val="tx1"/>
+                        </a:solidFill>
+                      </a:endParaRPr>
+                    </a:p>
+                  </a:txBody>
+                  <a:tcPr anchor="ctr">
+                    <a:lnL w="12700" cap="flat" cmpd="sng" algn="ctr">
+                      <a:solidFill>
+                        <a:schemeClr val="tx1"/>
+                      </a:solidFill>
+                      <a:prstDash val="solid"/>
+                      <a:round/>
+                      <a:headEnd type="none" w="med" len="med"/>
+                      <a:tailEnd type="none" w="med" len="med"/>
+                    </a:lnL>
+                    <a:lnR w="12700" cap="flat" cmpd="sng" algn="ctr">
+                      <a:solidFill>
+                        <a:schemeClr val="tx1"/>
+                      </a:solidFill>
+                      <a:prstDash val="solid"/>
+                      <a:round/>
+                      <a:headEnd type="none" w="med" len="med"/>
+                      <a:tailEnd type="none" w="med" len="med"/>
+                    </a:lnR>
+                    <a:lnT w="12700" cap="flat" cmpd="sng" algn="ctr">
+                      <a:solidFill>
+                        <a:schemeClr val="tx1"/>
+                      </a:solidFill>
+                      <a:prstDash val="solid"/>
+                      <a:round/>
+                      <a:headEnd type="none" w="med" len="med"/>
+                      <a:tailEnd type="none" w="med" len="med"/>
+                    </a:lnT>
+                    <a:lnB w="12700" cap="flat" cmpd="sng" algn="ctr">
+                      <a:solidFill>
+                        <a:schemeClr val="tx1"/>
+                      </a:solidFill>
+                      <a:prstDash val="solid"/>
+                      <a:round/>
+                      <a:headEnd type="none" w="med" len="med"/>
+                      <a:tailEnd type="none" w="med" len="med"/>
+                    </a:lnB>
+                    <a:noFill/>
+                  </a:tcPr>
+                </a:tc>
+                <a:tc>
+                  <a:txBody>
+                    <a:bodyPr/>
+                    <a:lstStyle/>
+                    <a:p>
+                      <a:pPr algn="ctr" latinLnBrk="1"/>
+                      <a:r>
+                        <a:rPr lang="en-US" altLang="ko-KR" sz="2000" b="0" dirty="0">
+                          <a:ln>
+                            <a:solidFill>
+                              <a:schemeClr val="accent1"/>
+                            </a:solidFill>
+                          </a:ln>
+                          <a:solidFill>
+                            <a:schemeClr val="tx1"/>
+                          </a:solidFill>
+                        </a:rPr>
+                        <a:t>500</a:t>
+                      </a:r>
+                      <a:endParaRPr lang="ko-KR" altLang="en-US" sz="2000" b="0" dirty="0">
+                        <a:ln>
+                          <a:solidFill>
+                            <a:schemeClr val="accent1"/>
+                          </a:solidFill>
+                        </a:ln>
+                        <a:solidFill>
+                          <a:schemeClr val="tx1"/>
+                        </a:solidFill>
+                      </a:endParaRPr>
+                    </a:p>
+                  </a:txBody>
+                  <a:tcPr anchor="ctr">
+                    <a:lnL w="12700" cap="flat" cmpd="sng" algn="ctr">
+                      <a:solidFill>
+                        <a:schemeClr val="tx1"/>
+                      </a:solidFill>
+                      <a:prstDash val="solid"/>
+                      <a:round/>
+                      <a:headEnd type="none" w="med" len="med"/>
+                      <a:tailEnd type="none" w="med" len="med"/>
+                    </a:lnL>
+                    <a:lnR w="12700" cap="flat" cmpd="sng" algn="ctr">
+                      <a:solidFill>
+                        <a:schemeClr val="tx1"/>
+                      </a:solidFill>
+                      <a:prstDash val="solid"/>
+                      <a:round/>
+                      <a:headEnd type="none" w="med" len="med"/>
+                      <a:tailEnd type="none" w="med" len="med"/>
+                    </a:lnR>
+                    <a:lnT w="12700" cap="flat" cmpd="sng" algn="ctr">
+                      <a:solidFill>
+                        <a:schemeClr val="tx1"/>
+                      </a:solidFill>
+                      <a:prstDash val="solid"/>
+                      <a:round/>
+                      <a:headEnd type="none" w="med" len="med"/>
+                      <a:tailEnd type="none" w="med" len="med"/>
+                    </a:lnT>
+                    <a:lnB w="12700" cap="flat" cmpd="sng" algn="ctr">
+                      <a:solidFill>
+                        <a:schemeClr val="tx1"/>
+                      </a:solidFill>
+                      <a:prstDash val="solid"/>
+                      <a:round/>
+                      <a:headEnd type="none" w="med" len="med"/>
+                      <a:tailEnd type="none" w="med" len="med"/>
+                    </a:lnB>
+                    <a:noFill/>
+                  </a:tcPr>
+                </a:tc>
+                <a:tc>
+                  <a:txBody>
+                    <a:bodyPr/>
+                    <a:lstStyle/>
+                    <a:p>
+                      <a:pPr algn="ctr" latinLnBrk="1"/>
+                      <a:r>
+                        <a:rPr lang="en-US" altLang="ko-KR" sz="2000" b="0" dirty="0">
+                          <a:ln>
+                            <a:solidFill>
+                              <a:schemeClr val="accent1"/>
+                            </a:solidFill>
+                          </a:ln>
+                          <a:solidFill>
+                            <a:schemeClr val="tx1"/>
+                          </a:solidFill>
+                        </a:rPr>
+                        <a:t>300</a:t>
+                      </a:r>
+                      <a:endParaRPr lang="ko-KR" altLang="en-US" sz="2000" b="0" dirty="0">
+                        <a:ln>
+                          <a:solidFill>
+                            <a:schemeClr val="accent1"/>
+                          </a:solidFill>
+                        </a:ln>
+                        <a:solidFill>
+                          <a:schemeClr val="tx1"/>
+                        </a:solidFill>
+                      </a:endParaRPr>
+                    </a:p>
+                  </a:txBody>
+                  <a:tcPr anchor="ctr">
+                    <a:lnL w="12700" cap="flat" cmpd="sng" algn="ctr">
+                      <a:solidFill>
+                        <a:schemeClr val="tx1"/>
+                      </a:solidFill>
+                      <a:prstDash val="solid"/>
+                      <a:round/>
+                      <a:headEnd type="none" w="med" len="med"/>
+                      <a:tailEnd type="none" w="med" len="med"/>
+                    </a:lnL>
+                    <a:lnR w="12700" cap="flat" cmpd="sng" algn="ctr">
+                      <a:solidFill>
+                        <a:schemeClr val="tx1"/>
+                      </a:solidFill>
+                      <a:prstDash val="solid"/>
+                      <a:round/>
+                      <a:headEnd type="none" w="med" len="med"/>
+                      <a:tailEnd type="none" w="med" len="med"/>
+                    </a:lnR>
+                    <a:lnT w="12700" cap="flat" cmpd="sng" algn="ctr">
+                      <a:solidFill>
+                        <a:schemeClr val="tx1"/>
+                      </a:solidFill>
+                      <a:prstDash val="solid"/>
+                      <a:round/>
+                      <a:headEnd type="none" w="med" len="med"/>
+                      <a:tailEnd type="none" w="med" len="med"/>
+                    </a:lnT>
+                    <a:lnB w="12700" cap="flat" cmpd="sng" algn="ctr">
+                      <a:solidFill>
+                        <a:schemeClr val="tx1"/>
+                      </a:solidFill>
+                      <a:prstDash val="solid"/>
+                      <a:round/>
+                      <a:headEnd type="none" w="med" len="med"/>
+                      <a:tailEnd type="none" w="med" len="med"/>
+                    </a:lnB>
+                    <a:noFill/>
+                  </a:tcPr>
+                </a:tc>
+                <a:tc>
+                  <a:txBody>
+                    <a:bodyPr/>
+                    <a:lstStyle/>
+                    <a:p>
+                      <a:pPr algn="ctr" latinLnBrk="1"/>
+                      <a:r>
+                        <a:rPr lang="en-US" altLang="ko-KR" sz="2000" b="0" dirty="0">
+                          <a:ln>
+                            <a:solidFill>
+                              <a:schemeClr val="accent1"/>
+                            </a:solidFill>
+                          </a:ln>
+                          <a:solidFill>
+                            <a:schemeClr val="tx1"/>
+                          </a:solidFill>
+                        </a:rPr>
+                        <a:t>64</a:t>
+                      </a:r>
+                      <a:endParaRPr lang="ko-KR" altLang="en-US" sz="2000" b="0" dirty="0">
+                        <a:ln>
+                          <a:solidFill>
+                            <a:schemeClr val="accent1"/>
+                          </a:solidFill>
+                        </a:ln>
+                        <a:solidFill>
+                          <a:schemeClr val="tx1"/>
+                        </a:solidFill>
+                      </a:endParaRPr>
+                    </a:p>
+                  </a:txBody>
+                  <a:tcPr marL="0" marR="0" marT="0" marB="0" anchor="ctr">
+                    <a:lnL w="12700" cap="flat" cmpd="sng" algn="ctr">
+                      <a:solidFill>
+                        <a:schemeClr val="tx1"/>
+                      </a:solidFill>
+                      <a:prstDash val="solid"/>
+                      <a:round/>
+                      <a:headEnd type="none" w="med" len="med"/>
+                      <a:tailEnd type="none" w="med" len="med"/>
+                    </a:lnL>
+                    <a:lnR w="12700" cap="flat" cmpd="sng" algn="ctr">
+                      <a:solidFill>
+                        <a:schemeClr val="tx1"/>
+                      </a:solidFill>
+                      <a:prstDash val="solid"/>
+                      <a:round/>
+                      <a:headEnd type="none" w="med" len="med"/>
+                      <a:tailEnd type="none" w="med" len="med"/>
+                    </a:lnR>
+                    <a:lnT w="12700" cap="flat" cmpd="sng" algn="ctr">
+                      <a:solidFill>
+                        <a:schemeClr val="tx1"/>
+                      </a:solidFill>
+                      <a:prstDash val="solid"/>
+                      <a:round/>
+                      <a:headEnd type="none" w="med" len="med"/>
+                      <a:tailEnd type="none" w="med" len="med"/>
+                    </a:lnT>
+                    <a:lnB w="12700" cap="flat" cmpd="sng" algn="ctr">
+                      <a:solidFill>
+                        <a:schemeClr val="tx1"/>
+                      </a:solidFill>
+                      <a:prstDash val="solid"/>
+                      <a:round/>
+                      <a:headEnd type="none" w="med" len="med"/>
+                      <a:tailEnd type="none" w="med" len="med"/>
+                    </a:lnB>
+                    <a:noFill/>
+                  </a:tcPr>
+                </a:tc>
+                <a:tc>
+                  <a:txBody>
+                    <a:bodyPr/>
+                    <a:lstStyle/>
+                    <a:p>
+                      <a:pPr algn="ctr" latinLnBrk="1"/>
+                      <a:r>
+                        <a:rPr lang="en-US" altLang="ko-KR" sz="2000" b="0" dirty="0">
+                          <a:ln>
+                            <a:solidFill>
+                              <a:schemeClr val="accent1"/>
+                            </a:solidFill>
+                          </a:ln>
+                          <a:solidFill>
+                            <a:schemeClr val="tx1"/>
+                          </a:solidFill>
+                        </a:rPr>
+                        <a:t>100</a:t>
+                      </a:r>
+                      <a:endParaRPr lang="ko-KR" altLang="en-US" sz="2000" b="0" dirty="0">
+                        <a:ln>
+                          <a:solidFill>
+                            <a:schemeClr val="accent1"/>
+                          </a:solidFill>
+                        </a:ln>
+                        <a:solidFill>
+                          <a:schemeClr val="tx1"/>
+                        </a:solidFill>
+                      </a:endParaRPr>
+                    </a:p>
+                  </a:txBody>
+                  <a:tcPr anchor="ctr">
+                    <a:lnL w="12700" cap="flat" cmpd="sng" algn="ctr">
+                      <a:solidFill>
+                        <a:schemeClr val="tx1"/>
+                      </a:solidFill>
+                      <a:prstDash val="solid"/>
+                      <a:round/>
+                      <a:headEnd type="none" w="med" len="med"/>
+                      <a:tailEnd type="none" w="med" len="med"/>
+                    </a:lnL>
+                    <a:lnR w="12700" cap="flat" cmpd="sng" algn="ctr">
+                      <a:solidFill>
+                        <a:schemeClr val="tx1"/>
+                      </a:solidFill>
+                      <a:prstDash val="solid"/>
+                      <a:round/>
+                      <a:headEnd type="none" w="med" len="med"/>
+                      <a:tailEnd type="none" w="med" len="med"/>
+                    </a:lnR>
+                    <a:lnT w="12700" cap="flat" cmpd="sng" algn="ctr">
+                      <a:solidFill>
+                        <a:schemeClr val="tx1"/>
+                      </a:solidFill>
+                      <a:prstDash val="solid"/>
+                      <a:round/>
+                      <a:headEnd type="none" w="med" len="med"/>
+                      <a:tailEnd type="none" w="med" len="med"/>
+                    </a:lnT>
+                    <a:lnB w="12700" cap="flat" cmpd="sng" algn="ctr">
+                      <a:solidFill>
+                        <a:schemeClr val="tx1"/>
+                      </a:solidFill>
+                      <a:prstDash val="solid"/>
+                      <a:round/>
+                      <a:headEnd type="none" w="med" len="med"/>
+                      <a:tailEnd type="none" w="med" len="med"/>
+                    </a:lnB>
+                    <a:noFill/>
+                  </a:tcPr>
+                </a:tc>
+                <a:tc>
+                  <a:txBody>
+                    <a:bodyPr/>
+                    <a:lstStyle/>
+                    <a:p>
+                      <a:pPr algn="ctr" latinLnBrk="1"/>
+                      <a:r>
+                        <a:rPr lang="en-US" altLang="ko-KR" sz="2000" b="0" dirty="0">
+                          <a:ln>
+                            <a:solidFill>
+                              <a:schemeClr val="accent1"/>
+                            </a:solidFill>
+                          </a:ln>
+                          <a:solidFill>
+                            <a:schemeClr val="tx1"/>
+                          </a:solidFill>
+                        </a:rPr>
+                        <a:t>200</a:t>
+                      </a:r>
+                      <a:endParaRPr lang="ko-KR" altLang="en-US" sz="2000" b="0" dirty="0">
+                        <a:ln>
+                          <a:solidFill>
+                            <a:schemeClr val="accent1"/>
+                          </a:solidFill>
+                        </a:ln>
+                        <a:solidFill>
+                          <a:schemeClr val="tx1"/>
+                        </a:solidFill>
+                      </a:endParaRPr>
+                    </a:p>
+                  </a:txBody>
+                  <a:tcPr anchor="ctr">
+                    <a:lnL w="12700" cap="flat" cmpd="sng" algn="ctr">
+                      <a:solidFill>
+                        <a:schemeClr val="tx1"/>
+                      </a:solidFill>
+                      <a:prstDash val="solid"/>
+                      <a:round/>
+                      <a:headEnd type="none" w="med" len="med"/>
+                      <a:tailEnd type="none" w="med" len="med"/>
+                    </a:lnL>
+                    <a:lnR w="12700" cap="flat" cmpd="sng" algn="ctr">
+                      <a:solidFill>
+                        <a:schemeClr val="tx1"/>
+                      </a:solidFill>
+                      <a:prstDash val="solid"/>
+                      <a:round/>
+                      <a:headEnd type="none" w="med" len="med"/>
+                      <a:tailEnd type="none" w="med" len="med"/>
+                    </a:lnR>
+                    <a:lnT w="12700" cap="flat" cmpd="sng" algn="ctr">
+                      <a:solidFill>
+                        <a:schemeClr val="tx1"/>
+                      </a:solidFill>
+                      <a:prstDash val="solid"/>
+                      <a:round/>
+                      <a:headEnd type="none" w="med" len="med"/>
+                      <a:tailEnd type="none" w="med" len="med"/>
+                    </a:lnT>
+                    <a:lnB w="12700" cap="flat" cmpd="sng" algn="ctr">
+                      <a:solidFill>
+                        <a:schemeClr val="tx1"/>
+                      </a:solidFill>
+                      <a:prstDash val="solid"/>
+                      <a:round/>
+                      <a:headEnd type="none" w="med" len="med"/>
+                      <a:tailEnd type="none" w="med" len="med"/>
+                    </a:lnB>
+                    <a:noFill/>
+                  </a:tcPr>
+                </a:tc>
+                <a:extLst>
+                  <a:ext uri="{0D108BD9-81ED-4DB2-BD59-A6C34878D82A}">
+                    <a16:rowId xmlns:a16="http://schemas.microsoft.com/office/drawing/2014/main" val="862375088"/>
+                  </a:ext>
+                </a:extLst>
+              </a:tr>
+            </a:tbl>
+          </a:graphicData>
+        </a:graphic>
+      </p:graphicFrame>
+      <p:graphicFrame>
+        <p:nvGraphicFramePr>
+          <p:cNvPr id="6" name="표 5">
+            <a:extLst>
+              <a:ext uri="{FF2B5EF4-FFF2-40B4-BE49-F238E27FC236}">
+                <a16:creationId xmlns:a16="http://schemas.microsoft.com/office/drawing/2014/main" id="{6B6B93BA-ED64-4327-ACBF-5B091ACD4C4B}"/>
+              </a:ext>
+            </a:extLst>
+          </p:cNvPr>
+          <p:cNvGraphicFramePr>
+            <a:graphicFrameLocks noGrp="1"/>
+          </p:cNvGraphicFramePr>
+          <p:nvPr>
+            <p:extLst>
+              <p:ext uri="{D42A27DB-BD31-4B8C-83A1-F6EECF244321}">
+                <p14:modId xmlns:p14="http://schemas.microsoft.com/office/powerpoint/2010/main" val="1542790526"/>
+              </p:ext>
+            </p:extLst>
+          </p:nvPr>
+        </p:nvGraphicFramePr>
+        <p:xfrm>
+          <a:off x="6212746" y="2060848"/>
+          <a:ext cx="4995824" cy="670560"/>
+        </p:xfrm>
+        <a:graphic>
+          <a:graphicData uri="http://schemas.openxmlformats.org/drawingml/2006/table">
+            <a:tbl>
+              <a:tblPr firstRow="1" bandRow="1">
+                <a:tableStyleId>{5C22544A-7EE6-4342-B048-85BDC9FD1C3A}</a:tableStyleId>
+              </a:tblPr>
+              <a:tblGrid>
+                <a:gridCol w="624478">
+                  <a:extLst>
+                    <a:ext uri="{9D8B030D-6E8A-4147-A177-3AD203B41FA5}">
+                      <a16:colId xmlns:a16="http://schemas.microsoft.com/office/drawing/2014/main" val="2141639596"/>
+                    </a:ext>
+                  </a:extLst>
+                </a:gridCol>
+                <a:gridCol w="624478">
+                  <a:extLst>
+                    <a:ext uri="{9D8B030D-6E8A-4147-A177-3AD203B41FA5}">
+                      <a16:colId xmlns:a16="http://schemas.microsoft.com/office/drawing/2014/main" val="36916836"/>
+                    </a:ext>
+                  </a:extLst>
+                </a:gridCol>
+                <a:gridCol w="624478">
+                  <a:extLst>
+                    <a:ext uri="{9D8B030D-6E8A-4147-A177-3AD203B41FA5}">
+                      <a16:colId xmlns:a16="http://schemas.microsoft.com/office/drawing/2014/main" val="526059156"/>
+                    </a:ext>
+                  </a:extLst>
+                </a:gridCol>
+                <a:gridCol w="624478">
+                  <a:extLst>
+                    <a:ext uri="{9D8B030D-6E8A-4147-A177-3AD203B41FA5}">
+                      <a16:colId xmlns:a16="http://schemas.microsoft.com/office/drawing/2014/main" val="2893800122"/>
+                    </a:ext>
+                  </a:extLst>
+                </a:gridCol>
+                <a:gridCol w="624478">
+                  <a:extLst>
+                    <a:ext uri="{9D8B030D-6E8A-4147-A177-3AD203B41FA5}">
+                      <a16:colId xmlns:a16="http://schemas.microsoft.com/office/drawing/2014/main" val="3315258024"/>
+                    </a:ext>
+                  </a:extLst>
+                </a:gridCol>
+                <a:gridCol w="624478">
+                  <a:extLst>
+                    <a:ext uri="{9D8B030D-6E8A-4147-A177-3AD203B41FA5}">
+                      <a16:colId xmlns:a16="http://schemas.microsoft.com/office/drawing/2014/main" val="3229886335"/>
+                    </a:ext>
+                  </a:extLst>
+                </a:gridCol>
+                <a:gridCol w="624478">
+                  <a:extLst>
+                    <a:ext uri="{9D8B030D-6E8A-4147-A177-3AD203B41FA5}">
+                      <a16:colId xmlns:a16="http://schemas.microsoft.com/office/drawing/2014/main" val="1644060029"/>
+                    </a:ext>
+                  </a:extLst>
+                </a:gridCol>
+                <a:gridCol w="624478">
+                  <a:extLst>
+                    <a:ext uri="{9D8B030D-6E8A-4147-A177-3AD203B41FA5}">
+                      <a16:colId xmlns:a16="http://schemas.microsoft.com/office/drawing/2014/main" val="376802025"/>
+                    </a:ext>
+                  </a:extLst>
+                </a:gridCol>
+              </a:tblGrid>
+              <a:tr h="255533">
+                <a:tc>
+                  <a:txBody>
+                    <a:bodyPr/>
+                    <a:lstStyle/>
+                    <a:p>
+                      <a:pPr algn="ctr" latinLnBrk="1"/>
+                      <a:r>
+                        <a:rPr lang="en-US" altLang="ko-KR" sz="1200" b="0" dirty="0">
+                          <a:solidFill>
+                            <a:schemeClr val="tx1"/>
+                          </a:solidFill>
+                        </a:rPr>
+                        <a:t>0</a:t>
+                      </a:r>
+                      <a:endParaRPr lang="ko-KR" altLang="en-US" sz="1200" b="0" dirty="0">
+                        <a:solidFill>
+                          <a:schemeClr val="tx1"/>
+                        </a:solidFill>
+                      </a:endParaRPr>
+                    </a:p>
+                  </a:txBody>
+                  <a:tcPr>
+                    <a:lnB w="12700" cap="flat" cmpd="sng" algn="ctr">
+                      <a:solidFill>
+                        <a:schemeClr val="tx1"/>
+                      </a:solidFill>
+                      <a:prstDash val="solid"/>
+                      <a:round/>
+                      <a:headEnd type="none" w="med" len="med"/>
+                      <a:tailEnd type="none" w="med" len="med"/>
+                    </a:lnB>
+                    <a:noFill/>
+                  </a:tcPr>
+                </a:tc>
+                <a:tc>
+                  <a:txBody>
+                    <a:bodyPr/>
+                    <a:lstStyle/>
+                    <a:p>
+                      <a:pPr algn="ctr" latinLnBrk="1"/>
+                      <a:r>
+                        <a:rPr lang="en-US" altLang="ko-KR" sz="1200" b="0" dirty="0">
+                          <a:solidFill>
+                            <a:schemeClr val="tx1"/>
+                          </a:solidFill>
+                        </a:rPr>
+                        <a:t>1</a:t>
+                      </a:r>
+                      <a:endParaRPr lang="ko-KR" altLang="en-US" sz="1200" b="0" dirty="0">
+                        <a:solidFill>
+                          <a:schemeClr val="tx1"/>
+                        </a:solidFill>
+                      </a:endParaRPr>
+                    </a:p>
+                  </a:txBody>
+                  <a:tcPr>
+                    <a:lnB w="12700" cap="flat" cmpd="sng" algn="ctr">
+                      <a:solidFill>
+                        <a:schemeClr val="tx1"/>
+                      </a:solidFill>
+                      <a:prstDash val="solid"/>
+                      <a:round/>
+                      <a:headEnd type="none" w="med" len="med"/>
+                      <a:tailEnd type="none" w="med" len="med"/>
+                    </a:lnB>
+                    <a:noFill/>
+                  </a:tcPr>
+                </a:tc>
+                <a:tc>
+                  <a:txBody>
+                    <a:bodyPr/>
+                    <a:lstStyle/>
+                    <a:p>
+                      <a:pPr algn="ctr" latinLnBrk="1"/>
+                      <a:r>
+                        <a:rPr lang="en-US" altLang="ko-KR" sz="1200" b="0" dirty="0">
+                          <a:solidFill>
+                            <a:schemeClr val="tx1"/>
+                          </a:solidFill>
+                        </a:rPr>
+                        <a:t>2</a:t>
+                      </a:r>
+                      <a:endParaRPr lang="ko-KR" altLang="en-US" sz="1200" b="0" dirty="0">
+                        <a:solidFill>
+                          <a:schemeClr val="tx1"/>
+                        </a:solidFill>
+                      </a:endParaRPr>
+                    </a:p>
+                  </a:txBody>
+                  <a:tcPr>
+                    <a:lnB w="12700" cap="flat" cmpd="sng" algn="ctr">
+                      <a:solidFill>
+                        <a:schemeClr val="tx1"/>
+                      </a:solidFill>
+                      <a:prstDash val="solid"/>
+                      <a:round/>
+                      <a:headEnd type="none" w="med" len="med"/>
+                      <a:tailEnd type="none" w="med" len="med"/>
+                    </a:lnB>
+                    <a:noFill/>
+                  </a:tcPr>
+                </a:tc>
+                <a:tc>
+                  <a:txBody>
+                    <a:bodyPr/>
+                    <a:lstStyle/>
+                    <a:p>
+                      <a:pPr algn="ctr" latinLnBrk="1"/>
+                      <a:r>
+                        <a:rPr lang="en-US" altLang="ko-KR" sz="1200" b="0" dirty="0">
+                          <a:solidFill>
+                            <a:schemeClr val="tx1"/>
+                          </a:solidFill>
+                        </a:rPr>
+                        <a:t>3</a:t>
+                      </a:r>
+                      <a:endParaRPr lang="ko-KR" altLang="en-US" sz="1200" b="0" dirty="0">
+                        <a:solidFill>
+                          <a:schemeClr val="tx1"/>
+                        </a:solidFill>
+                      </a:endParaRPr>
+                    </a:p>
+                  </a:txBody>
+                  <a:tcPr>
+                    <a:lnB w="12700" cap="flat" cmpd="sng" algn="ctr">
+                      <a:solidFill>
+                        <a:schemeClr val="tx1"/>
+                      </a:solidFill>
+                      <a:prstDash val="solid"/>
+                      <a:round/>
+                      <a:headEnd type="none" w="med" len="med"/>
+                      <a:tailEnd type="none" w="med" len="med"/>
+                    </a:lnB>
+                    <a:noFill/>
+                  </a:tcPr>
+                </a:tc>
+                <a:tc>
+                  <a:txBody>
+                    <a:bodyPr/>
+                    <a:lstStyle/>
+                    <a:p>
+                      <a:pPr algn="ctr" latinLnBrk="1"/>
+                      <a:r>
+                        <a:rPr lang="en-US" altLang="ko-KR" sz="1200" b="0" dirty="0">
+                          <a:solidFill>
+                            <a:schemeClr val="tx1"/>
+                          </a:solidFill>
+                        </a:rPr>
+                        <a:t>4</a:t>
+                      </a:r>
+                      <a:endParaRPr lang="ko-KR" altLang="en-US" sz="1200" b="0" dirty="0">
+                        <a:solidFill>
+                          <a:schemeClr val="tx1"/>
+                        </a:solidFill>
+                      </a:endParaRPr>
+                    </a:p>
+                  </a:txBody>
+                  <a:tcPr>
+                    <a:lnB w="12700" cap="flat" cmpd="sng" algn="ctr">
+                      <a:solidFill>
+                        <a:schemeClr val="tx1"/>
+                      </a:solidFill>
+                      <a:prstDash val="solid"/>
+                      <a:round/>
+                      <a:headEnd type="none" w="med" len="med"/>
+                      <a:tailEnd type="none" w="med" len="med"/>
+                    </a:lnB>
+                    <a:noFill/>
+                  </a:tcPr>
+                </a:tc>
+                <a:tc>
+                  <a:txBody>
+                    <a:bodyPr/>
+                    <a:lstStyle/>
+                    <a:p>
+                      <a:pPr algn="ctr" latinLnBrk="1"/>
+                      <a:r>
+                        <a:rPr lang="en-US" altLang="ko-KR" sz="1200" b="0" dirty="0">
+                          <a:solidFill>
+                            <a:schemeClr val="tx1"/>
+                          </a:solidFill>
+                        </a:rPr>
+                        <a:t>5</a:t>
+                      </a:r>
+                      <a:endParaRPr lang="ko-KR" altLang="en-US" sz="1200" b="0" dirty="0">
+                        <a:solidFill>
+                          <a:schemeClr val="tx1"/>
+                        </a:solidFill>
+                      </a:endParaRPr>
+                    </a:p>
+                  </a:txBody>
+                  <a:tcPr>
+                    <a:lnB w="12700" cap="flat" cmpd="sng" algn="ctr">
+                      <a:solidFill>
+                        <a:schemeClr val="tx1"/>
+                      </a:solidFill>
+                      <a:prstDash val="solid"/>
+                      <a:round/>
+                      <a:headEnd type="none" w="med" len="med"/>
+                      <a:tailEnd type="none" w="med" len="med"/>
+                    </a:lnB>
+                    <a:noFill/>
+                  </a:tcPr>
+                </a:tc>
+                <a:tc>
+                  <a:txBody>
+                    <a:bodyPr/>
+                    <a:lstStyle/>
+                    <a:p>
+                      <a:pPr algn="ctr" latinLnBrk="1"/>
+                      <a:r>
+                        <a:rPr lang="en-US" altLang="ko-KR" sz="1200" b="0" dirty="0">
+                          <a:solidFill>
+                            <a:schemeClr val="tx1"/>
+                          </a:solidFill>
+                        </a:rPr>
+                        <a:t>6</a:t>
+                      </a:r>
+                      <a:endParaRPr lang="ko-KR" altLang="en-US" sz="1200" b="0" dirty="0">
+                        <a:solidFill>
+                          <a:schemeClr val="tx1"/>
+                        </a:solidFill>
+                      </a:endParaRPr>
+                    </a:p>
+                  </a:txBody>
+                  <a:tcPr>
+                    <a:lnB w="12700" cap="flat" cmpd="sng" algn="ctr">
+                      <a:solidFill>
+                        <a:schemeClr val="tx1"/>
+                      </a:solidFill>
+                      <a:prstDash val="solid"/>
+                      <a:round/>
+                      <a:headEnd type="none" w="med" len="med"/>
+                      <a:tailEnd type="none" w="med" len="med"/>
+                    </a:lnB>
+                    <a:noFill/>
+                  </a:tcPr>
+                </a:tc>
+                <a:tc>
+                  <a:txBody>
+                    <a:bodyPr/>
+                    <a:lstStyle/>
+                    <a:p>
+                      <a:pPr algn="ctr" latinLnBrk="1"/>
+                      <a:r>
+                        <a:rPr lang="en-US" altLang="ko-KR" sz="1200" b="0" dirty="0">
+                          <a:solidFill>
+                            <a:schemeClr val="tx1"/>
+                          </a:solidFill>
+                        </a:rPr>
+                        <a:t>7</a:t>
+                      </a:r>
+                      <a:endParaRPr lang="ko-KR" altLang="en-US" sz="1200" b="0" dirty="0">
+                        <a:solidFill>
+                          <a:schemeClr val="tx1"/>
+                        </a:solidFill>
+                      </a:endParaRPr>
+                    </a:p>
+                  </a:txBody>
+                  <a:tcPr>
+                    <a:lnB w="12700" cap="flat" cmpd="sng" algn="ctr">
+                      <a:solidFill>
+                        <a:schemeClr val="tx1"/>
+                      </a:solidFill>
+                      <a:prstDash val="solid"/>
+                      <a:round/>
+                      <a:headEnd type="none" w="med" len="med"/>
+                      <a:tailEnd type="none" w="med" len="med"/>
+                    </a:lnB>
+                    <a:noFill/>
+                  </a:tcPr>
+                </a:tc>
+                <a:extLst>
+                  <a:ext uri="{0D108BD9-81ED-4DB2-BD59-A6C34878D82A}">
+                    <a16:rowId xmlns:a16="http://schemas.microsoft.com/office/drawing/2014/main" val="2281094793"/>
+                  </a:ext>
+                </a:extLst>
+              </a:tr>
+              <a:tr h="255533">
+                <a:tc>
+                  <a:txBody>
+                    <a:bodyPr/>
+                    <a:lstStyle/>
+                    <a:p>
+                      <a:pPr algn="ctr" latinLnBrk="1"/>
+                      <a:r>
+                        <a:rPr lang="en-US" altLang="ko-KR" sz="2000" b="0" dirty="0">
+                          <a:ln>
+                            <a:solidFill>
+                              <a:schemeClr val="accent1"/>
+                            </a:solidFill>
+                          </a:ln>
+                          <a:solidFill>
+                            <a:schemeClr val="tx1"/>
+                          </a:solidFill>
+                        </a:rPr>
+                        <a:t>64</a:t>
+                      </a:r>
+                      <a:endParaRPr lang="ko-KR" altLang="en-US" sz="2000" b="0" dirty="0">
+                        <a:ln>
+                          <a:solidFill>
+                            <a:schemeClr val="accent1"/>
+                          </a:solidFill>
+                        </a:ln>
+                        <a:solidFill>
+                          <a:schemeClr val="tx1"/>
+                        </a:solidFill>
+                      </a:endParaRPr>
+                    </a:p>
+                  </a:txBody>
+                  <a:tcPr anchor="ctr">
+                    <a:lnL w="12700" cap="flat" cmpd="sng" algn="ctr">
+                      <a:solidFill>
+                        <a:schemeClr val="tx1"/>
+                      </a:solidFill>
+                      <a:prstDash val="solid"/>
+                      <a:round/>
+                      <a:headEnd type="none" w="med" len="med"/>
+                      <a:tailEnd type="none" w="med" len="med"/>
+                    </a:lnL>
+                    <a:lnR w="12700" cap="flat" cmpd="sng" algn="ctr">
+                      <a:solidFill>
+                        <a:schemeClr val="tx1"/>
+                      </a:solidFill>
+                      <a:prstDash val="solid"/>
+                      <a:round/>
+                      <a:headEnd type="none" w="med" len="med"/>
+                      <a:tailEnd type="none" w="med" len="med"/>
+                    </a:lnR>
+                    <a:lnT w="12700" cap="flat" cmpd="sng" algn="ctr">
+                      <a:solidFill>
+                        <a:schemeClr val="tx1"/>
+                      </a:solidFill>
+                      <a:prstDash val="solid"/>
+                      <a:round/>
+                      <a:headEnd type="none" w="med" len="med"/>
+                      <a:tailEnd type="none" w="med" len="med"/>
+                    </a:lnT>
+                    <a:lnB w="12700" cap="flat" cmpd="sng" algn="ctr">
+                      <a:solidFill>
+                        <a:schemeClr val="tx1"/>
+                      </a:solidFill>
+                      <a:prstDash val="solid"/>
+                      <a:round/>
+                      <a:headEnd type="none" w="med" len="med"/>
+                      <a:tailEnd type="none" w="med" len="med"/>
+                    </a:lnB>
+                    <a:noFill/>
+                  </a:tcPr>
+                </a:tc>
+                <a:tc>
+                  <a:txBody>
+                    <a:bodyPr/>
+                    <a:lstStyle/>
+                    <a:p>
+                      <a:pPr algn="ctr" latinLnBrk="1"/>
+                      <a:r>
+                        <a:rPr lang="en-US" altLang="ko-KR" sz="2000" b="0" dirty="0">
+                          <a:ln>
+                            <a:solidFill>
+                              <a:schemeClr val="accent1"/>
+                            </a:solidFill>
+                          </a:ln>
+                          <a:solidFill>
+                            <a:schemeClr val="tx1"/>
+                          </a:solidFill>
+                        </a:rPr>
+                        <a:t>128</a:t>
+                      </a:r>
+                      <a:endParaRPr lang="ko-KR" altLang="en-US" sz="2000" b="0" dirty="0">
+                        <a:ln>
+                          <a:solidFill>
+                            <a:schemeClr val="accent1"/>
+                          </a:solidFill>
+                        </a:ln>
+                        <a:solidFill>
+                          <a:schemeClr val="tx1"/>
+                        </a:solidFill>
+                      </a:endParaRPr>
+                    </a:p>
+                  </a:txBody>
+                  <a:tcPr anchor="ctr">
+                    <a:lnL w="12700" cap="flat" cmpd="sng" algn="ctr">
+                      <a:solidFill>
+                        <a:schemeClr val="tx1"/>
+                      </a:solidFill>
+                      <a:prstDash val="solid"/>
+                      <a:round/>
+                      <a:headEnd type="none" w="med" len="med"/>
+                      <a:tailEnd type="none" w="med" len="med"/>
+                    </a:lnL>
+                    <a:lnR w="12700" cap="flat" cmpd="sng" algn="ctr">
+                      <a:solidFill>
+                        <a:schemeClr val="tx1"/>
+                      </a:solidFill>
+                      <a:prstDash val="solid"/>
+                      <a:round/>
+                      <a:headEnd type="none" w="med" len="med"/>
+                      <a:tailEnd type="none" w="med" len="med"/>
+                    </a:lnR>
+                    <a:lnT w="12700" cap="flat" cmpd="sng" algn="ctr">
+                      <a:solidFill>
+                        <a:schemeClr val="tx1"/>
+                      </a:solidFill>
+                      <a:prstDash val="solid"/>
+                      <a:round/>
+                      <a:headEnd type="none" w="med" len="med"/>
+                      <a:tailEnd type="none" w="med" len="med"/>
+                    </a:lnT>
+                    <a:lnB w="12700" cap="flat" cmpd="sng" algn="ctr">
+                      <a:solidFill>
+                        <a:schemeClr val="tx1"/>
+                      </a:solidFill>
+                      <a:prstDash val="solid"/>
+                      <a:round/>
+                      <a:headEnd type="none" w="med" len="med"/>
+                      <a:tailEnd type="none" w="med" len="med"/>
+                    </a:lnB>
+                    <a:noFill/>
+                  </a:tcPr>
+                </a:tc>
+                <a:tc>
+                  <a:txBody>
+                    <a:bodyPr/>
+                    <a:lstStyle/>
+                    <a:p>
+                      <a:pPr algn="ctr" latinLnBrk="1"/>
+                      <a:r>
+                        <a:rPr lang="en-US" altLang="ko-KR" sz="2000" b="0" dirty="0">
+                          <a:ln>
+                            <a:solidFill>
+                              <a:schemeClr val="accent1"/>
+                            </a:solidFill>
+                          </a:ln>
+                          <a:solidFill>
+                            <a:schemeClr val="tx1"/>
+                          </a:solidFill>
+                        </a:rPr>
+                        <a:t>200</a:t>
+                      </a:r>
+                      <a:endParaRPr lang="ko-KR" altLang="en-US" sz="2000" b="0" dirty="0">
+                        <a:ln>
+                          <a:solidFill>
+                            <a:schemeClr val="accent1"/>
+                          </a:solidFill>
+                        </a:ln>
+                        <a:solidFill>
+                          <a:schemeClr val="tx1"/>
+                        </a:solidFill>
+                      </a:endParaRPr>
+                    </a:p>
+                  </a:txBody>
+                  <a:tcPr anchor="ctr">
+                    <a:lnL w="12700" cap="flat" cmpd="sng" algn="ctr">
+                      <a:solidFill>
+                        <a:schemeClr val="tx1"/>
+                      </a:solidFill>
+                      <a:prstDash val="solid"/>
+                      <a:round/>
+                      <a:headEnd type="none" w="med" len="med"/>
+                      <a:tailEnd type="none" w="med" len="med"/>
+                    </a:lnL>
+                    <a:lnR w="12700" cap="flat" cmpd="sng" algn="ctr">
+                      <a:solidFill>
+                        <a:schemeClr val="tx1"/>
+                      </a:solidFill>
+                      <a:prstDash val="solid"/>
+                      <a:round/>
+                      <a:headEnd type="none" w="med" len="med"/>
+                      <a:tailEnd type="none" w="med" len="med"/>
+                    </a:lnR>
+                    <a:lnT w="12700" cap="flat" cmpd="sng" algn="ctr">
+                      <a:solidFill>
+                        <a:schemeClr val="tx1"/>
+                      </a:solidFill>
+                      <a:prstDash val="solid"/>
+                      <a:round/>
+                      <a:headEnd type="none" w="med" len="med"/>
+                      <a:tailEnd type="none" w="med" len="med"/>
+                    </a:lnT>
+                    <a:lnB w="12700" cap="flat" cmpd="sng" algn="ctr">
+                      <a:solidFill>
+                        <a:schemeClr val="tx1"/>
+                      </a:solidFill>
+                      <a:prstDash val="solid"/>
+                      <a:round/>
+                      <a:headEnd type="none" w="med" len="med"/>
+                      <a:tailEnd type="none" w="med" len="med"/>
+                    </a:lnB>
+                    <a:noFill/>
+                  </a:tcPr>
+                </a:tc>
+                <a:tc>
+                  <a:txBody>
+                    <a:bodyPr/>
+                    <a:lstStyle/>
+                    <a:p>
+                      <a:pPr algn="ctr" latinLnBrk="1"/>
+                      <a:r>
+                        <a:rPr lang="en-US" altLang="ko-KR" sz="2000" b="0" dirty="0">
+                          <a:ln>
+                            <a:solidFill>
+                              <a:schemeClr val="accent1"/>
+                            </a:solidFill>
+                          </a:ln>
+                          <a:solidFill>
+                            <a:schemeClr val="tx1"/>
+                          </a:solidFill>
+                        </a:rPr>
+                        <a:t>300</a:t>
+                      </a:r>
+                      <a:endParaRPr lang="ko-KR" altLang="en-US" sz="2000" b="0" dirty="0">
+                        <a:ln>
+                          <a:solidFill>
+                            <a:schemeClr val="accent1"/>
+                          </a:solidFill>
+                        </a:ln>
+                        <a:solidFill>
+                          <a:schemeClr val="tx1"/>
+                        </a:solidFill>
+                      </a:endParaRPr>
+                    </a:p>
+                  </a:txBody>
+                  <a:tcPr anchor="ctr">
+                    <a:lnL w="12700" cap="flat" cmpd="sng" algn="ctr">
+                      <a:solidFill>
+                        <a:schemeClr val="tx1"/>
+                      </a:solidFill>
+                      <a:prstDash val="solid"/>
+                      <a:round/>
+                      <a:headEnd type="none" w="med" len="med"/>
+                      <a:tailEnd type="none" w="med" len="med"/>
+                    </a:lnL>
+                    <a:lnR w="12700" cap="flat" cmpd="sng" algn="ctr">
+                      <a:solidFill>
+                        <a:schemeClr val="tx1"/>
+                      </a:solidFill>
+                      <a:prstDash val="solid"/>
+                      <a:round/>
+                      <a:headEnd type="none" w="med" len="med"/>
+                      <a:tailEnd type="none" w="med" len="med"/>
+                    </a:lnR>
+                    <a:lnT w="12700" cap="flat" cmpd="sng" algn="ctr">
+                      <a:solidFill>
+                        <a:schemeClr val="tx1"/>
+                      </a:solidFill>
+                      <a:prstDash val="solid"/>
+                      <a:round/>
+                      <a:headEnd type="none" w="med" len="med"/>
+                      <a:tailEnd type="none" w="med" len="med"/>
+                    </a:lnT>
+                    <a:lnB w="12700" cap="flat" cmpd="sng" algn="ctr">
+                      <a:solidFill>
+                        <a:schemeClr val="tx1"/>
+                      </a:solidFill>
+                      <a:prstDash val="solid"/>
+                      <a:round/>
+                      <a:headEnd type="none" w="med" len="med"/>
+                      <a:tailEnd type="none" w="med" len="med"/>
+                    </a:lnB>
+                    <a:noFill/>
+                  </a:tcPr>
+                </a:tc>
+                <a:tc>
+                  <a:txBody>
+                    <a:bodyPr/>
+                    <a:lstStyle/>
+                    <a:p>
+                      <a:pPr algn="ctr" latinLnBrk="1"/>
+                      <a:r>
+                        <a:rPr lang="en-US" altLang="ko-KR" sz="2000" b="0" dirty="0">
+                          <a:ln>
+                            <a:solidFill>
+                              <a:schemeClr val="accent1"/>
+                            </a:solidFill>
+                          </a:ln>
+                          <a:solidFill>
+                            <a:schemeClr val="tx1"/>
+                          </a:solidFill>
+                        </a:rPr>
+                        <a:t>400</a:t>
+                      </a:r>
+                      <a:endParaRPr lang="ko-KR" altLang="en-US" sz="2000" b="0" dirty="0">
+                        <a:ln>
+                          <a:solidFill>
+                            <a:schemeClr val="accent1"/>
+                          </a:solidFill>
+                        </a:ln>
+                        <a:solidFill>
+                          <a:schemeClr val="tx1"/>
+                        </a:solidFill>
+                      </a:endParaRPr>
+                    </a:p>
+                  </a:txBody>
+                  <a:tcPr marL="0" marR="0" marT="0" marB="0" anchor="ctr">
+                    <a:lnL w="12700" cap="flat" cmpd="sng" algn="ctr">
+                      <a:solidFill>
+                        <a:schemeClr val="tx1"/>
+                      </a:solidFill>
+                      <a:prstDash val="solid"/>
+                      <a:round/>
+                      <a:headEnd type="none" w="med" len="med"/>
+                      <a:tailEnd type="none" w="med" len="med"/>
+                    </a:lnL>
+                    <a:lnR w="12700" cap="flat" cmpd="sng" algn="ctr">
+                      <a:solidFill>
+                        <a:schemeClr val="tx1"/>
+                      </a:solidFill>
+                      <a:prstDash val="solid"/>
+                      <a:round/>
+                      <a:headEnd type="none" w="med" len="med"/>
+                      <a:tailEnd type="none" w="med" len="med"/>
+                    </a:lnR>
+                    <a:lnT w="12700" cap="flat" cmpd="sng" algn="ctr">
+                      <a:solidFill>
+                        <a:schemeClr val="tx1"/>
+                      </a:solidFill>
+                      <a:prstDash val="solid"/>
+                      <a:round/>
+                      <a:headEnd type="none" w="med" len="med"/>
+                      <a:tailEnd type="none" w="med" len="med"/>
+                    </a:lnT>
+                    <a:lnB w="12700" cap="flat" cmpd="sng" algn="ctr">
+                      <a:solidFill>
+                        <a:schemeClr val="tx1"/>
+                      </a:solidFill>
+                      <a:prstDash val="solid"/>
+                      <a:round/>
+                      <a:headEnd type="none" w="med" len="med"/>
+                      <a:tailEnd type="none" w="med" len="med"/>
+                    </a:lnB>
+                    <a:noFill/>
+                  </a:tcPr>
+                </a:tc>
+                <a:tc>
+                  <a:txBody>
+                    <a:bodyPr/>
+                    <a:lstStyle/>
+                    <a:p>
+                      <a:pPr algn="ctr" latinLnBrk="1"/>
+                      <a:r>
+                        <a:rPr lang="en-US" altLang="ko-KR" sz="2000" b="0" dirty="0">
+                          <a:ln>
+                            <a:solidFill>
+                              <a:schemeClr val="accent1"/>
+                            </a:solidFill>
+                          </a:ln>
+                          <a:solidFill>
+                            <a:schemeClr val="tx1"/>
+                          </a:solidFill>
+                        </a:rPr>
+                        <a:t>100</a:t>
+                      </a:r>
+                      <a:endParaRPr lang="ko-KR" altLang="en-US" sz="2000" b="0" dirty="0">
+                        <a:ln>
+                          <a:solidFill>
+                            <a:schemeClr val="accent1"/>
+                          </a:solidFill>
+                        </a:ln>
+                        <a:solidFill>
+                          <a:schemeClr val="tx1"/>
+                        </a:solidFill>
+                      </a:endParaRPr>
+                    </a:p>
+                  </a:txBody>
+                  <a:tcPr anchor="ctr">
+                    <a:lnL w="12700" cap="flat" cmpd="sng" algn="ctr">
+                      <a:solidFill>
+                        <a:schemeClr val="tx1"/>
+                      </a:solidFill>
+                      <a:prstDash val="solid"/>
+                      <a:round/>
+                      <a:headEnd type="none" w="med" len="med"/>
+                      <a:tailEnd type="none" w="med" len="med"/>
+                    </a:lnL>
+                    <a:lnR w="12700" cap="flat" cmpd="sng" algn="ctr">
+                      <a:solidFill>
+                        <a:schemeClr val="tx1"/>
+                      </a:solidFill>
+                      <a:prstDash val="solid"/>
+                      <a:round/>
+                      <a:headEnd type="none" w="med" len="med"/>
+                      <a:tailEnd type="none" w="med" len="med"/>
+                    </a:lnR>
+                    <a:lnT w="12700" cap="flat" cmpd="sng" algn="ctr">
+                      <a:solidFill>
+                        <a:schemeClr val="tx1"/>
+                      </a:solidFill>
+                      <a:prstDash val="solid"/>
+                      <a:round/>
+                      <a:headEnd type="none" w="med" len="med"/>
+                      <a:tailEnd type="none" w="med" len="med"/>
+                    </a:lnT>
+                    <a:lnB w="12700" cap="flat" cmpd="sng" algn="ctr">
+                      <a:solidFill>
+                        <a:schemeClr val="tx1"/>
+                      </a:solidFill>
+                      <a:prstDash val="solid"/>
+                      <a:round/>
+                      <a:headEnd type="none" w="med" len="med"/>
+                      <a:tailEnd type="none" w="med" len="med"/>
+                    </a:lnB>
+                    <a:noFill/>
+                  </a:tcPr>
+                </a:tc>
+                <a:tc>
+                  <a:txBody>
+                    <a:bodyPr/>
+                    <a:lstStyle/>
+                    <a:p>
+                      <a:pPr algn="ctr" latinLnBrk="1"/>
+                      <a:r>
+                        <a:rPr lang="en-US" altLang="ko-KR" sz="2000" b="0" dirty="0">
+                          <a:ln>
+                            <a:solidFill>
+                              <a:schemeClr val="accent1"/>
+                            </a:solidFill>
+                          </a:ln>
+                          <a:solidFill>
+                            <a:schemeClr val="tx1"/>
+                          </a:solidFill>
+                        </a:rPr>
+                        <a:t>400</a:t>
+                      </a:r>
+                      <a:endParaRPr lang="ko-KR" altLang="en-US" sz="2000" b="0" dirty="0">
+                        <a:ln>
+                          <a:solidFill>
+                            <a:schemeClr val="accent1"/>
+                          </a:solidFill>
+                        </a:ln>
+                        <a:solidFill>
+                          <a:schemeClr val="tx1"/>
+                        </a:solidFill>
+                      </a:endParaRPr>
+                    </a:p>
+                  </a:txBody>
+                  <a:tcPr anchor="ctr">
+                    <a:lnL w="12700" cap="flat" cmpd="sng" algn="ctr">
+                      <a:solidFill>
+                        <a:schemeClr val="tx1"/>
+                      </a:solidFill>
+                      <a:prstDash val="solid"/>
+                      <a:round/>
+                      <a:headEnd type="none" w="med" len="med"/>
+                      <a:tailEnd type="none" w="med" len="med"/>
+                    </a:lnL>
+                    <a:lnR w="12700" cap="flat" cmpd="sng" algn="ctr">
+                      <a:solidFill>
+                        <a:schemeClr val="tx1"/>
+                      </a:solidFill>
+                      <a:prstDash val="solid"/>
+                      <a:round/>
+                      <a:headEnd type="none" w="med" len="med"/>
+                      <a:tailEnd type="none" w="med" len="med"/>
+                    </a:lnR>
+                    <a:lnT w="12700" cap="flat" cmpd="sng" algn="ctr">
+                      <a:solidFill>
+                        <a:schemeClr val="tx1"/>
+                      </a:solidFill>
+                      <a:prstDash val="solid"/>
+                      <a:round/>
+                      <a:headEnd type="none" w="med" len="med"/>
+                      <a:tailEnd type="none" w="med" len="med"/>
+                    </a:lnT>
+                    <a:lnB w="12700" cap="flat" cmpd="sng" algn="ctr">
+                      <a:solidFill>
+                        <a:schemeClr val="tx1"/>
+                      </a:solidFill>
+                      <a:prstDash val="solid"/>
+                      <a:round/>
+                      <a:headEnd type="none" w="med" len="med"/>
+                      <a:tailEnd type="none" w="med" len="med"/>
+                    </a:lnB>
+                    <a:noFill/>
+                  </a:tcPr>
+                </a:tc>
+                <a:tc>
+                  <a:txBody>
+                    <a:bodyPr/>
+                    <a:lstStyle/>
+                    <a:p>
+                      <a:pPr algn="ctr" latinLnBrk="1"/>
+                      <a:r>
+                        <a:rPr lang="en-US" altLang="ko-KR" sz="2000" b="0" dirty="0">
+                          <a:ln>
+                            <a:solidFill>
+                              <a:schemeClr val="accent1"/>
+                            </a:solidFill>
+                          </a:ln>
+                          <a:solidFill>
+                            <a:schemeClr val="tx1"/>
+                          </a:solidFill>
+                        </a:rPr>
+                        <a:t>500</a:t>
+                      </a:r>
+                      <a:endParaRPr lang="ko-KR" altLang="en-US" sz="2000" b="0" dirty="0">
+                        <a:ln>
+                          <a:solidFill>
+                            <a:schemeClr val="accent1"/>
+                          </a:solidFill>
+                        </a:ln>
+                        <a:solidFill>
+                          <a:schemeClr val="tx1"/>
+                        </a:solidFill>
+                      </a:endParaRPr>
+                    </a:p>
+                  </a:txBody>
+                  <a:tcPr anchor="ctr">
+                    <a:lnL w="12700" cap="flat" cmpd="sng" algn="ctr">
+                      <a:solidFill>
+                        <a:schemeClr val="tx1"/>
+                      </a:solidFill>
+                      <a:prstDash val="solid"/>
+                      <a:round/>
+                      <a:headEnd type="none" w="med" len="med"/>
+                      <a:tailEnd type="none" w="med" len="med"/>
+                    </a:lnL>
+                    <a:lnR w="12700" cap="flat" cmpd="sng" algn="ctr">
+                      <a:solidFill>
+                        <a:schemeClr val="tx1"/>
+                      </a:solidFill>
+                      <a:prstDash val="solid"/>
+                      <a:round/>
+                      <a:headEnd type="none" w="med" len="med"/>
+                      <a:tailEnd type="none" w="med" len="med"/>
+                    </a:lnR>
+                    <a:lnT w="12700" cap="flat" cmpd="sng" algn="ctr">
+                      <a:solidFill>
+                        <a:schemeClr val="tx1"/>
+                      </a:solidFill>
+                      <a:prstDash val="solid"/>
+                      <a:round/>
+                      <a:headEnd type="none" w="med" len="med"/>
+                      <a:tailEnd type="none" w="med" len="med"/>
+                    </a:lnT>
+                    <a:lnB w="12700" cap="flat" cmpd="sng" algn="ctr">
+                      <a:solidFill>
+                        <a:schemeClr val="tx1"/>
+                      </a:solidFill>
+                      <a:prstDash val="solid"/>
+                      <a:round/>
+                      <a:headEnd type="none" w="med" len="med"/>
+                      <a:tailEnd type="none" w="med" len="med"/>
+                    </a:lnB>
+                    <a:noFill/>
+                  </a:tcPr>
+                </a:tc>
+                <a:extLst>
+                  <a:ext uri="{0D108BD9-81ED-4DB2-BD59-A6C34878D82A}">
+                    <a16:rowId xmlns:a16="http://schemas.microsoft.com/office/drawing/2014/main" val="862375088"/>
+                  </a:ext>
+                </a:extLst>
+              </a:tr>
+            </a:tbl>
+          </a:graphicData>
+        </a:graphic>
+      </p:graphicFrame>
+      <p:sp>
+        <p:nvSpPr>
+          <p:cNvPr id="7" name="직사각형 6">
+            <a:extLst>
+              <a:ext uri="{FF2B5EF4-FFF2-40B4-BE49-F238E27FC236}">
+                <a16:creationId xmlns:a16="http://schemas.microsoft.com/office/drawing/2014/main" id="{FFCA81E8-A792-49A2-AD55-E8E8A487DB04}"/>
+              </a:ext>
+            </a:extLst>
+          </p:cNvPr>
+          <p:cNvSpPr/>
+          <p:nvPr/>
+        </p:nvSpPr>
+        <p:spPr>
+          <a:xfrm>
+            <a:off x="9383688" y="3630216"/>
+            <a:ext cx="2808312" cy="1308050"/>
+          </a:xfrm>
+          <a:prstGeom prst="rect">
+            <a:avLst/>
+          </a:prstGeom>
+          <a:solidFill>
+            <a:schemeClr val="bg1">
+              <a:lumMod val="95000"/>
+            </a:schemeClr>
+          </a:solidFill>
+          <a:ln>
+            <a:solidFill>
+              <a:schemeClr val="bg1">
+                <a:lumMod val="75000"/>
+              </a:schemeClr>
+            </a:solidFill>
+          </a:ln>
+        </p:spPr>
+        <p:txBody>
+          <a:bodyPr wrap="square">
+            <a:spAutoFit/>
+          </a:bodyPr>
+          <a:lstStyle/>
+          <a:p>
+            <a:pPr marL="72000" lvl="1">
+              <a:lnSpc>
+                <a:spcPct val="75000"/>
+              </a:lnSpc>
+              <a:spcBef>
+                <a:spcPts val="580"/>
+              </a:spcBef>
+              <a:buClr>
+                <a:srgbClr val="FF0000"/>
+              </a:buClr>
+              <a:buSzPct val="54166"/>
+              <a:tabLst>
+                <a:tab pos="793115" algn="l"/>
+                <a:tab pos="793750" algn="l"/>
+              </a:tabLst>
+            </a:pPr>
+            <a:r>
+              <a:rPr lang="en-US" altLang="ko-KR" sz="1200" spc="-5" dirty="0">
+                <a:latin typeface="Tahoma"/>
+                <a:cs typeface="Tahoma"/>
+              </a:rPr>
+              <a:t>int </a:t>
+            </a:r>
+            <a:r>
+              <a:rPr lang="en-US" altLang="ko-KR" sz="1200" spc="-5" dirty="0" err="1">
+                <a:latin typeface="Tahoma"/>
+                <a:cs typeface="Tahoma"/>
+              </a:rPr>
+              <a:t>hash_function</a:t>
+            </a:r>
+            <a:r>
+              <a:rPr lang="en-US" altLang="ko-KR" sz="1200" spc="-5" dirty="0">
+                <a:latin typeface="Tahoma"/>
+                <a:cs typeface="Tahoma"/>
+              </a:rPr>
+              <a:t>(int key) {</a:t>
+            </a:r>
+          </a:p>
+          <a:p>
+            <a:pPr marL="72000" lvl="1">
+              <a:lnSpc>
+                <a:spcPct val="75000"/>
+              </a:lnSpc>
+              <a:spcBef>
+                <a:spcPts val="580"/>
+              </a:spcBef>
+              <a:buClr>
+                <a:srgbClr val="FF0000"/>
+              </a:buClr>
+              <a:buSzPct val="54166"/>
+              <a:tabLst>
+                <a:tab pos="793115" algn="l"/>
+                <a:tab pos="793750" algn="l"/>
+              </a:tabLst>
+            </a:pPr>
+            <a:r>
+              <a:rPr lang="en-US" altLang="ko-KR" sz="1200" spc="-5" dirty="0">
+                <a:latin typeface="Tahoma"/>
+                <a:cs typeface="Tahoma"/>
+              </a:rPr>
+              <a:t>    int x = (key + 5) * (key + 5);</a:t>
+            </a:r>
+          </a:p>
+          <a:p>
+            <a:pPr marL="72000" lvl="1">
+              <a:lnSpc>
+                <a:spcPct val="75000"/>
+              </a:lnSpc>
+              <a:spcBef>
+                <a:spcPts val="580"/>
+              </a:spcBef>
+              <a:buClr>
+                <a:srgbClr val="FF0000"/>
+              </a:buClr>
+              <a:buSzPct val="54166"/>
+              <a:tabLst>
+                <a:tab pos="793115" algn="l"/>
+                <a:tab pos="793750" algn="l"/>
+              </a:tabLst>
+            </a:pPr>
+            <a:r>
+              <a:rPr lang="en-US" altLang="ko-KR" sz="1200" spc="-5" dirty="0">
+                <a:latin typeface="Tahoma"/>
+                <a:cs typeface="Tahoma"/>
+              </a:rPr>
+              <a:t>    x = x / 16;</a:t>
+            </a:r>
+          </a:p>
+          <a:p>
+            <a:pPr marL="72000" lvl="1">
+              <a:lnSpc>
+                <a:spcPct val="75000"/>
+              </a:lnSpc>
+              <a:spcBef>
+                <a:spcPts val="580"/>
+              </a:spcBef>
+              <a:buClr>
+                <a:srgbClr val="FF0000"/>
+              </a:buClr>
+              <a:buSzPct val="54166"/>
+              <a:tabLst>
+                <a:tab pos="793115" algn="l"/>
+                <a:tab pos="793750" algn="l"/>
+              </a:tabLst>
+            </a:pPr>
+            <a:r>
+              <a:rPr lang="en-US" altLang="ko-KR" sz="1200" spc="-5" dirty="0">
+                <a:latin typeface="Tahoma"/>
+                <a:cs typeface="Tahoma"/>
+              </a:rPr>
+              <a:t>    x = x + key;</a:t>
+            </a:r>
+          </a:p>
+          <a:p>
+            <a:pPr marL="72000" lvl="1">
+              <a:lnSpc>
+                <a:spcPct val="75000"/>
+              </a:lnSpc>
+              <a:spcBef>
+                <a:spcPts val="580"/>
+              </a:spcBef>
+              <a:buClr>
+                <a:srgbClr val="FF0000"/>
+              </a:buClr>
+              <a:buSzPct val="54166"/>
+              <a:tabLst>
+                <a:tab pos="793115" algn="l"/>
+                <a:tab pos="793750" algn="l"/>
+              </a:tabLst>
+            </a:pPr>
+            <a:r>
+              <a:rPr lang="en-US" altLang="ko-KR" sz="1200" spc="-5" dirty="0">
+                <a:latin typeface="Tahoma"/>
+                <a:cs typeface="Tahoma"/>
+              </a:rPr>
+              <a:t>    return x % </a:t>
+            </a:r>
+            <a:r>
+              <a:rPr lang="en-US" altLang="ko-KR" sz="1200" spc="-5" dirty="0" err="1">
+                <a:latin typeface="Tahoma"/>
+                <a:cs typeface="Tahoma"/>
+              </a:rPr>
+              <a:t>TableSize</a:t>
+            </a:r>
+            <a:r>
+              <a:rPr lang="en-US" altLang="ko-KR" sz="1200" spc="-5" dirty="0">
+                <a:latin typeface="Tahoma"/>
+                <a:cs typeface="Tahoma"/>
+              </a:rPr>
+              <a:t>;</a:t>
+            </a:r>
+          </a:p>
+          <a:p>
+            <a:pPr marL="72000" lvl="1">
+              <a:lnSpc>
+                <a:spcPct val="75000"/>
+              </a:lnSpc>
+              <a:spcBef>
+                <a:spcPts val="580"/>
+              </a:spcBef>
+              <a:buClr>
+                <a:srgbClr val="FF0000"/>
+              </a:buClr>
+              <a:buSzPct val="54166"/>
+              <a:tabLst>
+                <a:tab pos="793115" algn="l"/>
+                <a:tab pos="793750" algn="l"/>
+              </a:tabLst>
+            </a:pPr>
+            <a:r>
+              <a:rPr lang="en-US" altLang="ko-KR" sz="1200" spc="-5" dirty="0">
+                <a:latin typeface="Tahoma"/>
+                <a:cs typeface="Tahoma"/>
+              </a:rPr>
+              <a:t>}</a:t>
+            </a:r>
+            <a:endParaRPr lang="en-US" altLang="ko-KR" sz="1200" dirty="0">
+              <a:latin typeface="Tahoma"/>
+              <a:cs typeface="Tahoma"/>
+            </a:endParaRPr>
+          </a:p>
+        </p:txBody>
+      </p:sp>
     </p:spTree>
     <p:extLst>
       <p:ext uri="{BB962C8B-B14F-4D97-AF65-F5344CB8AC3E}">
@@ -19243,13 +24974,6 @@
   <p:clrMapOvr>
     <a:masterClrMapping/>
   </p:clrMapOvr>
-  <p:timing>
-    <p:tnLst>
-      <p:par>
-        <p:cTn id="1" dur="indefinite" restart="never" nodeType="tmRoot"/>
-      </p:par>
-    </p:tnLst>
-  </p:timing>
 </p:sld>
 </file>
 
@@ -19427,13 +25151,6 @@
   <p:clrMapOvr>
     <a:masterClrMapping/>
   </p:clrMapOvr>
-  <p:timing>
-    <p:tnLst>
-      <p:par>
-        <p:cTn id="1" dur="indefinite" restart="never" nodeType="tmRoot"/>
-      </p:par>
-    </p:tnLst>
-  </p:timing>
 </p:sld>
 </file>
 
